--- a/doc/presentation/MIALab_slides.pptx
+++ b/doc/presentation/MIALab_slides.pptx
@@ -5,19 +5,21 @@
     <p:sldMasterId id="2147483649" r:id="rId1"/>
   </p:sldMasterIdLst>
   <p:notesMasterIdLst>
-    <p:notesMasterId r:id="rId9"/>
+    <p:notesMasterId r:id="rId11"/>
   </p:notesMasterIdLst>
   <p:handoutMasterIdLst>
-    <p:handoutMasterId r:id="rId10"/>
+    <p:handoutMasterId r:id="rId12"/>
   </p:handoutMasterIdLst>
   <p:sldIdLst>
     <p:sldId id="257" r:id="rId2"/>
     <p:sldId id="266" r:id="rId3"/>
     <p:sldId id="261" r:id="rId4"/>
-    <p:sldId id="262" r:id="rId5"/>
-    <p:sldId id="263" r:id="rId6"/>
+    <p:sldId id="268" r:id="rId5"/>
+    <p:sldId id="267" r:id="rId6"/>
     <p:sldId id="264" r:id="rId7"/>
     <p:sldId id="265" r:id="rId8"/>
+    <p:sldId id="269" r:id="rId9"/>
+    <p:sldId id="270" r:id="rId10"/>
   </p:sldIdLst>
   <p:sldSz cx="9144000" cy="6858000" type="screen4x3"/>
   <p:notesSz cx="6858000" cy="9144000"/>
@@ -1729,37 +1731,65 @@
       <dgm:spPr/>
     </dgm:pt>
     <dgm:pt modelId="{8309813C-6DEA-A74B-9F58-1EEA224BFB3F}" type="pres">
-      <dgm:prSet presAssocID="{0F45FDCE-7F24-1346-8DD9-3F6A483C8926}" presName="node" presStyleLbl="node1" presStyleIdx="0" presStyleCnt="2">
+      <dgm:prSet presAssocID="{0F45FDCE-7F24-1346-8DD9-3F6A483C8926}" presName="node" presStyleLbl="node1" presStyleIdx="0" presStyleCnt="2" custLinFactNeighborX="-2096">
         <dgm:presLayoutVars>
           <dgm:bulletEnabled val="1"/>
         </dgm:presLayoutVars>
       </dgm:prSet>
       <dgm:spPr/>
+      <dgm:t>
+        <a:bodyPr/>
+        <a:lstStyle/>
+        <a:p>
+          <a:endParaRPr lang="en-GB"/>
+        </a:p>
+      </dgm:t>
     </dgm:pt>
     <dgm:pt modelId="{33FB1C2E-176E-A84C-BE49-0F1CF831B288}" type="pres">
       <dgm:prSet presAssocID="{B1F6F90E-68A3-4C49-9BE0-AEEA76686D05}" presName="sibTrans" presStyleLbl="sibTrans2D1" presStyleIdx="0" presStyleCnt="1"/>
       <dgm:spPr/>
+      <dgm:t>
+        <a:bodyPr/>
+        <a:lstStyle/>
+        <a:p>
+          <a:endParaRPr lang="en-GB"/>
+        </a:p>
+      </dgm:t>
     </dgm:pt>
     <dgm:pt modelId="{1946A612-B5CA-4447-B3B5-A6E6DF5E5CAA}" type="pres">
       <dgm:prSet presAssocID="{B1F6F90E-68A3-4C49-9BE0-AEEA76686D05}" presName="connectorText" presStyleLbl="sibTrans2D1" presStyleIdx="0" presStyleCnt="1"/>
       <dgm:spPr/>
+      <dgm:t>
+        <a:bodyPr/>
+        <a:lstStyle/>
+        <a:p>
+          <a:endParaRPr lang="en-GB"/>
+        </a:p>
+      </dgm:t>
     </dgm:pt>
     <dgm:pt modelId="{760ACBAD-DFC6-A840-93E3-5B7A1CE5B7FF}" type="pres">
-      <dgm:prSet presAssocID="{F8CDDFA7-4247-4D49-AF23-36E4140D0C99}" presName="node" presStyleLbl="node1" presStyleIdx="1" presStyleCnt="2">
+      <dgm:prSet presAssocID="{F8CDDFA7-4247-4D49-AF23-36E4140D0C99}" presName="node" presStyleLbl="node1" presStyleIdx="1" presStyleCnt="2" custLinFactY="200000" custLinFactNeighborX="-2096" custLinFactNeighborY="206411">
         <dgm:presLayoutVars>
           <dgm:bulletEnabled val="1"/>
         </dgm:presLayoutVars>
       </dgm:prSet>
       <dgm:spPr/>
+      <dgm:t>
+        <a:bodyPr/>
+        <a:lstStyle/>
+        <a:p>
+          <a:endParaRPr lang="en-GB"/>
+        </a:p>
+      </dgm:t>
     </dgm:pt>
   </dgm:ptLst>
   <dgm:cxnLst>
+    <dgm:cxn modelId="{78BAB60A-8DF8-2241-A53B-35C7429B0DFE}" type="presOf" srcId="{F8CDDFA7-4247-4D49-AF23-36E4140D0C99}" destId="{760ACBAD-DFC6-A840-93E3-5B7A1CE5B7FF}" srcOrd="0" destOrd="0" presId="urn:microsoft.com/office/officeart/2005/8/layout/process2"/>
+    <dgm:cxn modelId="{BCDA9749-D396-EB48-8914-CA9003A7A07D}" type="presOf" srcId="{B1F6F90E-68A3-4C49-9BE0-AEEA76686D05}" destId="{33FB1C2E-176E-A84C-BE49-0F1CF831B288}" srcOrd="0" destOrd="0" presId="urn:microsoft.com/office/officeart/2005/8/layout/process2"/>
+    <dgm:cxn modelId="{745781D7-93E5-4C4D-9B33-37552266F048}" srcId="{90D0B293-7860-894D-9C79-238664FCE67D}" destId="{F8CDDFA7-4247-4D49-AF23-36E4140D0C99}" srcOrd="1" destOrd="0" parTransId="{72441C8F-B6D2-E743-BC02-256C8A0212FA}" sibTransId="{F4D21388-49CB-9547-80C5-B5020AE8495F}"/>
+    <dgm:cxn modelId="{5900F7C6-1FEB-294C-B16D-3D30F37AD539}" srcId="{90D0B293-7860-894D-9C79-238664FCE67D}" destId="{0F45FDCE-7F24-1346-8DD9-3F6A483C8926}" srcOrd="0" destOrd="0" parTransId="{A1D630F7-8410-3B4B-BB90-8B297A9064A9}" sibTransId="{B1F6F90E-68A3-4C49-9BE0-AEEA76686D05}"/>
+    <dgm:cxn modelId="{4AE980A9-22BB-B74E-9B5A-9F5BA0896E95}" type="presOf" srcId="{90D0B293-7860-894D-9C79-238664FCE67D}" destId="{252D1BAC-6BC7-C440-B706-3AFB5932D00B}" srcOrd="0" destOrd="0" presId="urn:microsoft.com/office/officeart/2005/8/layout/process2"/>
     <dgm:cxn modelId="{AAEDC6F3-4EF0-2F42-9AD7-0871FDB78835}" type="presOf" srcId="{0F45FDCE-7F24-1346-8DD9-3F6A483C8926}" destId="{8309813C-6DEA-A74B-9F58-1EEA224BFB3F}" srcOrd="0" destOrd="0" presId="urn:microsoft.com/office/officeart/2005/8/layout/process2"/>
-    <dgm:cxn modelId="{78BAB60A-8DF8-2241-A53B-35C7429B0DFE}" type="presOf" srcId="{F8CDDFA7-4247-4D49-AF23-36E4140D0C99}" destId="{760ACBAD-DFC6-A840-93E3-5B7A1CE5B7FF}" srcOrd="0" destOrd="0" presId="urn:microsoft.com/office/officeart/2005/8/layout/process2"/>
-    <dgm:cxn modelId="{4AE980A9-22BB-B74E-9B5A-9F5BA0896E95}" type="presOf" srcId="{90D0B293-7860-894D-9C79-238664FCE67D}" destId="{252D1BAC-6BC7-C440-B706-3AFB5932D00B}" srcOrd="0" destOrd="0" presId="urn:microsoft.com/office/officeart/2005/8/layout/process2"/>
-    <dgm:cxn modelId="{745781D7-93E5-4C4D-9B33-37552266F048}" srcId="{90D0B293-7860-894D-9C79-238664FCE67D}" destId="{F8CDDFA7-4247-4D49-AF23-36E4140D0C99}" srcOrd="1" destOrd="0" parTransId="{72441C8F-B6D2-E743-BC02-256C8A0212FA}" sibTransId="{F4D21388-49CB-9547-80C5-B5020AE8495F}"/>
-    <dgm:cxn modelId="{BCDA9749-D396-EB48-8914-CA9003A7A07D}" type="presOf" srcId="{B1F6F90E-68A3-4C49-9BE0-AEEA76686D05}" destId="{33FB1C2E-176E-A84C-BE49-0F1CF831B288}" srcOrd="0" destOrd="0" presId="urn:microsoft.com/office/officeart/2005/8/layout/process2"/>
-    <dgm:cxn modelId="{5900F7C6-1FEB-294C-B16D-3D30F37AD539}" srcId="{90D0B293-7860-894D-9C79-238664FCE67D}" destId="{0F45FDCE-7F24-1346-8DD9-3F6A483C8926}" srcOrd="0" destOrd="0" parTransId="{A1D630F7-8410-3B4B-BB90-8B297A9064A9}" sibTransId="{B1F6F90E-68A3-4C49-9BE0-AEEA76686D05}"/>
     <dgm:cxn modelId="{408738B1-025C-CD4A-9DEE-7CA157B9E1A6}" type="presOf" srcId="{B1F6F90E-68A3-4C49-9BE0-AEEA76686D05}" destId="{1946A612-B5CA-4447-B3B5-A6E6DF5E5CAA}" srcOrd="1" destOrd="0" presId="urn:microsoft.com/office/officeart/2005/8/layout/process2"/>
     <dgm:cxn modelId="{1435B56D-A809-3A44-B56C-3325BF3872F7}" type="presParOf" srcId="{252D1BAC-6BC7-C440-B706-3AFB5932D00B}" destId="{8309813C-6DEA-A74B-9F58-1EEA224BFB3F}" srcOrd="0" destOrd="0" presId="urn:microsoft.com/office/officeart/2005/8/layout/process2"/>
     <dgm:cxn modelId="{62F97100-C129-A44A-BC96-DB8A4EBF8C49}" type="presParOf" srcId="{252D1BAC-6BC7-C440-B706-3AFB5932D00B}" destId="{33FB1C2E-176E-A84C-BE49-0F1CF831B288}" srcOrd="1" destOrd="0" presId="urn:microsoft.com/office/officeart/2005/8/layout/process2"/>
@@ -1828,8 +1858,8 @@
         <a:lstStyle/>
         <a:p>
           <a:r>
-            <a:rPr lang="en-GB" dirty="0" err="1" smtClean="0"/>
-            <a:t>Preprocess</a:t>
+            <a:rPr lang="en-GB" dirty="0" smtClean="0"/>
+            <a:t>Pre-Process</a:t>
           </a:r>
           <a:endParaRPr lang="en-GB" dirty="0"/>
         </a:p>
@@ -1939,8 +1969,8 @@
         <a:lstStyle/>
         <a:p>
           <a:r>
-            <a:rPr lang="en-GB" dirty="0" err="1" smtClean="0"/>
-            <a:t>Postprocess</a:t>
+            <a:rPr lang="en-GB" dirty="0" smtClean="0"/>
+            <a:t>Post-Process</a:t>
           </a:r>
           <a:endParaRPr lang="en-GB" dirty="0"/>
         </a:p>
@@ -2095,14 +2125,35 @@
         </dgm:presLayoutVars>
       </dgm:prSet>
       <dgm:spPr/>
+      <dgm:t>
+        <a:bodyPr/>
+        <a:lstStyle/>
+        <a:p>
+          <a:endParaRPr lang="en-GB"/>
+        </a:p>
+      </dgm:t>
     </dgm:pt>
     <dgm:pt modelId="{BA0BEDE7-D2D8-0745-A736-37E6DBBBCF78}" type="pres">
       <dgm:prSet presAssocID="{4034D875-3611-EA42-82FF-AD2B3645BAFC}" presName="sibTrans" presStyleLbl="sibTrans2D1" presStyleIdx="0" presStyleCnt="5"/>
       <dgm:spPr/>
+      <dgm:t>
+        <a:bodyPr/>
+        <a:lstStyle/>
+        <a:p>
+          <a:endParaRPr lang="en-GB"/>
+        </a:p>
+      </dgm:t>
     </dgm:pt>
     <dgm:pt modelId="{3DC39003-611A-C142-A1E8-BEF235D3B548}" type="pres">
       <dgm:prSet presAssocID="{4034D875-3611-EA42-82FF-AD2B3645BAFC}" presName="connectorText" presStyleLbl="sibTrans2D1" presStyleIdx="0" presStyleCnt="5"/>
       <dgm:spPr/>
+      <dgm:t>
+        <a:bodyPr/>
+        <a:lstStyle/>
+        <a:p>
+          <a:endParaRPr lang="en-GB"/>
+        </a:p>
+      </dgm:t>
     </dgm:pt>
     <dgm:pt modelId="{2787077C-9C67-4745-90A8-96CE5C562107}" type="pres">
       <dgm:prSet presAssocID="{DAE8AB90-959C-AC4F-9283-FC7F2719AE83}" presName="node" presStyleLbl="node1" presStyleIdx="1" presStyleCnt="6">
@@ -2122,10 +2173,24 @@
     <dgm:pt modelId="{9E5E12EE-D5E8-4542-AC59-F8121E429374}" type="pres">
       <dgm:prSet presAssocID="{21DF6EF0-D91E-9E4B-9986-460823DC5045}" presName="sibTrans" presStyleLbl="sibTrans2D1" presStyleIdx="1" presStyleCnt="5"/>
       <dgm:spPr/>
+      <dgm:t>
+        <a:bodyPr/>
+        <a:lstStyle/>
+        <a:p>
+          <a:endParaRPr lang="en-GB"/>
+        </a:p>
+      </dgm:t>
     </dgm:pt>
     <dgm:pt modelId="{CFAA8E65-33A6-3542-8550-88C7C887156A}" type="pres">
       <dgm:prSet presAssocID="{21DF6EF0-D91E-9E4B-9986-460823DC5045}" presName="connectorText" presStyleLbl="sibTrans2D1" presStyleIdx="1" presStyleCnt="5"/>
       <dgm:spPr/>
+      <dgm:t>
+        <a:bodyPr/>
+        <a:lstStyle/>
+        <a:p>
+          <a:endParaRPr lang="en-GB"/>
+        </a:p>
+      </dgm:t>
     </dgm:pt>
     <dgm:pt modelId="{3B9C3E82-BCBA-EC43-B7E2-B876EF9243AB}" type="pres">
       <dgm:prSet presAssocID="{F2279908-6040-084B-BD68-75B31C9DA707}" presName="node" presStyleLbl="node1" presStyleIdx="2" presStyleCnt="6">
@@ -2145,10 +2210,24 @@
     <dgm:pt modelId="{AEA76E44-30A9-6D4F-8927-0293872098EF}" type="pres">
       <dgm:prSet presAssocID="{345B8BCC-2043-2946-80B1-BD82DD91D2E9}" presName="sibTrans" presStyleLbl="sibTrans2D1" presStyleIdx="2" presStyleCnt="5"/>
       <dgm:spPr/>
+      <dgm:t>
+        <a:bodyPr/>
+        <a:lstStyle/>
+        <a:p>
+          <a:endParaRPr lang="en-GB"/>
+        </a:p>
+      </dgm:t>
     </dgm:pt>
     <dgm:pt modelId="{E584FE79-91FB-8F42-AB7B-543DC3A86354}" type="pres">
       <dgm:prSet presAssocID="{345B8BCC-2043-2946-80B1-BD82DD91D2E9}" presName="connectorText" presStyleLbl="sibTrans2D1" presStyleIdx="2" presStyleCnt="5"/>
       <dgm:spPr/>
+      <dgm:t>
+        <a:bodyPr/>
+        <a:lstStyle/>
+        <a:p>
+          <a:endParaRPr lang="en-GB"/>
+        </a:p>
+      </dgm:t>
     </dgm:pt>
     <dgm:pt modelId="{006631A4-CC36-3547-ACE5-A22EC02B1D57}" type="pres">
       <dgm:prSet presAssocID="{0B2795A7-790A-464B-8297-3F9E52A62D31}" presName="node" presStyleLbl="node1" presStyleIdx="3" presStyleCnt="6">
@@ -2168,10 +2247,24 @@
     <dgm:pt modelId="{1815960C-6872-A246-8808-59A04760FC61}" type="pres">
       <dgm:prSet presAssocID="{750D7D06-97ED-7F4A-B0E2-BFC538AFE8EB}" presName="sibTrans" presStyleLbl="sibTrans2D1" presStyleIdx="3" presStyleCnt="5"/>
       <dgm:spPr/>
+      <dgm:t>
+        <a:bodyPr/>
+        <a:lstStyle/>
+        <a:p>
+          <a:endParaRPr lang="en-GB"/>
+        </a:p>
+      </dgm:t>
     </dgm:pt>
     <dgm:pt modelId="{56AACF5F-B69A-7F42-A81A-F0238B2364BB}" type="pres">
       <dgm:prSet presAssocID="{750D7D06-97ED-7F4A-B0E2-BFC538AFE8EB}" presName="connectorText" presStyleLbl="sibTrans2D1" presStyleIdx="3" presStyleCnt="5"/>
       <dgm:spPr/>
+      <dgm:t>
+        <a:bodyPr/>
+        <a:lstStyle/>
+        <a:p>
+          <a:endParaRPr lang="en-GB"/>
+        </a:p>
+      </dgm:t>
     </dgm:pt>
     <dgm:pt modelId="{AA3E99BC-A267-BC46-A095-2A7C17946751}" type="pres">
       <dgm:prSet presAssocID="{0FFA8D19-4676-CA4A-989D-0E6C36B7C3D8}" presName="node" presStyleLbl="node1" presStyleIdx="4" presStyleCnt="6">
@@ -2191,10 +2284,24 @@
     <dgm:pt modelId="{A86CCBF8-0593-3F4D-A838-34AA8333AFB1}" type="pres">
       <dgm:prSet presAssocID="{5CE3F7CE-80AE-C14A-95AF-590F66F2EE21}" presName="sibTrans" presStyleLbl="sibTrans2D1" presStyleIdx="4" presStyleCnt="5"/>
       <dgm:spPr/>
+      <dgm:t>
+        <a:bodyPr/>
+        <a:lstStyle/>
+        <a:p>
+          <a:endParaRPr lang="en-GB"/>
+        </a:p>
+      </dgm:t>
     </dgm:pt>
     <dgm:pt modelId="{6D574052-F52A-8A43-9AE4-DAC75AEFED79}" type="pres">
       <dgm:prSet presAssocID="{5CE3F7CE-80AE-C14A-95AF-590F66F2EE21}" presName="connectorText" presStyleLbl="sibTrans2D1" presStyleIdx="4" presStyleCnt="5"/>
       <dgm:spPr/>
+      <dgm:t>
+        <a:bodyPr/>
+        <a:lstStyle/>
+        <a:p>
+          <a:endParaRPr lang="en-GB"/>
+        </a:p>
+      </dgm:t>
     </dgm:pt>
     <dgm:pt modelId="{E6F5C078-EDCC-9446-8F48-BFC227829067}" type="pres">
       <dgm:prSet presAssocID="{759B4923-EC0A-2245-BC47-434B14A80BAC}" presName="node" presStyleLbl="node1" presStyleIdx="5" presStyleCnt="6">
@@ -2213,33 +2320,33 @@
     </dgm:pt>
   </dgm:ptLst>
   <dgm:cxnLst>
+    <dgm:cxn modelId="{15832660-C403-E846-85D3-ECBA08F6F436}" srcId="{9CCA2703-44A2-5A44-959C-035906E68F15}" destId="{0B2795A7-790A-464B-8297-3F9E52A62D31}" srcOrd="3" destOrd="0" parTransId="{3A97D5FF-01F9-CE44-BEDD-57808796038D}" sibTransId="{750D7D06-97ED-7F4A-B0E2-BFC538AFE8EB}"/>
+    <dgm:cxn modelId="{61252B13-6177-DD4C-9CCE-3007E31DEA52}" srcId="{9CCA2703-44A2-5A44-959C-035906E68F15}" destId="{F2279908-6040-084B-BD68-75B31C9DA707}" srcOrd="2" destOrd="0" parTransId="{6E7AE9DC-7E91-DD4E-86E5-148EAE2399EE}" sibTransId="{345B8BCC-2043-2946-80B1-BD82DD91D2E9}"/>
+    <dgm:cxn modelId="{3C844BDF-64B0-BC4C-A63C-283AEAD1EE50}" type="presOf" srcId="{5CE3F7CE-80AE-C14A-95AF-590F66F2EE21}" destId="{A86CCBF8-0593-3F4D-A838-34AA8333AFB1}" srcOrd="0" destOrd="0" presId="urn:microsoft.com/office/officeart/2005/8/layout/process1"/>
+    <dgm:cxn modelId="{2DB19E59-A2D2-B14E-9551-D3C6C108B1B6}" srcId="{9CCA2703-44A2-5A44-959C-035906E68F15}" destId="{759B4923-EC0A-2245-BC47-434B14A80BAC}" srcOrd="5" destOrd="0" parTransId="{0AD2ABB2-A1DA-F24A-AF0B-E5E6E1C59A8D}" sibTransId="{14E3FEA4-69DC-1B4A-A076-21954645F1C8}"/>
+    <dgm:cxn modelId="{FC5983A3-BA54-AD4A-B289-9267FF1CC8C2}" srcId="{759B4923-EC0A-2245-BC47-434B14A80BAC}" destId="{6404F092-5E52-DB4D-A54D-1E60B0E31941}" srcOrd="1" destOrd="0" parTransId="{79EC3483-A705-0F44-9D34-C7EA312B051F}" sibTransId="{AB5D6ECC-163E-A049-B7BA-041CFD7EE9CE}"/>
+    <dgm:cxn modelId="{8A1C08B1-4E67-B04D-9B14-A53790E49A96}" type="presOf" srcId="{345B8BCC-2043-2946-80B1-BD82DD91D2E9}" destId="{E584FE79-91FB-8F42-AB7B-543DC3A86354}" srcOrd="1" destOrd="0" presId="urn:microsoft.com/office/officeart/2005/8/layout/process1"/>
+    <dgm:cxn modelId="{361F0EF5-9784-9944-A10D-49184C263BD8}" srcId="{9CCA2703-44A2-5A44-959C-035906E68F15}" destId="{DAE8AB90-959C-AC4F-9283-FC7F2719AE83}" srcOrd="1" destOrd="0" parTransId="{A45D1FEC-9ACE-D949-94A4-AC6459CC04D5}" sibTransId="{21DF6EF0-D91E-9E4B-9986-460823DC5045}"/>
     <dgm:cxn modelId="{4C7AB877-3507-1648-9CFF-F8C6EDDB32B6}" type="presOf" srcId="{E3D0252C-F8F7-1743-BE39-E30A4A7C5D43}" destId="{9AC63E6B-6196-524E-942A-B20DA62C746B}" srcOrd="0" destOrd="0" presId="urn:microsoft.com/office/officeart/2005/8/layout/process1"/>
+    <dgm:cxn modelId="{60610082-414D-9A40-828A-389C1AAD702F}" type="presOf" srcId="{4034D875-3611-EA42-82FF-AD2B3645BAFC}" destId="{BA0BEDE7-D2D8-0745-A736-37E6DBBBCF78}" srcOrd="0" destOrd="0" presId="urn:microsoft.com/office/officeart/2005/8/layout/process1"/>
+    <dgm:cxn modelId="{66BE52A8-4494-8B4F-9665-E7CA0C73F51C}" type="presOf" srcId="{750D7D06-97ED-7F4A-B0E2-BFC538AFE8EB}" destId="{56AACF5F-B69A-7F42-A81A-F0238B2364BB}" srcOrd="1" destOrd="0" presId="urn:microsoft.com/office/officeart/2005/8/layout/process1"/>
+    <dgm:cxn modelId="{D94329F9-0EA7-E441-8B70-B92DB2A65B8B}" type="presOf" srcId="{9CCA2703-44A2-5A44-959C-035906E68F15}" destId="{3E78BED2-CF11-8240-96AC-AF6D15847FD6}" srcOrd="0" destOrd="0" presId="urn:microsoft.com/office/officeart/2005/8/layout/process1"/>
+    <dgm:cxn modelId="{E8A1E4DA-2FB4-1D48-9932-478E1FBF4DB4}" type="presOf" srcId="{4034D875-3611-EA42-82FF-AD2B3645BAFC}" destId="{3DC39003-611A-C142-A1E8-BEF235D3B548}" srcOrd="1" destOrd="0" presId="urn:microsoft.com/office/officeart/2005/8/layout/process1"/>
+    <dgm:cxn modelId="{9181D3C6-6BF4-5747-B45D-CBD66B5D2B9D}" type="presOf" srcId="{0FFA8D19-4676-CA4A-989D-0E6C36B7C3D8}" destId="{AA3E99BC-A267-BC46-A095-2A7C17946751}" srcOrd="0" destOrd="0" presId="urn:microsoft.com/office/officeart/2005/8/layout/process1"/>
+    <dgm:cxn modelId="{76EB2C27-ECB0-BA49-BC08-2D71BE6CB6CD}" srcId="{759B4923-EC0A-2245-BC47-434B14A80BAC}" destId="{2E897982-7E04-4C45-9C43-285D39107AAE}" srcOrd="0" destOrd="0" parTransId="{41BFA2C3-11D7-A64C-A291-F82AB928DF8D}" sibTransId="{A43A4309-3771-B649-BD9A-608102D2AAE0}"/>
+    <dgm:cxn modelId="{19217BE6-30B7-1447-A49A-C3044FC338BB}" type="presOf" srcId="{F2279908-6040-084B-BD68-75B31C9DA707}" destId="{3B9C3E82-BCBA-EC43-B7E2-B876EF9243AB}" srcOrd="0" destOrd="0" presId="urn:microsoft.com/office/officeart/2005/8/layout/process1"/>
+    <dgm:cxn modelId="{3B7061CC-1CB2-8748-9A31-AAFE7F8D3F0C}" srcId="{9CCA2703-44A2-5A44-959C-035906E68F15}" destId="{E3D0252C-F8F7-1743-BE39-E30A4A7C5D43}" srcOrd="0" destOrd="0" parTransId="{46FB300F-EAEE-664F-83D9-06C0F50C8137}" sibTransId="{4034D875-3611-EA42-82FF-AD2B3645BAFC}"/>
+    <dgm:cxn modelId="{9EFA704F-1A43-F749-AFC1-9589A279E701}" type="presOf" srcId="{DAE8AB90-959C-AC4F-9283-FC7F2719AE83}" destId="{2787077C-9C67-4745-90A8-96CE5C562107}" srcOrd="0" destOrd="0" presId="urn:microsoft.com/office/officeart/2005/8/layout/process1"/>
     <dgm:cxn modelId="{733D1F15-4B77-E548-BE85-333790347658}" type="presOf" srcId="{759B4923-EC0A-2245-BC47-434B14A80BAC}" destId="{E6F5C078-EDCC-9446-8F48-BFC227829067}" srcOrd="0" destOrd="0" presId="urn:microsoft.com/office/officeart/2005/8/layout/process1"/>
-    <dgm:cxn modelId="{A24E1450-C880-6447-97FD-A2E38C0323F9}" type="presOf" srcId="{2E897982-7E04-4C45-9C43-285D39107AAE}" destId="{E6F5C078-EDCC-9446-8F48-BFC227829067}" srcOrd="0" destOrd="1" presId="urn:microsoft.com/office/officeart/2005/8/layout/process1"/>
+    <dgm:cxn modelId="{D9895593-4582-914C-A029-B815E763FEE6}" type="presOf" srcId="{345B8BCC-2043-2946-80B1-BD82DD91D2E9}" destId="{AEA76E44-30A9-6D4F-8927-0293872098EF}" srcOrd="0" destOrd="0" presId="urn:microsoft.com/office/officeart/2005/8/layout/process1"/>
+    <dgm:cxn modelId="{C9330DF4-8B66-DE43-A405-E9C72B0CD738}" type="presOf" srcId="{750D7D06-97ED-7F4A-B0E2-BFC538AFE8EB}" destId="{1815960C-6872-A246-8808-59A04760FC61}" srcOrd="0" destOrd="0" presId="urn:microsoft.com/office/officeart/2005/8/layout/process1"/>
+    <dgm:cxn modelId="{68737BF1-5F86-7841-9936-308922CCF15A}" srcId="{9CCA2703-44A2-5A44-959C-035906E68F15}" destId="{0FFA8D19-4676-CA4A-989D-0E6C36B7C3D8}" srcOrd="4" destOrd="0" parTransId="{1DD962AE-B01D-8247-B1ED-3B1835FA4D2F}" sibTransId="{5CE3F7CE-80AE-C14A-95AF-590F66F2EE21}"/>
     <dgm:cxn modelId="{4D826D5C-8669-1D47-88B8-B76FC9F17D63}" type="presOf" srcId="{21DF6EF0-D91E-9E4B-9986-460823DC5045}" destId="{CFAA8E65-33A6-3542-8550-88C7C887156A}" srcOrd="1" destOrd="0" presId="urn:microsoft.com/office/officeart/2005/8/layout/process1"/>
     <dgm:cxn modelId="{D29ED75B-E76A-BE48-B2E6-F8DA7E67590E}" type="presOf" srcId="{5CE3F7CE-80AE-C14A-95AF-590F66F2EE21}" destId="{6D574052-F52A-8A43-9AE4-DAC75AEFED79}" srcOrd="1" destOrd="0" presId="urn:microsoft.com/office/officeart/2005/8/layout/process1"/>
-    <dgm:cxn modelId="{15832660-C403-E846-85D3-ECBA08F6F436}" srcId="{9CCA2703-44A2-5A44-959C-035906E68F15}" destId="{0B2795A7-790A-464B-8297-3F9E52A62D31}" srcOrd="3" destOrd="0" parTransId="{3A97D5FF-01F9-CE44-BEDD-57808796038D}" sibTransId="{750D7D06-97ED-7F4A-B0E2-BFC538AFE8EB}"/>
-    <dgm:cxn modelId="{60610082-414D-9A40-828A-389C1AAD702F}" type="presOf" srcId="{4034D875-3611-EA42-82FF-AD2B3645BAFC}" destId="{BA0BEDE7-D2D8-0745-A736-37E6DBBBCF78}" srcOrd="0" destOrd="0" presId="urn:microsoft.com/office/officeart/2005/8/layout/process1"/>
-    <dgm:cxn modelId="{9181D3C6-6BF4-5747-B45D-CBD66B5D2B9D}" type="presOf" srcId="{0FFA8D19-4676-CA4A-989D-0E6C36B7C3D8}" destId="{AA3E99BC-A267-BC46-A095-2A7C17946751}" srcOrd="0" destOrd="0" presId="urn:microsoft.com/office/officeart/2005/8/layout/process1"/>
-    <dgm:cxn modelId="{61252B13-6177-DD4C-9CCE-3007E31DEA52}" srcId="{9CCA2703-44A2-5A44-959C-035906E68F15}" destId="{F2279908-6040-084B-BD68-75B31C9DA707}" srcOrd="2" destOrd="0" parTransId="{6E7AE9DC-7E91-DD4E-86E5-148EAE2399EE}" sibTransId="{345B8BCC-2043-2946-80B1-BD82DD91D2E9}"/>
-    <dgm:cxn modelId="{76EB2C27-ECB0-BA49-BC08-2D71BE6CB6CD}" srcId="{759B4923-EC0A-2245-BC47-434B14A80BAC}" destId="{2E897982-7E04-4C45-9C43-285D39107AAE}" srcOrd="0" destOrd="0" parTransId="{41BFA2C3-11D7-A64C-A291-F82AB928DF8D}" sibTransId="{A43A4309-3771-B649-BD9A-608102D2AAE0}"/>
-    <dgm:cxn modelId="{3B7061CC-1CB2-8748-9A31-AAFE7F8D3F0C}" srcId="{9CCA2703-44A2-5A44-959C-035906E68F15}" destId="{E3D0252C-F8F7-1743-BE39-E30A4A7C5D43}" srcOrd="0" destOrd="0" parTransId="{46FB300F-EAEE-664F-83D9-06C0F50C8137}" sibTransId="{4034D875-3611-EA42-82FF-AD2B3645BAFC}"/>
-    <dgm:cxn modelId="{D9895593-4582-914C-A029-B815E763FEE6}" type="presOf" srcId="{345B8BCC-2043-2946-80B1-BD82DD91D2E9}" destId="{AEA76E44-30A9-6D4F-8927-0293872098EF}" srcOrd="0" destOrd="0" presId="urn:microsoft.com/office/officeart/2005/8/layout/process1"/>
-    <dgm:cxn modelId="{361F0EF5-9784-9944-A10D-49184C263BD8}" srcId="{9CCA2703-44A2-5A44-959C-035906E68F15}" destId="{DAE8AB90-959C-AC4F-9283-FC7F2719AE83}" srcOrd="1" destOrd="0" parTransId="{A45D1FEC-9ACE-D949-94A4-AC6459CC04D5}" sibTransId="{21DF6EF0-D91E-9E4B-9986-460823DC5045}"/>
+    <dgm:cxn modelId="{23E886E9-6F93-854D-8E49-53256730F938}" type="presOf" srcId="{21DF6EF0-D91E-9E4B-9986-460823DC5045}" destId="{9E5E12EE-D5E8-4542-AC59-F8121E429374}" srcOrd="0" destOrd="0" presId="urn:microsoft.com/office/officeart/2005/8/layout/process1"/>
+    <dgm:cxn modelId="{A24E1450-C880-6447-97FD-A2E38C0323F9}" type="presOf" srcId="{2E897982-7E04-4C45-9C43-285D39107AAE}" destId="{E6F5C078-EDCC-9446-8F48-BFC227829067}" srcOrd="0" destOrd="1" presId="urn:microsoft.com/office/officeart/2005/8/layout/process1"/>
     <dgm:cxn modelId="{399B9FB1-F983-EE4A-8D5A-03BD9AC9F6B6}" type="presOf" srcId="{0B2795A7-790A-464B-8297-3F9E52A62D31}" destId="{006631A4-CC36-3547-ACE5-A22EC02B1D57}" srcOrd="0" destOrd="0" presId="urn:microsoft.com/office/officeart/2005/8/layout/process1"/>
-    <dgm:cxn modelId="{8A1C08B1-4E67-B04D-9B14-A53790E49A96}" type="presOf" srcId="{345B8BCC-2043-2946-80B1-BD82DD91D2E9}" destId="{E584FE79-91FB-8F42-AB7B-543DC3A86354}" srcOrd="1" destOrd="0" presId="urn:microsoft.com/office/officeart/2005/8/layout/process1"/>
-    <dgm:cxn modelId="{66BE52A8-4494-8B4F-9665-E7CA0C73F51C}" type="presOf" srcId="{750D7D06-97ED-7F4A-B0E2-BFC538AFE8EB}" destId="{56AACF5F-B69A-7F42-A81A-F0238B2364BB}" srcOrd="1" destOrd="0" presId="urn:microsoft.com/office/officeart/2005/8/layout/process1"/>
-    <dgm:cxn modelId="{E8A1E4DA-2FB4-1D48-9932-478E1FBF4DB4}" type="presOf" srcId="{4034D875-3611-EA42-82FF-AD2B3645BAFC}" destId="{3DC39003-611A-C142-A1E8-BEF235D3B548}" srcOrd="1" destOrd="0" presId="urn:microsoft.com/office/officeart/2005/8/layout/process1"/>
-    <dgm:cxn modelId="{23E886E9-6F93-854D-8E49-53256730F938}" type="presOf" srcId="{21DF6EF0-D91E-9E4B-9986-460823DC5045}" destId="{9E5E12EE-D5E8-4542-AC59-F8121E429374}" srcOrd="0" destOrd="0" presId="urn:microsoft.com/office/officeart/2005/8/layout/process1"/>
     <dgm:cxn modelId="{71A8FF06-5D31-3E48-8823-6A07720CC656}" type="presOf" srcId="{6404F092-5E52-DB4D-A54D-1E60B0E31941}" destId="{E6F5C078-EDCC-9446-8F48-BFC227829067}" srcOrd="0" destOrd="2" presId="urn:microsoft.com/office/officeart/2005/8/layout/process1"/>
-    <dgm:cxn modelId="{D94329F9-0EA7-E441-8B70-B92DB2A65B8B}" type="presOf" srcId="{9CCA2703-44A2-5A44-959C-035906E68F15}" destId="{3E78BED2-CF11-8240-96AC-AF6D15847FD6}" srcOrd="0" destOrd="0" presId="urn:microsoft.com/office/officeart/2005/8/layout/process1"/>
-    <dgm:cxn modelId="{C9330DF4-8B66-DE43-A405-E9C72B0CD738}" type="presOf" srcId="{750D7D06-97ED-7F4A-B0E2-BFC538AFE8EB}" destId="{1815960C-6872-A246-8808-59A04760FC61}" srcOrd="0" destOrd="0" presId="urn:microsoft.com/office/officeart/2005/8/layout/process1"/>
-    <dgm:cxn modelId="{2DB19E59-A2D2-B14E-9551-D3C6C108B1B6}" srcId="{9CCA2703-44A2-5A44-959C-035906E68F15}" destId="{759B4923-EC0A-2245-BC47-434B14A80BAC}" srcOrd="5" destOrd="0" parTransId="{0AD2ABB2-A1DA-F24A-AF0B-E5E6E1C59A8D}" sibTransId="{14E3FEA4-69DC-1B4A-A076-21954645F1C8}"/>
-    <dgm:cxn modelId="{3C844BDF-64B0-BC4C-A63C-283AEAD1EE50}" type="presOf" srcId="{5CE3F7CE-80AE-C14A-95AF-590F66F2EE21}" destId="{A86CCBF8-0593-3F4D-A838-34AA8333AFB1}" srcOrd="0" destOrd="0" presId="urn:microsoft.com/office/officeart/2005/8/layout/process1"/>
-    <dgm:cxn modelId="{9EFA704F-1A43-F749-AFC1-9589A279E701}" type="presOf" srcId="{DAE8AB90-959C-AC4F-9283-FC7F2719AE83}" destId="{2787077C-9C67-4745-90A8-96CE5C562107}" srcOrd="0" destOrd="0" presId="urn:microsoft.com/office/officeart/2005/8/layout/process1"/>
-    <dgm:cxn modelId="{19217BE6-30B7-1447-A49A-C3044FC338BB}" type="presOf" srcId="{F2279908-6040-084B-BD68-75B31C9DA707}" destId="{3B9C3E82-BCBA-EC43-B7E2-B876EF9243AB}" srcOrd="0" destOrd="0" presId="urn:microsoft.com/office/officeart/2005/8/layout/process1"/>
-    <dgm:cxn modelId="{FC5983A3-BA54-AD4A-B289-9267FF1CC8C2}" srcId="{759B4923-EC0A-2245-BC47-434B14A80BAC}" destId="{6404F092-5E52-DB4D-A54D-1E60B0E31941}" srcOrd="1" destOrd="0" parTransId="{79EC3483-A705-0F44-9D34-C7EA312B051F}" sibTransId="{AB5D6ECC-163E-A049-B7BA-041CFD7EE9CE}"/>
-    <dgm:cxn modelId="{68737BF1-5F86-7841-9936-308922CCF15A}" srcId="{9CCA2703-44A2-5A44-959C-035906E68F15}" destId="{0FFA8D19-4676-CA4A-989D-0E6C36B7C3D8}" srcOrd="4" destOrd="0" parTransId="{1DD962AE-B01D-8247-B1ED-3B1835FA4D2F}" sibTransId="{5CE3F7CE-80AE-C14A-95AF-590F66F2EE21}"/>
     <dgm:cxn modelId="{616B9E3B-2073-2149-9C23-AB162E296D7C}" type="presParOf" srcId="{3E78BED2-CF11-8240-96AC-AF6D15847FD6}" destId="{9AC63E6B-6196-524E-942A-B20DA62C746B}" srcOrd="0" destOrd="0" presId="urn:microsoft.com/office/officeart/2005/8/layout/process1"/>
     <dgm:cxn modelId="{1F320010-8BE2-5245-B6B9-8242DB432A26}" type="presParOf" srcId="{3E78BED2-CF11-8240-96AC-AF6D15847FD6}" destId="{BA0BEDE7-D2D8-0745-A736-37E6DBBBCF78}" srcOrd="1" destOrd="0" presId="urn:microsoft.com/office/officeart/2005/8/layout/process1"/>
     <dgm:cxn modelId="{2AAA5A4B-59A0-DD4D-AA29-35E33B91E47E}" type="presParOf" srcId="{BA0BEDE7-D2D8-0745-A736-37E6DBBBCF78}" destId="{3DC39003-611A-C142-A1E8-BEF235D3B548}" srcOrd="0" destOrd="0" presId="urn:microsoft.com/office/officeart/2005/8/layout/process1"/>
@@ -2282,8 +2389,8 @@
       </dsp:nvSpPr>
       <dsp:spPr>
         <a:xfrm>
-          <a:off x="0" y="254"/>
-          <a:ext cx="936104" cy="835088"/>
+          <a:off x="0" y="140"/>
+          <a:ext cx="829329" cy="460738"/>
         </a:xfrm>
         <a:prstGeom prst="roundRect">
           <a:avLst>
@@ -2326,12 +2433,12 @@
         </a:fontRef>
       </dsp:style>
       <dsp:txBody>
-        <a:bodyPr spcFirstLastPara="0" vert="horz" wrap="square" lIns="80010" tIns="80010" rIns="80010" bIns="80010" numCol="1" spcCol="1270" anchor="ctr" anchorCtr="0">
+        <a:bodyPr spcFirstLastPara="0" vert="horz" wrap="square" lIns="72390" tIns="72390" rIns="72390" bIns="72390" numCol="1" spcCol="1270" anchor="ctr" anchorCtr="0">
           <a:noAutofit/>
         </a:bodyPr>
         <a:lstStyle/>
         <a:p>
-          <a:pPr lvl="0" algn="ctr" defTabSz="933450">
+          <a:pPr lvl="0" algn="ctr" defTabSz="844550">
             <a:lnSpc>
               <a:spcPct val="90000"/>
             </a:lnSpc>
@@ -2343,15 +2450,15 @@
             </a:spcAft>
           </a:pPr>
           <a:r>
-            <a:rPr lang="en-GB" sz="2100" kern="1200" dirty="0" smtClean="0"/>
+            <a:rPr lang="en-GB" sz="1900" kern="1200" dirty="0" smtClean="0"/>
             <a:t>Model</a:t>
           </a:r>
-          <a:endParaRPr lang="en-GB" sz="2100" kern="1200" dirty="0"/>
+          <a:endParaRPr lang="en-GB" sz="1900" kern="1200" dirty="0"/>
         </a:p>
       </dsp:txBody>
       <dsp:txXfrm>
-        <a:off x="24459" y="24713"/>
-        <a:ext cx="887186" cy="786170"/>
+        <a:off x="13495" y="13635"/>
+        <a:ext cx="802339" cy="433748"/>
       </dsp:txXfrm>
     </dsp:sp>
     <dsp:sp modelId="{33FB1C2E-176E-A84C-BE49-0F1CF831B288}">
@@ -2361,8 +2468,8 @@
       </dsp:nvSpPr>
       <dsp:spPr>
         <a:xfrm rot="5400000">
-          <a:off x="311472" y="856221"/>
-          <a:ext cx="313158" cy="375789"/>
+          <a:off x="328224" y="472468"/>
+          <a:ext cx="172882" cy="207332"/>
         </a:xfrm>
         <a:prstGeom prst="rightArrow">
           <a:avLst>
@@ -2404,7 +2511,7 @@
         </a:bodyPr>
         <a:lstStyle/>
         <a:p>
-          <a:pPr lvl="0" algn="ctr" defTabSz="666750">
+          <a:pPr lvl="0" algn="ctr" defTabSz="355600">
             <a:lnSpc>
               <a:spcPct val="90000"/>
             </a:lnSpc>
@@ -2415,12 +2522,12 @@
               <a:spcPct val="35000"/>
             </a:spcAft>
           </a:pPr>
-          <a:endParaRPr lang="en-GB" sz="1500" kern="1200"/>
+          <a:endParaRPr lang="en-GB" sz="800" kern="1200"/>
         </a:p>
       </dsp:txBody>
       <dsp:txXfrm rot="-5400000">
-        <a:off x="355315" y="887537"/>
-        <a:ext cx="225473" cy="219211"/>
+        <a:off x="352466" y="489693"/>
+        <a:ext cx="124400" cy="121017"/>
       </dsp:txXfrm>
     </dsp:sp>
     <dsp:sp modelId="{760ACBAD-DFC6-A840-93E3-5B7A1CE5B7FF}">
@@ -2430,8 +2537,8 @@
       </dsp:nvSpPr>
       <dsp:spPr>
         <a:xfrm>
-          <a:off x="0" y="1252888"/>
-          <a:ext cx="936104" cy="835088"/>
+          <a:off x="0" y="691389"/>
+          <a:ext cx="829329" cy="460738"/>
         </a:xfrm>
         <a:prstGeom prst="roundRect">
           <a:avLst>
@@ -2474,12 +2581,12 @@
         </a:fontRef>
       </dsp:style>
       <dsp:txBody>
-        <a:bodyPr spcFirstLastPara="0" vert="horz" wrap="square" lIns="80010" tIns="80010" rIns="80010" bIns="80010" numCol="1" spcCol="1270" anchor="ctr" anchorCtr="0">
+        <a:bodyPr spcFirstLastPara="0" vert="horz" wrap="square" lIns="72390" tIns="72390" rIns="72390" bIns="72390" numCol="1" spcCol="1270" anchor="ctr" anchorCtr="0">
           <a:noAutofit/>
         </a:bodyPr>
         <a:lstStyle/>
         <a:p>
-          <a:pPr lvl="0" algn="ctr" defTabSz="933450">
+          <a:pPr lvl="0" algn="ctr" defTabSz="844550">
             <a:lnSpc>
               <a:spcPct val="90000"/>
             </a:lnSpc>
@@ -2490,12 +2597,12 @@
               <a:spcPct val="35000"/>
             </a:spcAft>
           </a:pPr>
-          <a:endParaRPr lang="en-GB" sz="2100" kern="1200" dirty="0"/>
+          <a:endParaRPr lang="en-GB" sz="1900" kern="1200" dirty="0"/>
         </a:p>
       </dsp:txBody>
       <dsp:txXfrm>
-        <a:off x="24459" y="1277347"/>
-        <a:ext cx="887186" cy="786170"/>
+        <a:off x="13495" y="704884"/>
+        <a:ext cx="802339" cy="433748"/>
       </dsp:txXfrm>
     </dsp:sp>
   </dsp:spTree>
@@ -2517,8 +2624,8 @@
       </dsp:nvSpPr>
       <dsp:spPr>
         <a:xfrm>
-          <a:off x="0" y="1777144"/>
-          <a:ext cx="1007665" cy="944686"/>
+          <a:off x="0" y="1734633"/>
+          <a:ext cx="1007665" cy="1029708"/>
         </a:xfrm>
         <a:prstGeom prst="roundRect">
           <a:avLst>
@@ -2561,12 +2668,12 @@
         </a:fontRef>
       </dsp:style>
       <dsp:txBody>
-        <a:bodyPr spcFirstLastPara="0" vert="horz" wrap="square" lIns="45720" tIns="45720" rIns="45720" bIns="45720" numCol="1" spcCol="1270" anchor="ctr" anchorCtr="0">
+        <a:bodyPr spcFirstLastPara="0" vert="horz" wrap="square" lIns="49530" tIns="49530" rIns="49530" bIns="49530" numCol="1" spcCol="1270" anchor="ctr" anchorCtr="0">
           <a:noAutofit/>
         </a:bodyPr>
         <a:lstStyle/>
         <a:p>
-          <a:pPr lvl="0" algn="ctr" defTabSz="533400">
+          <a:pPr lvl="0" algn="ctr" defTabSz="577850">
             <a:lnSpc>
               <a:spcPct val="90000"/>
             </a:lnSpc>
@@ -2578,15 +2685,15 @@
             </a:spcAft>
           </a:pPr>
           <a:r>
-            <a:rPr lang="en-GB" sz="1200" kern="1200" noProof="0" smtClean="0"/>
+            <a:rPr lang="en-GB" sz="1300" kern="1200" noProof="0" smtClean="0"/>
             <a:t>MR</a:t>
           </a:r>
-          <a:endParaRPr lang="en-GB" sz="1200" kern="1200" noProof="0"/>
+          <a:endParaRPr lang="en-GB" sz="1300" kern="1200" noProof="0"/>
         </a:p>
       </dsp:txBody>
       <dsp:txXfrm>
-        <a:off x="27669" y="1804813"/>
-        <a:ext cx="952327" cy="889348"/>
+        <a:off x="29514" y="1764147"/>
+        <a:ext cx="948637" cy="970680"/>
       </dsp:txXfrm>
     </dsp:sp>
     <dsp:sp modelId="{BA0BEDE7-D2D8-0745-A736-37E6DBBBCF78}">
@@ -2665,8 +2772,8 @@
       </dsp:nvSpPr>
       <dsp:spPr>
         <a:xfrm>
-          <a:off x="1410731" y="1777144"/>
-          <a:ext cx="1007665" cy="944686"/>
+          <a:off x="1410731" y="1734633"/>
+          <a:ext cx="1007665" cy="1029708"/>
         </a:xfrm>
         <a:prstGeom prst="roundRect">
           <a:avLst>
@@ -2709,12 +2816,12 @@
         </a:fontRef>
       </dsp:style>
       <dsp:txBody>
-        <a:bodyPr spcFirstLastPara="0" vert="horz" wrap="square" lIns="45720" tIns="45720" rIns="45720" bIns="45720" numCol="1" spcCol="1270" anchor="ctr" anchorCtr="0">
+        <a:bodyPr spcFirstLastPara="0" vert="horz" wrap="square" lIns="49530" tIns="49530" rIns="49530" bIns="49530" numCol="1" spcCol="1270" anchor="ctr" anchorCtr="0">
           <a:noAutofit/>
         </a:bodyPr>
         <a:lstStyle/>
         <a:p>
-          <a:pPr lvl="0" algn="ctr" defTabSz="533400">
+          <a:pPr lvl="0" algn="ctr" defTabSz="577850">
             <a:lnSpc>
               <a:spcPct val="90000"/>
             </a:lnSpc>
@@ -2726,15 +2833,15 @@
             </a:spcAft>
           </a:pPr>
           <a:r>
-            <a:rPr lang="en-GB" sz="1200" kern="1200" dirty="0" err="1" smtClean="0"/>
-            <a:t>Preprocess</a:t>
+            <a:rPr lang="en-GB" sz="1300" kern="1200" dirty="0" smtClean="0"/>
+            <a:t>Pre-Process</a:t>
           </a:r>
-          <a:endParaRPr lang="en-GB" sz="1200" kern="1200" dirty="0"/>
+          <a:endParaRPr lang="en-GB" sz="1300" kern="1200" dirty="0"/>
         </a:p>
       </dsp:txBody>
       <dsp:txXfrm>
-        <a:off x="1438400" y="1804813"/>
-        <a:ext cx="952327" cy="889348"/>
+        <a:off x="1440245" y="1764147"/>
+        <a:ext cx="948637" cy="970680"/>
       </dsp:txXfrm>
     </dsp:sp>
     <dsp:sp modelId="{9E5E12EE-D5E8-4542-AC59-F8121E429374}">
@@ -2813,8 +2920,8 @@
       </dsp:nvSpPr>
       <dsp:spPr>
         <a:xfrm>
-          <a:off x="2821463" y="1777144"/>
-          <a:ext cx="1007665" cy="944686"/>
+          <a:off x="2821463" y="1734633"/>
+          <a:ext cx="1007665" cy="1029708"/>
         </a:xfrm>
         <a:prstGeom prst="roundRect">
           <a:avLst>
@@ -2857,12 +2964,12 @@
         </a:fontRef>
       </dsp:style>
       <dsp:txBody>
-        <a:bodyPr spcFirstLastPara="0" vert="horz" wrap="square" lIns="45720" tIns="45720" rIns="45720" bIns="45720" numCol="1" spcCol="1270" anchor="ctr" anchorCtr="0">
+        <a:bodyPr spcFirstLastPara="0" vert="horz" wrap="square" lIns="49530" tIns="49530" rIns="49530" bIns="49530" numCol="1" spcCol="1270" anchor="ctr" anchorCtr="0">
           <a:noAutofit/>
         </a:bodyPr>
         <a:lstStyle/>
         <a:p>
-          <a:pPr lvl="0" algn="ctr" defTabSz="533400">
+          <a:pPr lvl="0" algn="ctr" defTabSz="577850">
             <a:lnSpc>
               <a:spcPct val="90000"/>
             </a:lnSpc>
@@ -2874,15 +2981,15 @@
             </a:spcAft>
           </a:pPr>
           <a:r>
-            <a:rPr lang="en-GB" sz="1200" kern="1200" dirty="0" smtClean="0"/>
+            <a:rPr lang="en-GB" sz="1300" kern="1200" dirty="0" smtClean="0"/>
             <a:t>Feature Extraction</a:t>
           </a:r>
-          <a:endParaRPr lang="en-GB" sz="1200" kern="1200" dirty="0"/>
+          <a:endParaRPr lang="en-GB" sz="1300" kern="1200" dirty="0"/>
         </a:p>
       </dsp:txBody>
       <dsp:txXfrm>
-        <a:off x="2849132" y="1804813"/>
-        <a:ext cx="952327" cy="889348"/>
+        <a:off x="2850977" y="1764147"/>
+        <a:ext cx="948637" cy="970680"/>
       </dsp:txXfrm>
     </dsp:sp>
     <dsp:sp modelId="{AEA76E44-30A9-6D4F-8927-0293872098EF}">
@@ -2961,8 +3068,8 @@
       </dsp:nvSpPr>
       <dsp:spPr>
         <a:xfrm>
-          <a:off x="4232195" y="1777144"/>
-          <a:ext cx="1007665" cy="944686"/>
+          <a:off x="4232195" y="1734633"/>
+          <a:ext cx="1007665" cy="1029708"/>
         </a:xfrm>
         <a:prstGeom prst="roundRect">
           <a:avLst>
@@ -3005,12 +3112,12 @@
         </a:fontRef>
       </dsp:style>
       <dsp:txBody>
-        <a:bodyPr spcFirstLastPara="0" vert="horz" wrap="square" lIns="45720" tIns="45720" rIns="45720" bIns="45720" numCol="1" spcCol="1270" anchor="ctr" anchorCtr="0">
+        <a:bodyPr spcFirstLastPara="0" vert="horz" wrap="square" lIns="49530" tIns="49530" rIns="49530" bIns="49530" numCol="1" spcCol="1270" anchor="ctr" anchorCtr="0">
           <a:noAutofit/>
         </a:bodyPr>
         <a:lstStyle/>
         <a:p>
-          <a:pPr lvl="0" algn="ctr" defTabSz="533400">
+          <a:pPr lvl="0" algn="ctr" defTabSz="577850">
             <a:lnSpc>
               <a:spcPct val="90000"/>
             </a:lnSpc>
@@ -3022,15 +3129,15 @@
             </a:spcAft>
           </a:pPr>
           <a:r>
-            <a:rPr lang="en-GB" sz="1200" kern="1200" dirty="0" smtClean="0"/>
+            <a:rPr lang="en-GB" sz="1300" kern="1200" dirty="0" smtClean="0"/>
             <a:t>RF</a:t>
           </a:r>
-          <a:endParaRPr lang="en-GB" sz="1200" kern="1200" dirty="0"/>
+          <a:endParaRPr lang="en-GB" sz="1300" kern="1200" dirty="0"/>
         </a:p>
       </dsp:txBody>
       <dsp:txXfrm>
-        <a:off x="4259864" y="1804813"/>
-        <a:ext cx="952327" cy="889348"/>
+        <a:off x="4261709" y="1764147"/>
+        <a:ext cx="948637" cy="970680"/>
       </dsp:txXfrm>
     </dsp:sp>
     <dsp:sp modelId="{1815960C-6872-A246-8808-59A04760FC61}">
@@ -3109,8 +3216,8 @@
       </dsp:nvSpPr>
       <dsp:spPr>
         <a:xfrm>
-          <a:off x="5642927" y="1777144"/>
-          <a:ext cx="1007665" cy="944686"/>
+          <a:off x="5642927" y="1734633"/>
+          <a:ext cx="1007665" cy="1029708"/>
         </a:xfrm>
         <a:prstGeom prst="roundRect">
           <a:avLst>
@@ -3153,12 +3260,12 @@
         </a:fontRef>
       </dsp:style>
       <dsp:txBody>
-        <a:bodyPr spcFirstLastPara="0" vert="horz" wrap="square" lIns="45720" tIns="45720" rIns="45720" bIns="45720" numCol="1" spcCol="1270" anchor="ctr" anchorCtr="0">
+        <a:bodyPr spcFirstLastPara="0" vert="horz" wrap="square" lIns="49530" tIns="49530" rIns="49530" bIns="49530" numCol="1" spcCol="1270" anchor="ctr" anchorCtr="0">
           <a:noAutofit/>
         </a:bodyPr>
         <a:lstStyle/>
         <a:p>
-          <a:pPr lvl="0" algn="ctr" defTabSz="533400">
+          <a:pPr lvl="0" algn="ctr" defTabSz="577850">
             <a:lnSpc>
               <a:spcPct val="90000"/>
             </a:lnSpc>
@@ -3170,15 +3277,15 @@
             </a:spcAft>
           </a:pPr>
           <a:r>
-            <a:rPr lang="en-GB" sz="1200" kern="1200" dirty="0" err="1" smtClean="0"/>
-            <a:t>Postprocess</a:t>
+            <a:rPr lang="en-GB" sz="1300" kern="1200" dirty="0" smtClean="0"/>
+            <a:t>Post-Process</a:t>
           </a:r>
-          <a:endParaRPr lang="en-GB" sz="1200" kern="1200" dirty="0"/>
+          <a:endParaRPr lang="en-GB" sz="1300" kern="1200" dirty="0"/>
         </a:p>
       </dsp:txBody>
       <dsp:txXfrm>
-        <a:off x="5670596" y="1804813"/>
-        <a:ext cx="952327" cy="889348"/>
+        <a:off x="5672441" y="1764147"/>
+        <a:ext cx="948637" cy="970680"/>
       </dsp:txXfrm>
     </dsp:sp>
     <dsp:sp modelId="{A86CCBF8-0593-3F4D-A838-34AA8333AFB1}">
@@ -3257,8 +3364,8 @@
       </dsp:nvSpPr>
       <dsp:spPr>
         <a:xfrm>
-          <a:off x="7053659" y="1777144"/>
-          <a:ext cx="1007665" cy="944686"/>
+          <a:off x="7053659" y="1734633"/>
+          <a:ext cx="1007665" cy="1029708"/>
         </a:xfrm>
         <a:prstGeom prst="roundRect">
           <a:avLst>
@@ -3301,12 +3408,12 @@
         </a:fontRef>
       </dsp:style>
       <dsp:txBody>
-        <a:bodyPr spcFirstLastPara="0" vert="horz" wrap="square" lIns="45720" tIns="45720" rIns="45720" bIns="45720" numCol="1" spcCol="1270" anchor="t" anchorCtr="0">
+        <a:bodyPr spcFirstLastPara="0" vert="horz" wrap="square" lIns="49530" tIns="49530" rIns="49530" bIns="49530" numCol="1" spcCol="1270" anchor="t" anchorCtr="0">
           <a:noAutofit/>
         </a:bodyPr>
         <a:lstStyle/>
         <a:p>
-          <a:pPr lvl="0" algn="l" defTabSz="533400">
+          <a:pPr lvl="0" algn="l" defTabSz="577850">
             <a:lnSpc>
               <a:spcPct val="90000"/>
             </a:lnSpc>
@@ -3318,13 +3425,13 @@
             </a:spcAft>
           </a:pPr>
           <a:r>
-            <a:rPr lang="en-GB" sz="1200" kern="1200" dirty="0" smtClean="0"/>
+            <a:rPr lang="en-GB" sz="1300" kern="1200" dirty="0" smtClean="0"/>
             <a:t>Segmented Volume</a:t>
           </a:r>
-          <a:endParaRPr lang="en-GB" sz="1200" kern="1200" dirty="0"/>
+          <a:endParaRPr lang="en-GB" sz="1300" kern="1200" dirty="0"/>
         </a:p>
         <a:p>
-          <a:pPr marL="57150" lvl="1" indent="-57150" algn="l" defTabSz="400050">
+          <a:pPr marL="57150" lvl="1" indent="-57150" algn="l" defTabSz="444500">
             <a:lnSpc>
               <a:spcPct val="90000"/>
             </a:lnSpc>
@@ -3337,13 +3444,13 @@
             <a:buChar char="••"/>
           </a:pPr>
           <a:r>
-            <a:rPr lang="en-GB" sz="900" kern="1200" dirty="0" smtClean="0"/>
+            <a:rPr lang="en-GB" sz="1000" kern="1200" dirty="0" smtClean="0"/>
             <a:t>DICE</a:t>
           </a:r>
-          <a:endParaRPr lang="en-GB" sz="900" kern="1200" dirty="0"/>
+          <a:endParaRPr lang="en-GB" sz="1000" kern="1200" dirty="0"/>
         </a:p>
         <a:p>
-          <a:pPr marL="57150" lvl="1" indent="-57150" algn="l" defTabSz="400050">
+          <a:pPr marL="57150" lvl="1" indent="-57150" algn="l" defTabSz="444500">
             <a:lnSpc>
               <a:spcPct val="90000"/>
             </a:lnSpc>
@@ -3356,15 +3463,15 @@
             <a:buChar char="••"/>
           </a:pPr>
           <a:r>
-            <a:rPr lang="en-GB" sz="900" kern="1200" dirty="0" smtClean="0"/>
+            <a:rPr lang="en-GB" sz="1000" kern="1200" dirty="0" smtClean="0"/>
             <a:t>Volume Rending</a:t>
           </a:r>
-          <a:endParaRPr lang="en-GB" sz="900" kern="1200" dirty="0"/>
+          <a:endParaRPr lang="en-GB" sz="1000" kern="1200" dirty="0"/>
         </a:p>
       </dsp:txBody>
       <dsp:txXfrm>
-        <a:off x="7081328" y="1804813"/>
-        <a:ext cx="952327" cy="889348"/>
+        <a:off x="7083173" y="1764147"/>
+        <a:ext cx="948637" cy="970680"/>
       </dsp:txXfrm>
     </dsp:sp>
   </dsp:spTree>
@@ -10164,11 +10271,7 @@
             </a:br>
             <a:r>
               <a:rPr lang="en-GB" sz="2800" smtClean="0"/>
-              <a:t>Automatic </a:t>
-            </a:r>
-            <a:r>
-              <a:rPr lang="en-GB" sz="2800" smtClean="0"/>
-              <a:t>Femur Segmentation using Random Forest</a:t>
+              <a:t>Automatic Femur Segmentation using Random Forest</a:t>
             </a:r>
             <a:endParaRPr lang="en-GB" sz="2400"/>
           </a:p>
@@ -10522,7 +10625,11 @@
           <a:bodyPr/>
           <a:lstStyle/>
           <a:p>
-            <a:endParaRPr lang="en-GB"/>
+            <a:r>
+              <a:rPr lang="en-GB" dirty="0" smtClean="0"/>
+              <a:t>Femoral implants</a:t>
+            </a:r>
+            <a:endParaRPr lang="en-GB" dirty="0"/>
           </a:p>
         </p:txBody>
       </p:sp>
@@ -10634,14 +10741,14 @@
           <p:nvPr>
             <p:extLst>
               <p:ext uri="{D42A27DB-BD31-4B8C-83A1-F6EECF244321}">
-                <p14:modId xmlns:p14="http://schemas.microsoft.com/office/powerpoint/2010/main" val="1897549426"/>
+                <p14:modId xmlns:p14="http://schemas.microsoft.com/office/powerpoint/2010/main" val="2628128808"/>
               </p:ext>
             </p:extLst>
           </p:nvPr>
         </p:nvGraphicFramePr>
         <p:xfrm>
-          <a:off x="4788024" y="2276872"/>
-          <a:ext cx="936104" cy="2088232"/>
+          <a:off x="4860032" y="2708920"/>
+          <a:ext cx="864096" cy="1152128"/>
         </p:xfrm>
         <a:graphic>
           <a:graphicData uri="http://schemas.openxmlformats.org/drawingml/2006/diagram">
@@ -10659,7 +10766,7 @@
             <p:ph idx="1"/>
             <p:extLst>
               <p:ext uri="{D42A27DB-BD31-4B8C-83A1-F6EECF244321}">
-                <p14:modId xmlns:p14="http://schemas.microsoft.com/office/powerpoint/2010/main" val="2401210041"/>
+                <p14:modId xmlns:p14="http://schemas.microsoft.com/office/powerpoint/2010/main" val="2757121611"/>
               </p:ext>
             </p:extLst>
           </p:nvPr>
@@ -10720,8 +10827,8 @@
           <a:lstStyle/>
           <a:p>
             <a:r>
-              <a:rPr lang="en-GB" dirty="0" err="1" smtClean="0"/>
-              <a:t>Preprocess</a:t>
+              <a:rPr lang="en-GB" dirty="0" smtClean="0"/>
+              <a:t>Pre-Process</a:t>
             </a:r>
             <a:endParaRPr lang="en-GB" dirty="0"/>
           </a:p>
@@ -10734,7 +10841,7 @@
             <a:spLocks noGrp="1"/>
           </p:cNvSpPr>
           <p:nvPr>
-            <p:ph idx="1"/>
+            <p:ph sz="half" idx="1"/>
           </p:nvPr>
         </p:nvSpPr>
         <p:spPr/>
@@ -10743,7 +10850,7 @@
           <a:lstStyle/>
           <a:p>
             <a:r>
-              <a:rPr lang="en-GB" dirty="0" smtClean="0"/>
+              <a:rPr lang="en-GB" dirty="0"/>
               <a:t>Normalization</a:t>
             </a:r>
           </a:p>
@@ -10753,7 +10860,7 @@
           </a:p>
           <a:p>
             <a:pPr lvl="1"/>
-            <a:endParaRPr lang="en-GB" dirty="0" smtClean="0"/>
+            <a:endParaRPr lang="en-GB" dirty="0"/>
           </a:p>
           <a:p>
             <a:pPr lvl="1"/>
@@ -10761,27 +10868,59 @@
           </a:p>
           <a:p>
             <a:pPr lvl="1"/>
-            <a:endParaRPr lang="en-GB" dirty="0" smtClean="0"/>
-          </a:p>
-          <a:p>
-            <a:r>
-              <a:rPr lang="en-GB" dirty="0" smtClean="0"/>
+            <a:endParaRPr lang="en-GB" dirty="0"/>
+          </a:p>
+          <a:p>
+            <a:r>
+              <a:rPr lang="en-GB" dirty="0"/>
               <a:t>Noise removal</a:t>
             </a:r>
           </a:p>
           <a:p>
             <a:pPr lvl="1"/>
             <a:r>
-              <a:rPr lang="en-GB" dirty="0" smtClean="0"/>
+              <a:rPr lang="en-GB" dirty="0"/>
               <a:t>3D Wiener filter</a:t>
             </a:r>
+          </a:p>
+          <a:p>
             <a:endParaRPr lang="en-GB" dirty="0"/>
           </a:p>
         </p:txBody>
       </p:sp>
+      <p:pic>
+        <p:nvPicPr>
+          <p:cNvPr id="6" name="Content Placeholder 5" descr="imwienered.png"/>
+          <p:cNvPicPr>
+            <a:picLocks noGrp="1" noChangeAspect="1"/>
+          </p:cNvPicPr>
+          <p:nvPr>
+            <p:ph sz="half" idx="2"/>
+          </p:nvPr>
+        </p:nvPicPr>
+        <p:blipFill>
+          <a:blip r:embed="rId3">
+            <a:extLst>
+              <a:ext uri="{28A0092B-C50C-407E-A947-70E740481C1C}">
+                <a14:useLocalDpi xmlns:a14="http://schemas.microsoft.com/office/drawing/2010/main" val="0"/>
+              </a:ext>
+            </a:extLst>
+          </a:blip>
+          <a:srcRect t="-24699" b="-24699"/>
+          <a:stretch>
+            <a:fillRect/>
+          </a:stretch>
+        </p:blipFill>
+        <p:spPr>
+          <a:xfrm rot="16200000" flipH="1">
+            <a:off x="4640263" y="1676400"/>
+            <a:ext cx="3954462" cy="4498975"/>
+          </a:xfrm>
+        </p:spPr>
+      </p:pic>
       <p:sp>
         <p:nvSpPr>
-          <p:cNvPr id="4" name="Slide Number Placeholder 3"/>
+          <p:cNvPr id="5" name="Slide Number Placeholder 4"/>
           <p:cNvSpPr>
             <a:spLocks noGrp="1"/>
           </p:cNvSpPr>
@@ -10794,7 +10933,7 @@
           <a:bodyPr/>
           <a:lstStyle/>
           <a:p>
-            <a:fld id="{BE3D9CA7-554C-46EC-BEAB-CB2090EEB6FF}" type="slidenum">
+            <a:fld id="{419860F2-A4DD-4A2C-A31D-58D998B2B5CE}" type="slidenum">
               <a:rPr lang="de-CH" smtClean="0"/>
               <a:pPr/>
               <a:t>4</a:t>
@@ -10805,14 +10944,14 @@
       </p:sp>
       <p:graphicFrame>
         <p:nvGraphicFramePr>
-          <p:cNvPr id="5" name="Object 4"/>
+          <p:cNvPr id="7" name="Object 6"/>
           <p:cNvGraphicFramePr>
             <a:graphicFrameLocks noChangeAspect="1"/>
           </p:cNvGraphicFramePr>
           <p:nvPr>
             <p:extLst>
               <p:ext uri="{D42A27DB-BD31-4B8C-83A1-F6EECF244321}">
-                <p14:modId xmlns:p14="http://schemas.microsoft.com/office/powerpoint/2010/main" val="2305462259"/>
+                <p14:modId xmlns:p14="http://schemas.microsoft.com/office/powerpoint/2010/main" val="3353591780"/>
               </p:ext>
             </p:extLst>
           </p:nvPr>
@@ -10825,12 +10964,12 @@
           <a:graphicData uri="http://schemas.openxmlformats.org/presentationml/2006/ole">
             <mc:AlternateContent xmlns:mc="http://schemas.openxmlformats.org/markup-compatibility/2006">
               <mc:Choice xmlns:v="urn:schemas-microsoft-com:vml" Requires="v">
-                <p:oleObj spid="_x0000_s1039" name="Equation" r:id="rId3" imgW="660400" imgH="393700" progId="Equation.3">
+                <p:oleObj spid="_x0000_s2057" name="Equation" r:id="rId4" imgW="660400" imgH="393700" progId="Equation.3">
                   <p:embed/>
                 </p:oleObj>
               </mc:Choice>
               <mc:Fallback>
-                <p:oleObj name="Equation" r:id="rId3" imgW="660400" imgH="393700" progId="Equation.3">
+                <p:oleObj name="Equation" r:id="rId4" imgW="660400" imgH="393700" progId="Equation.3">
                   <p:embed/>
                   <p:pic>
                     <p:nvPicPr>
@@ -10839,7 +10978,7 @@
                       <p:nvPr/>
                     </p:nvPicPr>
                     <p:blipFill>
-                      <a:blip r:embed="rId4"/>
+                      <a:blip r:embed="rId5"/>
                       <a:stretch>
                         <a:fillRect/>
                       </a:stretch>
@@ -10863,20 +11002,13 @@
     </p:spTree>
     <p:extLst>
       <p:ext uri="{BB962C8B-B14F-4D97-AF65-F5344CB8AC3E}">
-        <p14:creationId xmlns:p14="http://schemas.microsoft.com/office/powerpoint/2010/main" val="2188460132"/>
+        <p14:creationId xmlns:p14="http://schemas.microsoft.com/office/powerpoint/2010/main" val="1198338573"/>
       </p:ext>
     </p:extLst>
   </p:cSld>
   <p:clrMapOvr>
     <a:masterClrMapping/>
   </p:clrMapOvr>
-  <p:timing>
-    <p:tnLst>
-      <p:par>
-        <p:cTn xmlns:p14="http://schemas.microsoft.com/office/powerpoint/2010/main" id="1" dur="indefinite" restart="never" nodeType="tmRoot"/>
-      </p:par>
-    </p:tnLst>
-  </p:timing>
 </p:sld>
 </file>
 
@@ -10913,10 +11045,9 @@
           <a:lstStyle/>
           <a:p>
             <a:r>
-              <a:rPr lang="en-GB" dirty="0" smtClean="0"/>
+              <a:rPr lang="en-GB" dirty="0"/>
               <a:t>Feature Extraction</a:t>
             </a:r>
-            <a:endParaRPr lang="en-GB" dirty="0"/>
           </a:p>
         </p:txBody>
       </p:sp>
@@ -10927,7 +11058,7 @@
             <a:spLocks noGrp="1"/>
           </p:cNvSpPr>
           <p:nvPr>
-            <p:ph idx="1"/>
+            <p:ph sz="half" idx="1"/>
           </p:nvPr>
         </p:nvSpPr>
         <p:spPr/>
@@ -10936,72 +11067,126 @@
           <a:lstStyle/>
           <a:p>
             <a:r>
-              <a:rPr lang="en-GB" dirty="0" smtClean="0"/>
-              <a:t>Standard deviation</a:t>
-            </a:r>
-          </a:p>
-          <a:p>
-            <a:r>
-              <a:rPr lang="en-GB" dirty="0" smtClean="0"/>
+              <a:rPr lang="en-GB" sz="2200" dirty="0"/>
+              <a:t>Standard </a:t>
+            </a:r>
+            <a:r>
+              <a:rPr lang="en-GB" sz="2200" dirty="0" smtClean="0"/>
+              <a:t>deviation</a:t>
+            </a:r>
+          </a:p>
+          <a:p>
+            <a:r>
+              <a:rPr lang="en-GB" sz="2200" dirty="0" smtClean="0"/>
+              <a:t>Entropy</a:t>
+            </a:r>
+            <a:endParaRPr lang="en-GB" sz="2200" dirty="0"/>
+          </a:p>
+          <a:p>
+            <a:r>
+              <a:rPr lang="en-GB" sz="2200" dirty="0"/>
+              <a:t>Relative position (3D)</a:t>
+            </a:r>
+          </a:p>
+          <a:p>
+            <a:r>
+              <a:rPr lang="en-GB" sz="2200" dirty="0" smtClean="0"/>
+              <a:t>Gaussian</a:t>
+            </a:r>
+            <a:endParaRPr lang="en-GB" sz="2200" dirty="0"/>
+          </a:p>
+          <a:p>
+            <a:r>
+              <a:rPr lang="en-GB" sz="2200" dirty="0" smtClean="0"/>
               <a:t>Average</a:t>
             </a:r>
-          </a:p>
-          <a:p>
-            <a:r>
-              <a:rPr lang="en-GB" dirty="0" smtClean="0"/>
-              <a:t>Entropy</a:t>
-            </a:r>
-          </a:p>
-          <a:p>
-            <a:r>
-              <a:rPr lang="en-GB" dirty="0" smtClean="0"/>
-              <a:t>Relative position (3D)</a:t>
-            </a:r>
-          </a:p>
-          <a:p>
-            <a:r>
-              <a:rPr lang="en-GB" dirty="0" smtClean="0"/>
+            <a:endParaRPr lang="en-GB" sz="2200" dirty="0"/>
+          </a:p>
+          <a:p>
+            <a:r>
+              <a:rPr lang="en-GB" sz="2200" dirty="0" err="1"/>
+              <a:t>Laplacian</a:t>
+            </a:r>
+            <a:r>
+              <a:rPr lang="en-GB" sz="2200" dirty="0"/>
+              <a:t> of </a:t>
+            </a:r>
+            <a:r>
+              <a:rPr lang="en-GB" sz="2200" dirty="0" smtClean="0"/>
               <a:t>Gaussian</a:t>
             </a:r>
-          </a:p>
-          <a:p>
-            <a:r>
-              <a:rPr lang="en-GB" dirty="0" err="1" smtClean="0"/>
+            <a:endParaRPr lang="en-GB" sz="2200" dirty="0"/>
+          </a:p>
+          <a:p>
+            <a:r>
+              <a:rPr lang="en-GB" sz="2200" dirty="0" err="1" smtClean="0"/>
               <a:t>Laplacian</a:t>
             </a:r>
-            <a:r>
-              <a:rPr lang="en-GB" dirty="0" smtClean="0"/>
-              <a:t> of Gaussian</a:t>
-            </a:r>
-          </a:p>
-          <a:p>
-            <a:r>
-              <a:rPr lang="en-GB" dirty="0" err="1" smtClean="0"/>
+            <a:endParaRPr lang="en-GB" sz="2200" dirty="0"/>
+          </a:p>
+          <a:p>
+            <a:r>
+              <a:rPr lang="en-GB" sz="2200" dirty="0"/>
+              <a:t>Prewitt </a:t>
+            </a:r>
+            <a:r>
+              <a:rPr lang="en-GB" sz="2200" dirty="0" smtClean="0"/>
+              <a:t>(horizontal and vertical)</a:t>
+            </a:r>
+            <a:endParaRPr lang="en-GB" sz="2200" dirty="0"/>
+          </a:p>
+          <a:p>
+            <a:r>
+              <a:rPr lang="en-GB" sz="2200" dirty="0" err="1"/>
               <a:t>Sobel</a:t>
             </a:r>
             <a:r>
-              <a:rPr lang="en-GB" dirty="0" smtClean="0"/>
-              <a:t> (vertical and horizontal)</a:t>
-            </a:r>
-          </a:p>
-          <a:p>
-            <a:r>
-              <a:rPr lang="en-GB" dirty="0" smtClean="0"/>
-              <a:t>Prewitt (vertical and horizontal)</a:t>
-            </a:r>
-          </a:p>
-          <a:p>
-            <a:r>
-              <a:rPr lang="en-GB" dirty="0" err="1" smtClean="0"/>
-              <a:t>Laplacian</a:t>
-            </a:r>
-            <a:endParaRPr lang="en-GB" dirty="0"/>
+              <a:rPr lang="en-GB" sz="2200" dirty="0"/>
+              <a:t> </a:t>
+            </a:r>
+            <a:r>
+              <a:rPr lang="en-GB" sz="2200" dirty="0" smtClean="0"/>
+              <a:t>(</a:t>
+            </a:r>
+            <a:r>
+              <a:rPr lang="en-GB" sz="2200" dirty="0"/>
+              <a:t>horizontal and vertical</a:t>
+            </a:r>
+            <a:r>
+              <a:rPr lang="en-GB" sz="2200" dirty="0" smtClean="0"/>
+              <a:t>)</a:t>
+            </a:r>
           </a:p>
         </p:txBody>
       </p:sp>
+      <p:pic>
+        <p:nvPicPr>
+          <p:cNvPr id="6" name="Content Placeholder 5" descr="Filters.png"/>
+          <p:cNvPicPr>
+            <a:picLocks noGrp="1" noChangeAspect="1"/>
+          </p:cNvPicPr>
+          <p:nvPr>
+            <p:ph sz="half" idx="2"/>
+          </p:nvPr>
+        </p:nvPicPr>
+        <p:blipFill>
+          <a:blip r:embed="rId2">
+            <a:extLst>
+              <a:ext uri="{28A0092B-C50C-407E-A947-70E740481C1C}">
+                <a14:useLocalDpi xmlns:a14="http://schemas.microsoft.com/office/drawing/2010/main" val="0"/>
+              </a:ext>
+            </a:extLst>
+          </a:blip>
+          <a:srcRect l="-39064" r="-39064"/>
+          <a:stretch>
+            <a:fillRect/>
+          </a:stretch>
+        </p:blipFill>
+        <p:spPr/>
+      </p:pic>
       <p:sp>
         <p:nvSpPr>
-          <p:cNvPr id="4" name="Slide Number Placeholder 3"/>
+          <p:cNvPr id="5" name="Slide Number Placeholder 4"/>
           <p:cNvSpPr>
             <a:spLocks noGrp="1"/>
           </p:cNvSpPr>
@@ -11014,7 +11199,7 @@
           <a:bodyPr/>
           <a:lstStyle/>
           <a:p>
-            <a:fld id="{BE3D9CA7-554C-46EC-BEAB-CB2090EEB6FF}" type="slidenum">
+            <a:fld id="{419860F2-A4DD-4A2C-A31D-58D998B2B5CE}" type="slidenum">
               <a:rPr lang="de-CH" smtClean="0"/>
               <a:pPr/>
               <a:t>5</a:t>
@@ -11026,7 +11211,7 @@
     </p:spTree>
     <p:extLst>
       <p:ext uri="{BB962C8B-B14F-4D97-AF65-F5344CB8AC3E}">
-        <p14:creationId xmlns:p14="http://schemas.microsoft.com/office/powerpoint/2010/main" val="319337185"/>
+        <p14:creationId xmlns:p14="http://schemas.microsoft.com/office/powerpoint/2010/main" val="2494654907"/>
       </p:ext>
     </p:extLst>
   </p:cSld>
@@ -11069,8 +11254,8 @@
           <a:lstStyle/>
           <a:p>
             <a:r>
-              <a:rPr lang="en-GB" dirty="0" err="1" smtClean="0"/>
-              <a:t>Postprocessing</a:t>
+              <a:rPr lang="en-GB" dirty="0" smtClean="0"/>
+              <a:t>Post-Processing</a:t>
             </a:r>
             <a:endParaRPr lang="en-GB" dirty="0"/>
           </a:p>
@@ -11241,6 +11426,194 @@
     <p:extLst>
       <p:ext uri="{BB962C8B-B14F-4D97-AF65-F5344CB8AC3E}">
         <p14:creationId xmlns:p14="http://schemas.microsoft.com/office/powerpoint/2010/main" val="3678282037"/>
+      </p:ext>
+    </p:extLst>
+  </p:cSld>
+  <p:clrMapOvr>
+    <a:masterClrMapping/>
+  </p:clrMapOvr>
+</p:sld>
+</file>
+
+<file path=ppt/slides/slide8.xml><?xml version="1.0" encoding="utf-8"?>
+<p:sld xmlns:a="http://schemas.openxmlformats.org/drawingml/2006/main" xmlns:r="http://schemas.openxmlformats.org/officeDocument/2006/relationships" xmlns:p="http://schemas.openxmlformats.org/presentationml/2006/main">
+  <p:cSld>
+    <p:spTree>
+      <p:nvGrpSpPr>
+        <p:cNvPr id="1" name=""/>
+        <p:cNvGrpSpPr/>
+        <p:nvPr/>
+      </p:nvGrpSpPr>
+      <p:grpSpPr>
+        <a:xfrm>
+          <a:off x="0" y="0"/>
+          <a:ext cx="0" cy="0"/>
+          <a:chOff x="0" y="0"/>
+          <a:chExt cx="0" cy="0"/>
+        </a:xfrm>
+      </p:grpSpPr>
+      <p:sp>
+        <p:nvSpPr>
+          <p:cNvPr id="2" name="Title 1"/>
+          <p:cNvSpPr>
+            <a:spLocks noGrp="1"/>
+          </p:cNvSpPr>
+          <p:nvPr>
+            <p:ph type="title"/>
+          </p:nvPr>
+        </p:nvSpPr>
+        <p:spPr/>
+        <p:txBody>
+          <a:bodyPr/>
+          <a:lstStyle/>
+          <a:p>
+            <a:r>
+              <a:rPr lang="en-GB" dirty="0" smtClean="0"/>
+              <a:t>Conclusion</a:t>
+            </a:r>
+            <a:endParaRPr lang="en-GB" dirty="0"/>
+          </a:p>
+        </p:txBody>
+      </p:sp>
+      <p:sp>
+        <p:nvSpPr>
+          <p:cNvPr id="3" name="Content Placeholder 2"/>
+          <p:cNvSpPr>
+            <a:spLocks noGrp="1"/>
+          </p:cNvSpPr>
+          <p:nvPr>
+            <p:ph idx="1"/>
+          </p:nvPr>
+        </p:nvSpPr>
+        <p:spPr/>
+        <p:txBody>
+          <a:bodyPr/>
+          <a:lstStyle/>
+          <a:p>
+            <a:endParaRPr lang="en-GB"/>
+          </a:p>
+        </p:txBody>
+      </p:sp>
+      <p:sp>
+        <p:nvSpPr>
+          <p:cNvPr id="4" name="Slide Number Placeholder 3"/>
+          <p:cNvSpPr>
+            <a:spLocks noGrp="1"/>
+          </p:cNvSpPr>
+          <p:nvPr>
+            <p:ph type="sldNum" sz="quarter" idx="12"/>
+          </p:nvPr>
+        </p:nvSpPr>
+        <p:spPr/>
+        <p:txBody>
+          <a:bodyPr/>
+          <a:lstStyle/>
+          <a:p>
+            <a:fld id="{BE3D9CA7-554C-46EC-BEAB-CB2090EEB6FF}" type="slidenum">
+              <a:rPr lang="de-CH" smtClean="0"/>
+              <a:pPr/>
+              <a:t>8</a:t>
+            </a:fld>
+            <a:endParaRPr lang="de-CH" sz="1400"/>
+          </a:p>
+        </p:txBody>
+      </p:sp>
+    </p:spTree>
+    <p:extLst>
+      <p:ext uri="{BB962C8B-B14F-4D97-AF65-F5344CB8AC3E}">
+        <p14:creationId xmlns:p14="http://schemas.microsoft.com/office/powerpoint/2010/main" val="1282545250"/>
+      </p:ext>
+    </p:extLst>
+  </p:cSld>
+  <p:clrMapOvr>
+    <a:masterClrMapping/>
+  </p:clrMapOvr>
+</p:sld>
+</file>
+
+<file path=ppt/slides/slide9.xml><?xml version="1.0" encoding="utf-8"?>
+<p:sld xmlns:a="http://schemas.openxmlformats.org/drawingml/2006/main" xmlns:r="http://schemas.openxmlformats.org/officeDocument/2006/relationships" xmlns:p="http://schemas.openxmlformats.org/presentationml/2006/main">
+  <p:cSld>
+    <p:spTree>
+      <p:nvGrpSpPr>
+        <p:cNvPr id="1" name=""/>
+        <p:cNvGrpSpPr/>
+        <p:nvPr/>
+      </p:nvGrpSpPr>
+      <p:grpSpPr>
+        <a:xfrm>
+          <a:off x="0" y="0"/>
+          <a:ext cx="0" cy="0"/>
+          <a:chOff x="0" y="0"/>
+          <a:chExt cx="0" cy="0"/>
+        </a:xfrm>
+      </p:grpSpPr>
+      <p:sp>
+        <p:nvSpPr>
+          <p:cNvPr id="2" name="Title 1"/>
+          <p:cNvSpPr>
+            <a:spLocks noGrp="1"/>
+          </p:cNvSpPr>
+          <p:nvPr>
+            <p:ph type="title"/>
+          </p:nvPr>
+        </p:nvSpPr>
+        <p:spPr/>
+        <p:txBody>
+          <a:bodyPr/>
+          <a:lstStyle/>
+          <a:p>
+            <a:endParaRPr lang="en-GB" dirty="0"/>
+          </a:p>
+        </p:txBody>
+      </p:sp>
+      <p:sp>
+        <p:nvSpPr>
+          <p:cNvPr id="3" name="Content Placeholder 2"/>
+          <p:cNvSpPr>
+            <a:spLocks noGrp="1"/>
+          </p:cNvSpPr>
+          <p:nvPr>
+            <p:ph idx="1"/>
+          </p:nvPr>
+        </p:nvSpPr>
+        <p:spPr/>
+        <p:txBody>
+          <a:bodyPr/>
+          <a:lstStyle/>
+          <a:p>
+            <a:endParaRPr lang="en-GB"/>
+          </a:p>
+        </p:txBody>
+      </p:sp>
+      <p:sp>
+        <p:nvSpPr>
+          <p:cNvPr id="4" name="Slide Number Placeholder 3"/>
+          <p:cNvSpPr>
+            <a:spLocks noGrp="1"/>
+          </p:cNvSpPr>
+          <p:nvPr>
+            <p:ph type="sldNum" sz="quarter" idx="12"/>
+          </p:nvPr>
+        </p:nvSpPr>
+        <p:spPr/>
+        <p:txBody>
+          <a:bodyPr/>
+          <a:lstStyle/>
+          <a:p>
+            <a:fld id="{BE3D9CA7-554C-46EC-BEAB-CB2090EEB6FF}" type="slidenum">
+              <a:rPr lang="de-CH" smtClean="0"/>
+              <a:pPr/>
+              <a:t>9</a:t>
+            </a:fld>
+            <a:endParaRPr lang="de-CH" sz="1400"/>
+          </a:p>
+        </p:txBody>
+      </p:sp>
+    </p:spTree>
+    <p:extLst>
+      <p:ext uri="{BB962C8B-B14F-4D97-AF65-F5344CB8AC3E}">
+        <p14:creationId xmlns:p14="http://schemas.microsoft.com/office/powerpoint/2010/main" val="672163788"/>
       </p:ext>
     </p:extLst>
   </p:cSld>

--- a/doc/presentation/MIALab_slides.pptx
+++ b/doc/presentation/MIALab_slides.pptx
@@ -5,21 +5,23 @@
     <p:sldMasterId id="2147483649" r:id="rId1"/>
   </p:sldMasterIdLst>
   <p:notesMasterIdLst>
-    <p:notesMasterId r:id="rId11"/>
+    <p:notesMasterId r:id="rId13"/>
   </p:notesMasterIdLst>
   <p:handoutMasterIdLst>
-    <p:handoutMasterId r:id="rId12"/>
+    <p:handoutMasterId r:id="rId14"/>
   </p:handoutMasterIdLst>
   <p:sldIdLst>
     <p:sldId id="257" r:id="rId2"/>
-    <p:sldId id="266" r:id="rId3"/>
+    <p:sldId id="271" r:id="rId3"/>
     <p:sldId id="261" r:id="rId4"/>
     <p:sldId id="268" r:id="rId5"/>
     <p:sldId id="267" r:id="rId6"/>
     <p:sldId id="264" r:id="rId7"/>
     <p:sldId id="265" r:id="rId8"/>
     <p:sldId id="269" r:id="rId9"/>
-    <p:sldId id="270" r:id="rId10"/>
+    <p:sldId id="276" r:id="rId10"/>
+    <p:sldId id="275" r:id="rId11"/>
+    <p:sldId id="274" r:id="rId12"/>
   </p:sldIdLst>
   <p:sldSz cx="9144000" cy="6858000" type="screen4x3"/>
   <p:notesSz cx="6858000" cy="9144000"/>
@@ -1661,7 +1663,7 @@
         <a:p>
           <a:r>
             <a:rPr lang="en-GB" dirty="0" smtClean="0"/>
-            <a:t>Model</a:t>
+            <a:t>Tree Model</a:t>
           </a:r>
           <a:endParaRPr lang="en-GB" dirty="0"/>
         </a:p>
@@ -1821,10 +1823,10 @@
         <a:lstStyle/>
         <a:p>
           <a:r>
-            <a:rPr lang="en-GB" noProof="0" smtClean="0"/>
-            <a:t>MR</a:t>
+            <a:rPr lang="en-GB" noProof="0" dirty="0" smtClean="0"/>
+            <a:t>MR Data</a:t>
           </a:r>
-          <a:endParaRPr lang="en-GB" noProof="0"/>
+          <a:endParaRPr lang="en-GB" noProof="0" dirty="0"/>
         </a:p>
       </dgm:t>
     </dgm:pt>
@@ -1933,7 +1935,7 @@
         <a:p>
           <a:r>
             <a:rPr lang="en-GB" dirty="0" smtClean="0"/>
-            <a:t>RF</a:t>
+            <a:t>Random Forest</a:t>
           </a:r>
           <a:endParaRPr lang="en-GB" dirty="0"/>
         </a:p>
@@ -2025,80 +2027,6 @@
       </dgm:t>
     </dgm:pt>
     <dgm:pt modelId="{14E3FEA4-69DC-1B4A-A076-21954645F1C8}" type="sibTrans" cxnId="{2DB19E59-A2D2-B14E-9551-D3C6C108B1B6}">
-      <dgm:prSet/>
-      <dgm:spPr/>
-      <dgm:t>
-        <a:bodyPr/>
-        <a:lstStyle/>
-        <a:p>
-          <a:endParaRPr lang="en-GB"/>
-        </a:p>
-      </dgm:t>
-    </dgm:pt>
-    <dgm:pt modelId="{2E897982-7E04-4C45-9C43-285D39107AAE}">
-      <dgm:prSet phldrT="[Text]"/>
-      <dgm:spPr/>
-      <dgm:t>
-        <a:bodyPr/>
-        <a:lstStyle/>
-        <a:p>
-          <a:r>
-            <a:rPr lang="en-GB" dirty="0" smtClean="0"/>
-            <a:t>DICE</a:t>
-          </a:r>
-          <a:endParaRPr lang="en-GB" dirty="0"/>
-        </a:p>
-      </dgm:t>
-    </dgm:pt>
-    <dgm:pt modelId="{41BFA2C3-11D7-A64C-A291-F82AB928DF8D}" type="parTrans" cxnId="{76EB2C27-ECB0-BA49-BC08-2D71BE6CB6CD}">
-      <dgm:prSet/>
-      <dgm:spPr/>
-      <dgm:t>
-        <a:bodyPr/>
-        <a:lstStyle/>
-        <a:p>
-          <a:endParaRPr lang="en-GB"/>
-        </a:p>
-      </dgm:t>
-    </dgm:pt>
-    <dgm:pt modelId="{A43A4309-3771-B649-BD9A-608102D2AAE0}" type="sibTrans" cxnId="{76EB2C27-ECB0-BA49-BC08-2D71BE6CB6CD}">
-      <dgm:prSet/>
-      <dgm:spPr/>
-      <dgm:t>
-        <a:bodyPr/>
-        <a:lstStyle/>
-        <a:p>
-          <a:endParaRPr lang="en-GB"/>
-        </a:p>
-      </dgm:t>
-    </dgm:pt>
-    <dgm:pt modelId="{6404F092-5E52-DB4D-A54D-1E60B0E31941}">
-      <dgm:prSet phldrT="[Text]"/>
-      <dgm:spPr/>
-      <dgm:t>
-        <a:bodyPr/>
-        <a:lstStyle/>
-        <a:p>
-          <a:r>
-            <a:rPr lang="en-GB" dirty="0" smtClean="0"/>
-            <a:t>Volume Rending</a:t>
-          </a:r>
-          <a:endParaRPr lang="en-GB" dirty="0"/>
-        </a:p>
-      </dgm:t>
-    </dgm:pt>
-    <dgm:pt modelId="{79EC3483-A705-0F44-9D34-C7EA312B051F}" type="parTrans" cxnId="{FC5983A3-BA54-AD4A-B289-9267FF1CC8C2}">
-      <dgm:prSet/>
-      <dgm:spPr/>
-      <dgm:t>
-        <a:bodyPr/>
-        <a:lstStyle/>
-        <a:p>
-          <a:endParaRPr lang="en-GB"/>
-        </a:p>
-      </dgm:t>
-    </dgm:pt>
-    <dgm:pt modelId="{AB5D6ECC-163E-A049-B7BA-041CFD7EE9CE}" type="sibTrans" cxnId="{FC5983A3-BA54-AD4A-B289-9267FF1CC8C2}">
       <dgm:prSet/>
       <dgm:spPr/>
       <dgm:t>
@@ -2324,7 +2252,6 @@
     <dgm:cxn modelId="{61252B13-6177-DD4C-9CCE-3007E31DEA52}" srcId="{9CCA2703-44A2-5A44-959C-035906E68F15}" destId="{F2279908-6040-084B-BD68-75B31C9DA707}" srcOrd="2" destOrd="0" parTransId="{6E7AE9DC-7E91-DD4E-86E5-148EAE2399EE}" sibTransId="{345B8BCC-2043-2946-80B1-BD82DD91D2E9}"/>
     <dgm:cxn modelId="{3C844BDF-64B0-BC4C-A63C-283AEAD1EE50}" type="presOf" srcId="{5CE3F7CE-80AE-C14A-95AF-590F66F2EE21}" destId="{A86CCBF8-0593-3F4D-A838-34AA8333AFB1}" srcOrd="0" destOrd="0" presId="urn:microsoft.com/office/officeart/2005/8/layout/process1"/>
     <dgm:cxn modelId="{2DB19E59-A2D2-B14E-9551-D3C6C108B1B6}" srcId="{9CCA2703-44A2-5A44-959C-035906E68F15}" destId="{759B4923-EC0A-2245-BC47-434B14A80BAC}" srcOrd="5" destOrd="0" parTransId="{0AD2ABB2-A1DA-F24A-AF0B-E5E6E1C59A8D}" sibTransId="{14E3FEA4-69DC-1B4A-A076-21954645F1C8}"/>
-    <dgm:cxn modelId="{FC5983A3-BA54-AD4A-B289-9267FF1CC8C2}" srcId="{759B4923-EC0A-2245-BC47-434B14A80BAC}" destId="{6404F092-5E52-DB4D-A54D-1E60B0E31941}" srcOrd="1" destOrd="0" parTransId="{79EC3483-A705-0F44-9D34-C7EA312B051F}" sibTransId="{AB5D6ECC-163E-A049-B7BA-041CFD7EE9CE}"/>
     <dgm:cxn modelId="{8A1C08B1-4E67-B04D-9B14-A53790E49A96}" type="presOf" srcId="{345B8BCC-2043-2946-80B1-BD82DD91D2E9}" destId="{E584FE79-91FB-8F42-AB7B-543DC3A86354}" srcOrd="1" destOrd="0" presId="urn:microsoft.com/office/officeart/2005/8/layout/process1"/>
     <dgm:cxn modelId="{361F0EF5-9784-9944-A10D-49184C263BD8}" srcId="{9CCA2703-44A2-5A44-959C-035906E68F15}" destId="{DAE8AB90-959C-AC4F-9283-FC7F2719AE83}" srcOrd="1" destOrd="0" parTransId="{A45D1FEC-9ACE-D949-94A4-AC6459CC04D5}" sibTransId="{21DF6EF0-D91E-9E4B-9986-460823DC5045}"/>
     <dgm:cxn modelId="{4C7AB877-3507-1648-9CFF-F8C6EDDB32B6}" type="presOf" srcId="{E3D0252C-F8F7-1743-BE39-E30A4A7C5D43}" destId="{9AC63E6B-6196-524E-942A-B20DA62C746B}" srcOrd="0" destOrd="0" presId="urn:microsoft.com/office/officeart/2005/8/layout/process1"/>
@@ -2333,7 +2260,6 @@
     <dgm:cxn modelId="{D94329F9-0EA7-E441-8B70-B92DB2A65B8B}" type="presOf" srcId="{9CCA2703-44A2-5A44-959C-035906E68F15}" destId="{3E78BED2-CF11-8240-96AC-AF6D15847FD6}" srcOrd="0" destOrd="0" presId="urn:microsoft.com/office/officeart/2005/8/layout/process1"/>
     <dgm:cxn modelId="{E8A1E4DA-2FB4-1D48-9932-478E1FBF4DB4}" type="presOf" srcId="{4034D875-3611-EA42-82FF-AD2B3645BAFC}" destId="{3DC39003-611A-C142-A1E8-BEF235D3B548}" srcOrd="1" destOrd="0" presId="urn:microsoft.com/office/officeart/2005/8/layout/process1"/>
     <dgm:cxn modelId="{9181D3C6-6BF4-5747-B45D-CBD66B5D2B9D}" type="presOf" srcId="{0FFA8D19-4676-CA4A-989D-0E6C36B7C3D8}" destId="{AA3E99BC-A267-BC46-A095-2A7C17946751}" srcOrd="0" destOrd="0" presId="urn:microsoft.com/office/officeart/2005/8/layout/process1"/>
-    <dgm:cxn modelId="{76EB2C27-ECB0-BA49-BC08-2D71BE6CB6CD}" srcId="{759B4923-EC0A-2245-BC47-434B14A80BAC}" destId="{2E897982-7E04-4C45-9C43-285D39107AAE}" srcOrd="0" destOrd="0" parTransId="{41BFA2C3-11D7-A64C-A291-F82AB928DF8D}" sibTransId="{A43A4309-3771-B649-BD9A-608102D2AAE0}"/>
     <dgm:cxn modelId="{19217BE6-30B7-1447-A49A-C3044FC338BB}" type="presOf" srcId="{F2279908-6040-084B-BD68-75B31C9DA707}" destId="{3B9C3E82-BCBA-EC43-B7E2-B876EF9243AB}" srcOrd="0" destOrd="0" presId="urn:microsoft.com/office/officeart/2005/8/layout/process1"/>
     <dgm:cxn modelId="{3B7061CC-1CB2-8748-9A31-AAFE7F8D3F0C}" srcId="{9CCA2703-44A2-5A44-959C-035906E68F15}" destId="{E3D0252C-F8F7-1743-BE39-E30A4A7C5D43}" srcOrd="0" destOrd="0" parTransId="{46FB300F-EAEE-664F-83D9-06C0F50C8137}" sibTransId="{4034D875-3611-EA42-82FF-AD2B3645BAFC}"/>
     <dgm:cxn modelId="{9EFA704F-1A43-F749-AFC1-9589A279E701}" type="presOf" srcId="{DAE8AB90-959C-AC4F-9283-FC7F2719AE83}" destId="{2787077C-9C67-4745-90A8-96CE5C562107}" srcOrd="0" destOrd="0" presId="urn:microsoft.com/office/officeart/2005/8/layout/process1"/>
@@ -2344,9 +2270,7 @@
     <dgm:cxn modelId="{4D826D5C-8669-1D47-88B8-B76FC9F17D63}" type="presOf" srcId="{21DF6EF0-D91E-9E4B-9986-460823DC5045}" destId="{CFAA8E65-33A6-3542-8550-88C7C887156A}" srcOrd="1" destOrd="0" presId="urn:microsoft.com/office/officeart/2005/8/layout/process1"/>
     <dgm:cxn modelId="{D29ED75B-E76A-BE48-B2E6-F8DA7E67590E}" type="presOf" srcId="{5CE3F7CE-80AE-C14A-95AF-590F66F2EE21}" destId="{6D574052-F52A-8A43-9AE4-DAC75AEFED79}" srcOrd="1" destOrd="0" presId="urn:microsoft.com/office/officeart/2005/8/layout/process1"/>
     <dgm:cxn modelId="{23E886E9-6F93-854D-8E49-53256730F938}" type="presOf" srcId="{21DF6EF0-D91E-9E4B-9986-460823DC5045}" destId="{9E5E12EE-D5E8-4542-AC59-F8121E429374}" srcOrd="0" destOrd="0" presId="urn:microsoft.com/office/officeart/2005/8/layout/process1"/>
-    <dgm:cxn modelId="{A24E1450-C880-6447-97FD-A2E38C0323F9}" type="presOf" srcId="{2E897982-7E04-4C45-9C43-285D39107AAE}" destId="{E6F5C078-EDCC-9446-8F48-BFC227829067}" srcOrd="0" destOrd="1" presId="urn:microsoft.com/office/officeart/2005/8/layout/process1"/>
     <dgm:cxn modelId="{399B9FB1-F983-EE4A-8D5A-03BD9AC9F6B6}" type="presOf" srcId="{0B2795A7-790A-464B-8297-3F9E52A62D31}" destId="{006631A4-CC36-3547-ACE5-A22EC02B1D57}" srcOrd="0" destOrd="0" presId="urn:microsoft.com/office/officeart/2005/8/layout/process1"/>
-    <dgm:cxn modelId="{71A8FF06-5D31-3E48-8823-6A07720CC656}" type="presOf" srcId="{6404F092-5E52-DB4D-A54D-1E60B0E31941}" destId="{E6F5C078-EDCC-9446-8F48-BFC227829067}" srcOrd="0" destOrd="2" presId="urn:microsoft.com/office/officeart/2005/8/layout/process1"/>
     <dgm:cxn modelId="{616B9E3B-2073-2149-9C23-AB162E296D7C}" type="presParOf" srcId="{3E78BED2-CF11-8240-96AC-AF6D15847FD6}" destId="{9AC63E6B-6196-524E-942A-B20DA62C746B}" srcOrd="0" destOrd="0" presId="urn:microsoft.com/office/officeart/2005/8/layout/process1"/>
     <dgm:cxn modelId="{1F320010-8BE2-5245-B6B9-8242DB432A26}" type="presParOf" srcId="{3E78BED2-CF11-8240-96AC-AF6D15847FD6}" destId="{BA0BEDE7-D2D8-0745-A736-37E6DBBBCF78}" srcOrd="1" destOrd="0" presId="urn:microsoft.com/office/officeart/2005/8/layout/process1"/>
     <dgm:cxn modelId="{2AAA5A4B-59A0-DD4D-AA29-35E33B91E47E}" type="presParOf" srcId="{BA0BEDE7-D2D8-0745-A736-37E6DBBBCF78}" destId="{3DC39003-611A-C142-A1E8-BEF235D3B548}" srcOrd="0" destOrd="0" presId="urn:microsoft.com/office/officeart/2005/8/layout/process1"/>
@@ -2389,243 +2313,8 @@
       </dsp:nvSpPr>
       <dsp:spPr>
         <a:xfrm>
-          <a:off x="0" y="140"/>
-          <a:ext cx="829329" cy="460738"/>
-        </a:xfrm>
-        <a:prstGeom prst="roundRect">
-          <a:avLst>
-            <a:gd name="adj" fmla="val 10000"/>
-          </a:avLst>
-        </a:prstGeom>
-        <a:solidFill>
-          <a:schemeClr val="accent4">
-            <a:hueOff val="0"/>
-            <a:satOff val="0"/>
-            <a:lumOff val="0"/>
-            <a:alphaOff val="0"/>
-          </a:schemeClr>
-        </a:solidFill>
-        <a:ln w="25400" cap="flat" cmpd="sng" algn="ctr">
-          <a:solidFill>
-            <a:schemeClr val="lt1">
-              <a:hueOff val="0"/>
-              <a:satOff val="0"/>
-              <a:lumOff val="0"/>
-              <a:alphaOff val="0"/>
-            </a:schemeClr>
-          </a:solidFill>
-          <a:prstDash val="solid"/>
-        </a:ln>
-        <a:effectLst/>
-      </dsp:spPr>
-      <dsp:style>
-        <a:lnRef idx="2">
-          <a:scrgbClr r="0" g="0" b="0"/>
-        </a:lnRef>
-        <a:fillRef idx="1">
-          <a:scrgbClr r="0" g="0" b="0"/>
-        </a:fillRef>
-        <a:effectRef idx="0">
-          <a:scrgbClr r="0" g="0" b="0"/>
-        </a:effectRef>
-        <a:fontRef idx="minor">
-          <a:schemeClr val="lt1"/>
-        </a:fontRef>
-      </dsp:style>
-      <dsp:txBody>
-        <a:bodyPr spcFirstLastPara="0" vert="horz" wrap="square" lIns="72390" tIns="72390" rIns="72390" bIns="72390" numCol="1" spcCol="1270" anchor="ctr" anchorCtr="0">
-          <a:noAutofit/>
-        </a:bodyPr>
-        <a:lstStyle/>
-        <a:p>
-          <a:pPr lvl="0" algn="ctr" defTabSz="844550">
-            <a:lnSpc>
-              <a:spcPct val="90000"/>
-            </a:lnSpc>
-            <a:spcBef>
-              <a:spcPct val="0"/>
-            </a:spcBef>
-            <a:spcAft>
-              <a:spcPct val="35000"/>
-            </a:spcAft>
-          </a:pPr>
-          <a:r>
-            <a:rPr lang="en-GB" sz="1900" kern="1200" dirty="0" smtClean="0"/>
-            <a:t>Model</a:t>
-          </a:r>
-          <a:endParaRPr lang="en-GB" sz="1900" kern="1200" dirty="0"/>
-        </a:p>
-      </dsp:txBody>
-      <dsp:txXfrm>
-        <a:off x="13495" y="13635"/>
-        <a:ext cx="802339" cy="433748"/>
-      </dsp:txXfrm>
-    </dsp:sp>
-    <dsp:sp modelId="{33FB1C2E-176E-A84C-BE49-0F1CF831B288}">
-      <dsp:nvSpPr>
-        <dsp:cNvPr id="0" name=""/>
-        <dsp:cNvSpPr/>
-      </dsp:nvSpPr>
-      <dsp:spPr>
-        <a:xfrm rot="5400000">
-          <a:off x="328224" y="472468"/>
-          <a:ext cx="172882" cy="207332"/>
-        </a:xfrm>
-        <a:prstGeom prst="rightArrow">
-          <a:avLst>
-            <a:gd name="adj1" fmla="val 60000"/>
-            <a:gd name="adj2" fmla="val 50000"/>
-          </a:avLst>
-        </a:prstGeom>
-        <a:solidFill>
-          <a:schemeClr val="accent4">
-            <a:tint val="60000"/>
-            <a:hueOff val="0"/>
-            <a:satOff val="0"/>
-            <a:lumOff val="0"/>
-            <a:alphaOff val="0"/>
-          </a:schemeClr>
-        </a:solidFill>
-        <a:ln>
-          <a:noFill/>
-        </a:ln>
-        <a:effectLst/>
-      </dsp:spPr>
-      <dsp:style>
-        <a:lnRef idx="0">
-          <a:scrgbClr r="0" g="0" b="0"/>
-        </a:lnRef>
-        <a:fillRef idx="1">
-          <a:scrgbClr r="0" g="0" b="0"/>
-        </a:fillRef>
-        <a:effectRef idx="0">
-          <a:scrgbClr r="0" g="0" b="0"/>
-        </a:effectRef>
-        <a:fontRef idx="minor">
-          <a:schemeClr val="lt1"/>
-        </a:fontRef>
-      </dsp:style>
-      <dsp:txBody>
-        <a:bodyPr spcFirstLastPara="0" vert="horz" wrap="square" lIns="0" tIns="0" rIns="0" bIns="0" numCol="1" spcCol="1270" anchor="ctr" anchorCtr="0">
-          <a:noAutofit/>
-        </a:bodyPr>
-        <a:lstStyle/>
-        <a:p>
-          <a:pPr lvl="0" algn="ctr" defTabSz="355600">
-            <a:lnSpc>
-              <a:spcPct val="90000"/>
-            </a:lnSpc>
-            <a:spcBef>
-              <a:spcPct val="0"/>
-            </a:spcBef>
-            <a:spcAft>
-              <a:spcPct val="35000"/>
-            </a:spcAft>
-          </a:pPr>
-          <a:endParaRPr lang="en-GB" sz="800" kern="1200"/>
-        </a:p>
-      </dsp:txBody>
-      <dsp:txXfrm rot="-5400000">
-        <a:off x="352466" y="489693"/>
-        <a:ext cx="124400" cy="121017"/>
-      </dsp:txXfrm>
-    </dsp:sp>
-    <dsp:sp modelId="{760ACBAD-DFC6-A840-93E3-5B7A1CE5B7FF}">
-      <dsp:nvSpPr>
-        <dsp:cNvPr id="0" name=""/>
-        <dsp:cNvSpPr/>
-      </dsp:nvSpPr>
-      <dsp:spPr>
-        <a:xfrm>
-          <a:off x="0" y="691389"/>
-          <a:ext cx="829329" cy="460738"/>
-        </a:xfrm>
-        <a:prstGeom prst="roundRect">
-          <a:avLst>
-            <a:gd name="adj" fmla="val 10000"/>
-          </a:avLst>
-        </a:prstGeom>
-        <a:solidFill>
-          <a:schemeClr val="accent4">
-            <a:hueOff val="0"/>
-            <a:satOff val="0"/>
-            <a:lumOff val="0"/>
-            <a:alphaOff val="0"/>
-          </a:schemeClr>
-        </a:solidFill>
-        <a:ln w="25400" cap="flat" cmpd="sng" algn="ctr">
-          <a:solidFill>
-            <a:schemeClr val="lt1">
-              <a:hueOff val="0"/>
-              <a:satOff val="0"/>
-              <a:lumOff val="0"/>
-              <a:alphaOff val="0"/>
-            </a:schemeClr>
-          </a:solidFill>
-          <a:prstDash val="solid"/>
-        </a:ln>
-        <a:effectLst/>
-      </dsp:spPr>
-      <dsp:style>
-        <a:lnRef idx="2">
-          <a:scrgbClr r="0" g="0" b="0"/>
-        </a:lnRef>
-        <a:fillRef idx="1">
-          <a:scrgbClr r="0" g="0" b="0"/>
-        </a:fillRef>
-        <a:effectRef idx="0">
-          <a:scrgbClr r="0" g="0" b="0"/>
-        </a:effectRef>
-        <a:fontRef idx="minor">
-          <a:schemeClr val="lt1"/>
-        </a:fontRef>
-      </dsp:style>
-      <dsp:txBody>
-        <a:bodyPr spcFirstLastPara="0" vert="horz" wrap="square" lIns="72390" tIns="72390" rIns="72390" bIns="72390" numCol="1" spcCol="1270" anchor="ctr" anchorCtr="0">
-          <a:noAutofit/>
-        </a:bodyPr>
-        <a:lstStyle/>
-        <a:p>
-          <a:pPr lvl="0" algn="ctr" defTabSz="844550">
-            <a:lnSpc>
-              <a:spcPct val="90000"/>
-            </a:lnSpc>
-            <a:spcBef>
-              <a:spcPct val="0"/>
-            </a:spcBef>
-            <a:spcAft>
-              <a:spcPct val="35000"/>
-            </a:spcAft>
-          </a:pPr>
-          <a:endParaRPr lang="en-GB" sz="1900" kern="1200" dirty="0"/>
-        </a:p>
-      </dsp:txBody>
-      <dsp:txXfrm>
-        <a:off x="13495" y="704884"/>
-        <a:ext cx="802339" cy="433748"/>
-      </dsp:txXfrm>
-    </dsp:sp>
-  </dsp:spTree>
-</dsp:drawing>
-</file>
-
-<file path=ppt/diagrams/drawing2.xml><?xml version="1.0" encoding="utf-8"?>
-<dsp:drawing xmlns:dgm="http://schemas.openxmlformats.org/drawingml/2006/diagram" xmlns:dsp="http://schemas.microsoft.com/office/drawing/2008/diagram" xmlns:a="http://schemas.openxmlformats.org/drawingml/2006/main">
-  <dsp:spTree>
-    <dsp:nvGrpSpPr>
-      <dsp:cNvPr id="0" name=""/>
-      <dsp:cNvGrpSpPr/>
-    </dsp:nvGrpSpPr>
-    <dsp:grpSpPr/>
-    <dsp:sp modelId="{9AC63E6B-6196-524E-942A-B20DA62C746B}">
-      <dsp:nvSpPr>
-        <dsp:cNvPr id="0" name=""/>
-        <dsp:cNvSpPr/>
-      </dsp:nvSpPr>
-      <dsp:spPr>
-        <a:xfrm>
-          <a:off x="0" y="1734633"/>
-          <a:ext cx="1007665" cy="1029708"/>
+          <a:off x="6001" y="140"/>
+          <a:ext cx="956032" cy="460738"/>
         </a:xfrm>
         <a:prstGeom prst="roundRect">
           <a:avLst>
@@ -2685,15 +2374,250 @@
             </a:spcAft>
           </a:pPr>
           <a:r>
-            <a:rPr lang="en-GB" sz="1300" kern="1200" noProof="0" smtClean="0"/>
-            <a:t>MR</a:t>
+            <a:rPr lang="en-GB" sz="1300" kern="1200" dirty="0" smtClean="0"/>
+            <a:t>Tree Model</a:t>
           </a:r>
-          <a:endParaRPr lang="en-GB" sz="1300" kern="1200" noProof="0"/>
+          <a:endParaRPr lang="en-GB" sz="1300" kern="1200" dirty="0"/>
         </a:p>
       </dsp:txBody>
       <dsp:txXfrm>
-        <a:off x="29514" y="1764147"/>
-        <a:ext cx="948637" cy="970680"/>
+        <a:off x="19496" y="13635"/>
+        <a:ext cx="929042" cy="433748"/>
+      </dsp:txXfrm>
+    </dsp:sp>
+    <dsp:sp modelId="{33FB1C2E-176E-A84C-BE49-0F1CF831B288}">
+      <dsp:nvSpPr>
+        <dsp:cNvPr id="0" name=""/>
+        <dsp:cNvSpPr/>
+      </dsp:nvSpPr>
+      <dsp:spPr>
+        <a:xfrm rot="5400000">
+          <a:off x="397576" y="472468"/>
+          <a:ext cx="172882" cy="207332"/>
+        </a:xfrm>
+        <a:prstGeom prst="rightArrow">
+          <a:avLst>
+            <a:gd name="adj1" fmla="val 60000"/>
+            <a:gd name="adj2" fmla="val 50000"/>
+          </a:avLst>
+        </a:prstGeom>
+        <a:solidFill>
+          <a:schemeClr val="accent4">
+            <a:tint val="60000"/>
+            <a:hueOff val="0"/>
+            <a:satOff val="0"/>
+            <a:lumOff val="0"/>
+            <a:alphaOff val="0"/>
+          </a:schemeClr>
+        </a:solidFill>
+        <a:ln>
+          <a:noFill/>
+        </a:ln>
+        <a:effectLst/>
+      </dsp:spPr>
+      <dsp:style>
+        <a:lnRef idx="0">
+          <a:scrgbClr r="0" g="0" b="0"/>
+        </a:lnRef>
+        <a:fillRef idx="1">
+          <a:scrgbClr r="0" g="0" b="0"/>
+        </a:fillRef>
+        <a:effectRef idx="0">
+          <a:scrgbClr r="0" g="0" b="0"/>
+        </a:effectRef>
+        <a:fontRef idx="minor">
+          <a:schemeClr val="lt1"/>
+        </a:fontRef>
+      </dsp:style>
+      <dsp:txBody>
+        <a:bodyPr spcFirstLastPara="0" vert="horz" wrap="square" lIns="0" tIns="0" rIns="0" bIns="0" numCol="1" spcCol="1270" anchor="ctr" anchorCtr="0">
+          <a:noAutofit/>
+        </a:bodyPr>
+        <a:lstStyle/>
+        <a:p>
+          <a:pPr lvl="0" algn="ctr" defTabSz="355600">
+            <a:lnSpc>
+              <a:spcPct val="90000"/>
+            </a:lnSpc>
+            <a:spcBef>
+              <a:spcPct val="0"/>
+            </a:spcBef>
+            <a:spcAft>
+              <a:spcPct val="35000"/>
+            </a:spcAft>
+          </a:pPr>
+          <a:endParaRPr lang="en-GB" sz="800" kern="1200"/>
+        </a:p>
+      </dsp:txBody>
+      <dsp:txXfrm rot="-5400000">
+        <a:off x="421818" y="489693"/>
+        <a:ext cx="124400" cy="121017"/>
+      </dsp:txXfrm>
+    </dsp:sp>
+    <dsp:sp modelId="{760ACBAD-DFC6-A840-93E3-5B7A1CE5B7FF}">
+      <dsp:nvSpPr>
+        <dsp:cNvPr id="0" name=""/>
+        <dsp:cNvSpPr/>
+      </dsp:nvSpPr>
+      <dsp:spPr>
+        <a:xfrm>
+          <a:off x="6001" y="691389"/>
+          <a:ext cx="956032" cy="460738"/>
+        </a:xfrm>
+        <a:prstGeom prst="roundRect">
+          <a:avLst>
+            <a:gd name="adj" fmla="val 10000"/>
+          </a:avLst>
+        </a:prstGeom>
+        <a:solidFill>
+          <a:schemeClr val="accent4">
+            <a:hueOff val="0"/>
+            <a:satOff val="0"/>
+            <a:lumOff val="0"/>
+            <a:alphaOff val="0"/>
+          </a:schemeClr>
+        </a:solidFill>
+        <a:ln w="25400" cap="flat" cmpd="sng" algn="ctr">
+          <a:solidFill>
+            <a:schemeClr val="lt1">
+              <a:hueOff val="0"/>
+              <a:satOff val="0"/>
+              <a:lumOff val="0"/>
+              <a:alphaOff val="0"/>
+            </a:schemeClr>
+          </a:solidFill>
+          <a:prstDash val="solid"/>
+        </a:ln>
+        <a:effectLst/>
+      </dsp:spPr>
+      <dsp:style>
+        <a:lnRef idx="2">
+          <a:scrgbClr r="0" g="0" b="0"/>
+        </a:lnRef>
+        <a:fillRef idx="1">
+          <a:scrgbClr r="0" g="0" b="0"/>
+        </a:fillRef>
+        <a:effectRef idx="0">
+          <a:scrgbClr r="0" g="0" b="0"/>
+        </a:effectRef>
+        <a:fontRef idx="minor">
+          <a:schemeClr val="lt1"/>
+        </a:fontRef>
+      </dsp:style>
+      <dsp:txBody>
+        <a:bodyPr spcFirstLastPara="0" vert="horz" wrap="square" lIns="49530" tIns="49530" rIns="49530" bIns="49530" numCol="1" spcCol="1270" anchor="ctr" anchorCtr="0">
+          <a:noAutofit/>
+        </a:bodyPr>
+        <a:lstStyle/>
+        <a:p>
+          <a:pPr lvl="0" algn="ctr" defTabSz="577850">
+            <a:lnSpc>
+              <a:spcPct val="90000"/>
+            </a:lnSpc>
+            <a:spcBef>
+              <a:spcPct val="0"/>
+            </a:spcBef>
+            <a:spcAft>
+              <a:spcPct val="35000"/>
+            </a:spcAft>
+          </a:pPr>
+          <a:endParaRPr lang="en-GB" sz="1300" kern="1200" dirty="0"/>
+        </a:p>
+      </dsp:txBody>
+      <dsp:txXfrm>
+        <a:off x="19496" y="704884"/>
+        <a:ext cx="929042" cy="433748"/>
+      </dsp:txXfrm>
+    </dsp:sp>
+  </dsp:spTree>
+</dsp:drawing>
+</file>
+
+<file path=ppt/diagrams/drawing2.xml><?xml version="1.0" encoding="utf-8"?>
+<dsp:drawing xmlns:dgm="http://schemas.openxmlformats.org/drawingml/2006/diagram" xmlns:dsp="http://schemas.microsoft.com/office/drawing/2008/diagram" xmlns:a="http://schemas.openxmlformats.org/drawingml/2006/main">
+  <dsp:spTree>
+    <dsp:nvGrpSpPr>
+      <dsp:cNvPr id="0" name=""/>
+      <dsp:cNvGrpSpPr/>
+    </dsp:nvGrpSpPr>
+    <dsp:grpSpPr/>
+    <dsp:sp modelId="{9AC63E6B-6196-524E-942A-B20DA62C746B}">
+      <dsp:nvSpPr>
+        <dsp:cNvPr id="0" name=""/>
+        <dsp:cNvSpPr/>
+      </dsp:nvSpPr>
+      <dsp:spPr>
+        <a:xfrm>
+          <a:off x="0" y="1947187"/>
+          <a:ext cx="1007665" cy="604599"/>
+        </a:xfrm>
+        <a:prstGeom prst="roundRect">
+          <a:avLst>
+            <a:gd name="adj" fmla="val 10000"/>
+          </a:avLst>
+        </a:prstGeom>
+        <a:solidFill>
+          <a:schemeClr val="accent4">
+            <a:hueOff val="0"/>
+            <a:satOff val="0"/>
+            <a:lumOff val="0"/>
+            <a:alphaOff val="0"/>
+          </a:schemeClr>
+        </a:solidFill>
+        <a:ln w="25400" cap="flat" cmpd="sng" algn="ctr">
+          <a:solidFill>
+            <a:schemeClr val="lt1">
+              <a:hueOff val="0"/>
+              <a:satOff val="0"/>
+              <a:lumOff val="0"/>
+              <a:alphaOff val="0"/>
+            </a:schemeClr>
+          </a:solidFill>
+          <a:prstDash val="solid"/>
+        </a:ln>
+        <a:effectLst/>
+      </dsp:spPr>
+      <dsp:style>
+        <a:lnRef idx="2">
+          <a:scrgbClr r="0" g="0" b="0"/>
+        </a:lnRef>
+        <a:fillRef idx="1">
+          <a:scrgbClr r="0" g="0" b="0"/>
+        </a:fillRef>
+        <a:effectRef idx="0">
+          <a:scrgbClr r="0" g="0" b="0"/>
+        </a:effectRef>
+        <a:fontRef idx="minor">
+          <a:schemeClr val="lt1"/>
+        </a:fontRef>
+      </dsp:style>
+      <dsp:txBody>
+        <a:bodyPr spcFirstLastPara="0" vert="horz" wrap="square" lIns="49530" tIns="49530" rIns="49530" bIns="49530" numCol="1" spcCol="1270" anchor="ctr" anchorCtr="0">
+          <a:noAutofit/>
+        </a:bodyPr>
+        <a:lstStyle/>
+        <a:p>
+          <a:pPr lvl="0" algn="ctr" defTabSz="577850">
+            <a:lnSpc>
+              <a:spcPct val="90000"/>
+            </a:lnSpc>
+            <a:spcBef>
+              <a:spcPct val="0"/>
+            </a:spcBef>
+            <a:spcAft>
+              <a:spcPct val="35000"/>
+            </a:spcAft>
+          </a:pPr>
+          <a:r>
+            <a:rPr lang="en-GB" sz="1300" kern="1200" noProof="0" dirty="0" smtClean="0"/>
+            <a:t>MR Data</a:t>
+          </a:r>
+          <a:endParaRPr lang="en-GB" sz="1300" kern="1200" noProof="0" dirty="0"/>
+        </a:p>
+      </dsp:txBody>
+      <dsp:txXfrm>
+        <a:off x="17708" y="1964895"/>
+        <a:ext cx="972249" cy="569183"/>
       </dsp:txXfrm>
     </dsp:sp>
     <dsp:sp modelId="{BA0BEDE7-D2D8-0745-A736-37E6DBBBCF78}">
@@ -2772,8 +2696,8 @@
       </dsp:nvSpPr>
       <dsp:spPr>
         <a:xfrm>
-          <a:off x="1410731" y="1734633"/>
-          <a:ext cx="1007665" cy="1029708"/>
+          <a:off x="1410731" y="1947187"/>
+          <a:ext cx="1007665" cy="604599"/>
         </a:xfrm>
         <a:prstGeom prst="roundRect">
           <a:avLst>
@@ -2840,8 +2764,8 @@
         </a:p>
       </dsp:txBody>
       <dsp:txXfrm>
-        <a:off x="1440245" y="1764147"/>
-        <a:ext cx="948637" cy="970680"/>
+        <a:off x="1428439" y="1964895"/>
+        <a:ext cx="972249" cy="569183"/>
       </dsp:txXfrm>
     </dsp:sp>
     <dsp:sp modelId="{9E5E12EE-D5E8-4542-AC59-F8121E429374}">
@@ -2920,8 +2844,8 @@
       </dsp:nvSpPr>
       <dsp:spPr>
         <a:xfrm>
-          <a:off x="2821463" y="1734633"/>
-          <a:ext cx="1007665" cy="1029708"/>
+          <a:off x="2821463" y="1947187"/>
+          <a:ext cx="1007665" cy="604599"/>
         </a:xfrm>
         <a:prstGeom prst="roundRect">
           <a:avLst>
@@ -2988,8 +2912,8 @@
         </a:p>
       </dsp:txBody>
       <dsp:txXfrm>
-        <a:off x="2850977" y="1764147"/>
-        <a:ext cx="948637" cy="970680"/>
+        <a:off x="2839171" y="1964895"/>
+        <a:ext cx="972249" cy="569183"/>
       </dsp:txXfrm>
     </dsp:sp>
     <dsp:sp modelId="{AEA76E44-30A9-6D4F-8927-0293872098EF}">
@@ -3068,8 +2992,8 @@
       </dsp:nvSpPr>
       <dsp:spPr>
         <a:xfrm>
-          <a:off x="4232195" y="1734633"/>
-          <a:ext cx="1007665" cy="1029708"/>
+          <a:off x="4232195" y="1947187"/>
+          <a:ext cx="1007665" cy="604599"/>
         </a:xfrm>
         <a:prstGeom prst="roundRect">
           <a:avLst>
@@ -3130,14 +3054,14 @@
           </a:pPr>
           <a:r>
             <a:rPr lang="en-GB" sz="1300" kern="1200" dirty="0" smtClean="0"/>
-            <a:t>RF</a:t>
+            <a:t>Random Forest</a:t>
           </a:r>
           <a:endParaRPr lang="en-GB" sz="1300" kern="1200" dirty="0"/>
         </a:p>
       </dsp:txBody>
       <dsp:txXfrm>
-        <a:off x="4261709" y="1764147"/>
-        <a:ext cx="948637" cy="970680"/>
+        <a:off x="4249903" y="1964895"/>
+        <a:ext cx="972249" cy="569183"/>
       </dsp:txXfrm>
     </dsp:sp>
     <dsp:sp modelId="{1815960C-6872-A246-8808-59A04760FC61}">
@@ -3216,8 +3140,8 @@
       </dsp:nvSpPr>
       <dsp:spPr>
         <a:xfrm>
-          <a:off x="5642927" y="1734633"/>
-          <a:ext cx="1007665" cy="1029708"/>
+          <a:off x="5642927" y="1947187"/>
+          <a:ext cx="1007665" cy="604599"/>
         </a:xfrm>
         <a:prstGeom prst="roundRect">
           <a:avLst>
@@ -3284,8 +3208,8 @@
         </a:p>
       </dsp:txBody>
       <dsp:txXfrm>
-        <a:off x="5672441" y="1764147"/>
-        <a:ext cx="948637" cy="970680"/>
+        <a:off x="5660635" y="1964895"/>
+        <a:ext cx="972249" cy="569183"/>
       </dsp:txXfrm>
     </dsp:sp>
     <dsp:sp modelId="{A86CCBF8-0593-3F4D-A838-34AA8333AFB1}">
@@ -3364,8 +3288,8 @@
       </dsp:nvSpPr>
       <dsp:spPr>
         <a:xfrm>
-          <a:off x="7053659" y="1734633"/>
-          <a:ext cx="1007665" cy="1029708"/>
+          <a:off x="7053659" y="1947187"/>
+          <a:ext cx="1007665" cy="604599"/>
         </a:xfrm>
         <a:prstGeom prst="roundRect">
           <a:avLst>
@@ -3408,12 +3332,12 @@
         </a:fontRef>
       </dsp:style>
       <dsp:txBody>
-        <a:bodyPr spcFirstLastPara="0" vert="horz" wrap="square" lIns="49530" tIns="49530" rIns="49530" bIns="49530" numCol="1" spcCol="1270" anchor="t" anchorCtr="0">
+        <a:bodyPr spcFirstLastPara="0" vert="horz" wrap="square" lIns="49530" tIns="49530" rIns="49530" bIns="49530" numCol="1" spcCol="1270" anchor="ctr" anchorCtr="0">
           <a:noAutofit/>
         </a:bodyPr>
         <a:lstStyle/>
         <a:p>
-          <a:pPr lvl="0" algn="l" defTabSz="577850">
+          <a:pPr lvl="0" algn="ctr" defTabSz="577850">
             <a:lnSpc>
               <a:spcPct val="90000"/>
             </a:lnSpc>
@@ -3430,48 +3354,10 @@
           </a:r>
           <a:endParaRPr lang="en-GB" sz="1300" kern="1200" dirty="0"/>
         </a:p>
-        <a:p>
-          <a:pPr marL="57150" lvl="1" indent="-57150" algn="l" defTabSz="444500">
-            <a:lnSpc>
-              <a:spcPct val="90000"/>
-            </a:lnSpc>
-            <a:spcBef>
-              <a:spcPct val="0"/>
-            </a:spcBef>
-            <a:spcAft>
-              <a:spcPct val="15000"/>
-            </a:spcAft>
-            <a:buChar char="••"/>
-          </a:pPr>
-          <a:r>
-            <a:rPr lang="en-GB" sz="1000" kern="1200" dirty="0" smtClean="0"/>
-            <a:t>DICE</a:t>
-          </a:r>
-          <a:endParaRPr lang="en-GB" sz="1000" kern="1200" dirty="0"/>
-        </a:p>
-        <a:p>
-          <a:pPr marL="57150" lvl="1" indent="-57150" algn="l" defTabSz="444500">
-            <a:lnSpc>
-              <a:spcPct val="90000"/>
-            </a:lnSpc>
-            <a:spcBef>
-              <a:spcPct val="0"/>
-            </a:spcBef>
-            <a:spcAft>
-              <a:spcPct val="15000"/>
-            </a:spcAft>
-            <a:buChar char="••"/>
-          </a:pPr>
-          <a:r>
-            <a:rPr lang="en-GB" sz="1000" kern="1200" dirty="0" smtClean="0"/>
-            <a:t>Volume Rending</a:t>
-          </a:r>
-          <a:endParaRPr lang="en-GB" sz="1000" kern="1200" dirty="0"/>
-        </a:p>
       </dsp:txBody>
       <dsp:txXfrm>
-        <a:off x="7083173" y="1764147"/>
-        <a:ext cx="948637" cy="970680"/>
+        <a:off x="7071367" y="1964895"/>
+        <a:ext cx="972249" cy="569183"/>
       </dsp:txXfrm>
     </dsp:sp>
   </dsp:spTree>
@@ -6490,6 +6376,91 @@
     </a:lvl9pPr>
   </p:notesStyle>
 </p:notesMaster>
+</file>
+
+<file path=ppt/notesSlides/notesSlide1.xml><?xml version="1.0" encoding="utf-8"?>
+<p:notes xmlns:a="http://schemas.openxmlformats.org/drawingml/2006/main" xmlns:r="http://schemas.openxmlformats.org/officeDocument/2006/relationships" xmlns:p="http://schemas.openxmlformats.org/presentationml/2006/main">
+  <p:cSld>
+    <p:spTree>
+      <p:nvGrpSpPr>
+        <p:cNvPr id="1" name=""/>
+        <p:cNvGrpSpPr/>
+        <p:nvPr/>
+      </p:nvGrpSpPr>
+      <p:grpSpPr>
+        <a:xfrm>
+          <a:off x="0" y="0"/>
+          <a:ext cx="0" cy="0"/>
+          <a:chOff x="0" y="0"/>
+          <a:chExt cx="0" cy="0"/>
+        </a:xfrm>
+      </p:grpSpPr>
+      <p:sp>
+        <p:nvSpPr>
+          <p:cNvPr id="2" name="Slide Image Placeholder 1"/>
+          <p:cNvSpPr>
+            <a:spLocks noGrp="1" noRot="1" noChangeAspect="1"/>
+          </p:cNvSpPr>
+          <p:nvPr>
+            <p:ph type="sldImg"/>
+          </p:nvPr>
+        </p:nvSpPr>
+        <p:spPr/>
+      </p:sp>
+      <p:sp>
+        <p:nvSpPr>
+          <p:cNvPr id="3" name="Notes Placeholder 2"/>
+          <p:cNvSpPr>
+            <a:spLocks noGrp="1"/>
+          </p:cNvSpPr>
+          <p:nvPr>
+            <p:ph type="body" idx="1"/>
+          </p:nvPr>
+        </p:nvSpPr>
+        <p:spPr/>
+        <p:txBody>
+          <a:bodyPr/>
+          <a:lstStyle/>
+          <a:p>
+            <a:endParaRPr lang="en-GB" dirty="0"/>
+          </a:p>
+        </p:txBody>
+      </p:sp>
+      <p:sp>
+        <p:nvSpPr>
+          <p:cNvPr id="4" name="Slide Number Placeholder 3"/>
+          <p:cNvSpPr>
+            <a:spLocks noGrp="1"/>
+          </p:cNvSpPr>
+          <p:nvPr>
+            <p:ph type="sldNum" sz="quarter" idx="10"/>
+          </p:nvPr>
+        </p:nvSpPr>
+        <p:spPr/>
+        <p:txBody>
+          <a:bodyPr/>
+          <a:lstStyle/>
+          <a:p>
+            <a:fld id="{E5700854-19FB-4351-BFDC-90AAE5F621F4}" type="slidenum">
+              <a:rPr lang="de-CH" smtClean="0"/>
+              <a:pPr/>
+              <a:t>2</a:t>
+            </a:fld>
+            <a:endParaRPr lang="de-CH"/>
+          </a:p>
+        </p:txBody>
+      </p:sp>
+    </p:spTree>
+    <p:extLst>
+      <p:ext uri="{BB962C8B-B14F-4D97-AF65-F5344CB8AC3E}">
+        <p14:creationId xmlns:p14="http://schemas.microsoft.com/office/powerpoint/2010/main" val="160947510"/>
+      </p:ext>
+    </p:extLst>
+  </p:cSld>
+  <p:clrMapOvr>
+    <a:masterClrMapping/>
+  </p:clrMapOvr>
+</p:notes>
 </file>
 
 <file path=ppt/slideLayouts/slideLayout1.xml><?xml version="1.0" encoding="utf-8"?>
@@ -10255,7 +10226,7 @@
           </a:lstStyle>
           <a:p>
             <a:r>
-              <a:rPr lang="en-GB" smtClean="0">
+              <a:rPr lang="en-GB" dirty="0" smtClean="0">
                 <a:solidFill>
                   <a:schemeClr val="bg2"/>
                 </a:solidFill>
@@ -10263,17 +10234,25 @@
               <a:t/>
             </a:r>
             <a:br>
-              <a:rPr lang="en-GB" smtClean="0">
+              <a:rPr lang="en-GB" dirty="0" smtClean="0">
                 <a:solidFill>
                   <a:schemeClr val="bg2"/>
                 </a:solidFill>
               </a:rPr>
             </a:br>
             <a:r>
-              <a:rPr lang="en-GB" sz="2800" smtClean="0"/>
-              <a:t>Automatic Femur Segmentation using Random Forest</a:t>
-            </a:r>
-            <a:endParaRPr lang="en-GB" sz="2400"/>
+              <a:rPr lang="en-GB" sz="2800" dirty="0" smtClean="0"/>
+              <a:t>Automatic </a:t>
+            </a:r>
+            <a:r>
+              <a:rPr lang="en-GB" sz="2800" dirty="0" smtClean="0"/>
+              <a:t>Femur </a:t>
+            </a:r>
+            <a:r>
+              <a:rPr lang="en-GB" sz="2800" dirty="0" smtClean="0"/>
+              <a:t>Segmentation for Femoral Implant Design</a:t>
+            </a:r>
+            <a:endParaRPr lang="en-GB" sz="2400" dirty="0"/>
           </a:p>
         </p:txBody>
       </p:sp>
@@ -10570,6 +10549,205 @@
 </p:sld>
 </file>
 
+<file path=ppt/slides/slide10.xml><?xml version="1.0" encoding="utf-8"?>
+<p:sld xmlns:a="http://schemas.openxmlformats.org/drawingml/2006/main" xmlns:r="http://schemas.openxmlformats.org/officeDocument/2006/relationships" xmlns:p="http://schemas.openxmlformats.org/presentationml/2006/main">
+  <p:cSld>
+    <p:spTree>
+      <p:nvGrpSpPr>
+        <p:cNvPr id="1" name=""/>
+        <p:cNvGrpSpPr/>
+        <p:nvPr/>
+      </p:nvGrpSpPr>
+      <p:grpSpPr>
+        <a:xfrm>
+          <a:off x="0" y="0"/>
+          <a:ext cx="0" cy="0"/>
+          <a:chOff x="0" y="0"/>
+          <a:chExt cx="0" cy="0"/>
+        </a:xfrm>
+      </p:grpSpPr>
+      <p:sp>
+        <p:nvSpPr>
+          <p:cNvPr id="2" name="Title 1"/>
+          <p:cNvSpPr>
+            <a:spLocks noGrp="1"/>
+          </p:cNvSpPr>
+          <p:nvPr>
+            <p:ph type="ctrTitle"/>
+          </p:nvPr>
+        </p:nvSpPr>
+        <p:spPr/>
+        <p:txBody>
+          <a:bodyPr/>
+          <a:lstStyle/>
+          <a:p>
+            <a:r>
+              <a:rPr lang="en-GB" dirty="0" smtClean="0"/>
+              <a:t>Thanks for your attention!</a:t>
+            </a:r>
+            <a:endParaRPr lang="en-GB" dirty="0"/>
+          </a:p>
+        </p:txBody>
+      </p:sp>
+      <p:sp>
+        <p:nvSpPr>
+          <p:cNvPr id="3" name="Subtitle 2"/>
+          <p:cNvSpPr>
+            <a:spLocks noGrp="1"/>
+          </p:cNvSpPr>
+          <p:nvPr>
+            <p:ph type="subTitle" idx="1"/>
+          </p:nvPr>
+        </p:nvSpPr>
+        <p:spPr/>
+        <p:txBody>
+          <a:bodyPr/>
+          <a:lstStyle/>
+          <a:p>
+            <a:r>
+              <a:rPr lang="en-GB" dirty="0" smtClean="0"/>
+              <a:t>Questions?</a:t>
+            </a:r>
+          </a:p>
+        </p:txBody>
+      </p:sp>
+    </p:spTree>
+    <p:extLst>
+      <p:ext uri="{BB962C8B-B14F-4D97-AF65-F5344CB8AC3E}">
+        <p14:creationId xmlns:p14="http://schemas.microsoft.com/office/powerpoint/2010/main" val="3485818901"/>
+      </p:ext>
+    </p:extLst>
+  </p:cSld>
+  <p:clrMapOvr>
+    <a:masterClrMapping/>
+  </p:clrMapOvr>
+</p:sld>
+</file>
+
+<file path=ppt/slides/slide11.xml><?xml version="1.0" encoding="utf-8"?>
+<p:sld xmlns:a="http://schemas.openxmlformats.org/drawingml/2006/main" xmlns:r="http://schemas.openxmlformats.org/officeDocument/2006/relationships" xmlns:p="http://schemas.openxmlformats.org/presentationml/2006/main">
+  <p:cSld>
+    <p:spTree>
+      <p:nvGrpSpPr>
+        <p:cNvPr id="1" name=""/>
+        <p:cNvGrpSpPr/>
+        <p:nvPr/>
+      </p:nvGrpSpPr>
+      <p:grpSpPr>
+        <a:xfrm>
+          <a:off x="0" y="0"/>
+          <a:ext cx="0" cy="0"/>
+          <a:chOff x="0" y="0"/>
+          <a:chExt cx="0" cy="0"/>
+        </a:xfrm>
+      </p:grpSpPr>
+      <p:sp>
+        <p:nvSpPr>
+          <p:cNvPr id="2" name="Title 1"/>
+          <p:cNvSpPr>
+            <a:spLocks noGrp="1"/>
+          </p:cNvSpPr>
+          <p:nvPr>
+            <p:ph type="title"/>
+          </p:nvPr>
+        </p:nvSpPr>
+        <p:spPr/>
+        <p:txBody>
+          <a:bodyPr/>
+          <a:lstStyle/>
+          <a:p>
+            <a:r>
+              <a:rPr lang="en-GB" dirty="0" smtClean="0"/>
+              <a:t>Tested but was not good…</a:t>
+            </a:r>
+            <a:endParaRPr lang="en-GB" dirty="0"/>
+          </a:p>
+        </p:txBody>
+      </p:sp>
+      <p:sp>
+        <p:nvSpPr>
+          <p:cNvPr id="3" name="Content Placeholder 2"/>
+          <p:cNvSpPr>
+            <a:spLocks noGrp="1"/>
+          </p:cNvSpPr>
+          <p:nvPr>
+            <p:ph idx="1"/>
+          </p:nvPr>
+        </p:nvSpPr>
+        <p:spPr/>
+        <p:txBody>
+          <a:bodyPr/>
+          <a:lstStyle/>
+          <a:p>
+            <a:r>
+              <a:rPr lang="en-GB" dirty="0" smtClean="0"/>
+              <a:t>ASM</a:t>
+            </a:r>
+          </a:p>
+          <a:p>
+            <a:r>
+              <a:rPr lang="en-GB" dirty="0" smtClean="0"/>
+              <a:t>3D filter for features</a:t>
+            </a:r>
+          </a:p>
+          <a:p>
+            <a:r>
+              <a:rPr lang="en-GB" dirty="0" smtClean="0"/>
+              <a:t>Histogram bins as features</a:t>
+            </a:r>
+          </a:p>
+          <a:p>
+            <a:r>
+              <a:rPr lang="en-GB" dirty="0" err="1" smtClean="0"/>
+              <a:t>Skewness</a:t>
+            </a:r>
+            <a:r>
+              <a:rPr lang="en-GB" dirty="0" smtClean="0"/>
+              <a:t> as features</a:t>
+            </a:r>
+          </a:p>
+          <a:p>
+            <a:endParaRPr lang="en-GB" dirty="0"/>
+          </a:p>
+        </p:txBody>
+      </p:sp>
+      <p:sp>
+        <p:nvSpPr>
+          <p:cNvPr id="4" name="Slide Number Placeholder 3"/>
+          <p:cNvSpPr>
+            <a:spLocks noGrp="1"/>
+          </p:cNvSpPr>
+          <p:nvPr>
+            <p:ph type="sldNum" sz="quarter" idx="12"/>
+          </p:nvPr>
+        </p:nvSpPr>
+        <p:spPr/>
+        <p:txBody>
+          <a:bodyPr/>
+          <a:lstStyle/>
+          <a:p>
+            <a:fld id="{BE3D9CA7-554C-46EC-BEAB-CB2090EEB6FF}" type="slidenum">
+              <a:rPr lang="de-CH" smtClean="0"/>
+              <a:pPr/>
+              <a:t>11</a:t>
+            </a:fld>
+            <a:endParaRPr lang="de-CH" sz="1400"/>
+          </a:p>
+        </p:txBody>
+      </p:sp>
+    </p:spTree>
+    <p:extLst>
+      <p:ext uri="{BB962C8B-B14F-4D97-AF65-F5344CB8AC3E}">
+        <p14:creationId xmlns:p14="http://schemas.microsoft.com/office/powerpoint/2010/main" val="1572988907"/>
+      </p:ext>
+    </p:extLst>
+  </p:cSld>
+  <p:clrMapOvr>
+    <a:masterClrMapping/>
+  </p:clrMapOvr>
+</p:sld>
+</file>
+
 <file path=ppt/slides/slide2.xml><?xml version="1.0" encoding="utf-8"?>
 <p:sld xmlns:a="http://schemas.openxmlformats.org/drawingml/2006/main" xmlns:r="http://schemas.openxmlformats.org/officeDocument/2006/relationships" xmlns:p="http://schemas.openxmlformats.org/presentationml/2006/main">
   <p:cSld>
@@ -10610,32 +10788,69 @@
           </a:p>
         </p:txBody>
       </p:sp>
+      <p:pic>
+        <p:nvPicPr>
+          <p:cNvPr id="6" name="Content Placeholder 5" descr="types-of-knee-implants-large.jpg"/>
+          <p:cNvPicPr>
+            <a:picLocks noGrp="1" noChangeAspect="1"/>
+          </p:cNvPicPr>
+          <p:nvPr>
+            <p:ph sz="half" idx="1"/>
+          </p:nvPr>
+        </p:nvPicPr>
+        <p:blipFill>
+          <a:blip r:embed="rId3">
+            <a:extLst>
+              <a:ext uri="{28A0092B-C50C-407E-A947-70E740481C1C}">
+                <a14:useLocalDpi xmlns:a14="http://schemas.microsoft.com/office/drawing/2010/main" val="0"/>
+              </a:ext>
+            </a:extLst>
+          </a:blip>
+          <a:srcRect t="-6885" b="-6885"/>
+          <a:stretch>
+            <a:fillRect/>
+          </a:stretch>
+        </p:blipFill>
+        <p:spPr>
+          <a:xfrm>
+            <a:off x="533400" y="2026369"/>
+            <a:ext cx="3954463" cy="4498975"/>
+          </a:xfrm>
+        </p:spPr>
+      </p:pic>
+      <p:pic>
+        <p:nvPicPr>
+          <p:cNvPr id="7" name="Content Placeholder 6" descr="image17.png"/>
+          <p:cNvPicPr>
+            <a:picLocks noGrp="1" noChangeAspect="1"/>
+          </p:cNvPicPr>
+          <p:nvPr>
+            <p:ph sz="half" idx="2"/>
+          </p:nvPr>
+        </p:nvPicPr>
+        <p:blipFill>
+          <a:blip r:embed="rId4">
+            <a:extLst>
+              <a:ext uri="{28A0092B-C50C-407E-A947-70E740481C1C}">
+                <a14:useLocalDpi xmlns:a14="http://schemas.microsoft.com/office/drawing/2010/main" val="0"/>
+              </a:ext>
+            </a:extLst>
+          </a:blip>
+          <a:srcRect t="-24699" b="-24699"/>
+          <a:stretch>
+            <a:fillRect/>
+          </a:stretch>
+        </p:blipFill>
+        <p:spPr>
+          <a:xfrm rot="16200000" flipH="1">
+            <a:off x="4640263" y="2010593"/>
+            <a:ext cx="3954462" cy="4498975"/>
+          </a:xfrm>
+        </p:spPr>
+      </p:pic>
       <p:sp>
         <p:nvSpPr>
-          <p:cNvPr id="3" name="Content Placeholder 2"/>
-          <p:cNvSpPr>
-            <a:spLocks noGrp="1"/>
-          </p:cNvSpPr>
-          <p:nvPr>
-            <p:ph idx="1"/>
-          </p:nvPr>
-        </p:nvSpPr>
-        <p:spPr/>
-        <p:txBody>
-          <a:bodyPr/>
-          <a:lstStyle/>
-          <a:p>
-            <a:r>
-              <a:rPr lang="en-GB" dirty="0" smtClean="0"/>
-              <a:t>Femoral implants</a:t>
-            </a:r>
-            <a:endParaRPr lang="en-GB" dirty="0"/>
-          </a:p>
-        </p:txBody>
-      </p:sp>
-      <p:sp>
-        <p:nvSpPr>
-          <p:cNvPr id="4" name="Slide Number Placeholder 3"/>
+          <p:cNvPr id="5" name="Slide Number Placeholder 4"/>
           <p:cNvSpPr>
             <a:spLocks noGrp="1"/>
           </p:cNvSpPr>
@@ -10648,7 +10863,7 @@
           <a:bodyPr/>
           <a:lstStyle/>
           <a:p>
-            <a:fld id="{BE3D9CA7-554C-46EC-BEAB-CB2090EEB6FF}" type="slidenum">
+            <a:fld id="{419860F2-A4DD-4A2C-A31D-58D998B2B5CE}" type="slidenum">
               <a:rPr lang="de-CH" smtClean="0"/>
               <a:pPr/>
               <a:t>2</a:t>
@@ -10657,16 +10872,280 @@
           </a:p>
         </p:txBody>
       </p:sp>
+      <p:sp>
+        <p:nvSpPr>
+          <p:cNvPr id="9" name="Content Placeholder 2"/>
+          <p:cNvSpPr txBox="1">
+            <a:spLocks/>
+          </p:cNvSpPr>
+          <p:nvPr/>
+        </p:nvSpPr>
+        <p:spPr bwMode="auto">
+          <a:xfrm>
+            <a:off x="533400" y="1676400"/>
+            <a:ext cx="8061325" cy="4498975"/>
+          </a:xfrm>
+          <a:prstGeom prst="rect">
+            <a:avLst/>
+          </a:prstGeom>
+          <a:noFill/>
+          <a:ln w="9525">
+            <a:noFill/>
+            <a:miter lim="800000"/>
+            <a:headEnd/>
+            <a:tailEnd/>
+          </a:ln>
+          <a:effectLst/>
+        </p:spPr>
+        <p:txBody>
+          <a:bodyPr vert="horz" wrap="square" lIns="0" tIns="0" rIns="0" bIns="0" numCol="1" anchor="t" anchorCtr="0" compatLnSpc="1">
+            <a:prstTxWarp prst="textNoShape">
+              <a:avLst/>
+            </a:prstTxWarp>
+          </a:bodyPr>
+          <a:lstStyle>
+            <a:lvl1pPr marL="419100" indent="-419100" algn="l" rtl="0" eaLnBrk="1" fontAlgn="base" hangingPunct="1">
+              <a:lnSpc>
+                <a:spcPct val="95000"/>
+              </a:lnSpc>
+              <a:spcBef>
+                <a:spcPct val="20000"/>
+              </a:spcBef>
+              <a:spcAft>
+                <a:spcPct val="0"/>
+              </a:spcAft>
+              <a:buClr>
+                <a:schemeClr val="hlink"/>
+              </a:buClr>
+              <a:buSzPct val="85000"/>
+              <a:buFont typeface="Arial" pitchFamily="39" charset="0"/>
+              <a:buChar char="&gt;"/>
+              <a:defRPr sz="2800">
+                <a:solidFill>
+                  <a:srgbClr val="333333"/>
+                </a:solidFill>
+                <a:latin typeface="+mn-lt"/>
+                <a:ea typeface="+mn-ea"/>
+                <a:cs typeface="+mn-cs"/>
+              </a:defRPr>
+            </a:lvl1pPr>
+            <a:lvl2pPr marL="838200" indent="-381000" algn="l" rtl="0" eaLnBrk="1" fontAlgn="base" hangingPunct="1">
+              <a:lnSpc>
+                <a:spcPct val="95000"/>
+              </a:lnSpc>
+              <a:spcBef>
+                <a:spcPct val="20000"/>
+              </a:spcBef>
+              <a:spcAft>
+                <a:spcPct val="0"/>
+              </a:spcAft>
+              <a:buFont typeface="Arial" pitchFamily="39" charset="0"/>
+              <a:buChar char="—"/>
+              <a:defRPr sz="2400">
+                <a:solidFill>
+                  <a:srgbClr val="333333"/>
+                </a:solidFill>
+                <a:latin typeface="+mn-lt"/>
+                <a:ea typeface="ＭＳ Ｐゴシック" pitchFamily="39" charset="-128"/>
+              </a:defRPr>
+            </a:lvl2pPr>
+            <a:lvl3pPr marL="1295400" indent="-381000" algn="l" rtl="0" eaLnBrk="1" fontAlgn="base" hangingPunct="1">
+              <a:lnSpc>
+                <a:spcPct val="95000"/>
+              </a:lnSpc>
+              <a:spcBef>
+                <a:spcPct val="20000"/>
+              </a:spcBef>
+              <a:spcAft>
+                <a:spcPct val="0"/>
+              </a:spcAft>
+              <a:buSzPct val="85000"/>
+              <a:buFont typeface="Arial" pitchFamily="39" charset="0"/>
+              <a:buChar char="–"/>
+              <a:defRPr sz="2000">
+                <a:solidFill>
+                  <a:srgbClr val="333333"/>
+                </a:solidFill>
+                <a:latin typeface="+mn-lt"/>
+                <a:ea typeface="ＭＳ Ｐゴシック" pitchFamily="39" charset="-128"/>
+              </a:defRPr>
+            </a:lvl3pPr>
+            <a:lvl4pPr marL="1714500" indent="-381000" algn="l" rtl="0" eaLnBrk="1" fontAlgn="base" hangingPunct="1">
+              <a:lnSpc>
+                <a:spcPct val="95000"/>
+              </a:lnSpc>
+              <a:spcBef>
+                <a:spcPct val="20000"/>
+              </a:spcBef>
+              <a:spcAft>
+                <a:spcPct val="0"/>
+              </a:spcAft>
+              <a:buSzPct val="85000"/>
+              <a:buFont typeface="Arial" pitchFamily="39" charset="0"/>
+              <a:buChar char="–"/>
+              <a:defRPr sz="1800">
+                <a:solidFill>
+                  <a:srgbClr val="333333"/>
+                </a:solidFill>
+                <a:latin typeface="+mn-lt"/>
+                <a:ea typeface="ＭＳ Ｐゴシック" pitchFamily="39" charset="-128"/>
+              </a:defRPr>
+            </a:lvl4pPr>
+            <a:lvl5pPr marL="2133600" indent="-381000" algn="l" rtl="0" eaLnBrk="1" fontAlgn="base" hangingPunct="1">
+              <a:lnSpc>
+                <a:spcPct val="95000"/>
+              </a:lnSpc>
+              <a:spcBef>
+                <a:spcPct val="20000"/>
+              </a:spcBef>
+              <a:spcAft>
+                <a:spcPct val="0"/>
+              </a:spcAft>
+              <a:buClr>
+                <a:schemeClr val="tx1"/>
+              </a:buClr>
+              <a:buSzPct val="85000"/>
+              <a:buFont typeface="Arial" pitchFamily="39" charset="0"/>
+              <a:buChar char="–"/>
+              <a:defRPr sz="1800">
+                <a:solidFill>
+                  <a:srgbClr val="333333"/>
+                </a:solidFill>
+                <a:latin typeface="+mn-lt"/>
+                <a:ea typeface="ＭＳ Ｐゴシック" pitchFamily="39" charset="-128"/>
+              </a:defRPr>
+            </a:lvl5pPr>
+            <a:lvl6pPr marL="2590800" indent="-381000" algn="l" rtl="0" eaLnBrk="1" fontAlgn="base" hangingPunct="1">
+              <a:lnSpc>
+                <a:spcPct val="95000"/>
+              </a:lnSpc>
+              <a:spcBef>
+                <a:spcPct val="20000"/>
+              </a:spcBef>
+              <a:spcAft>
+                <a:spcPct val="0"/>
+              </a:spcAft>
+              <a:buClr>
+                <a:schemeClr val="tx1"/>
+              </a:buClr>
+              <a:buSzPct val="85000"/>
+              <a:buFont typeface="Arial" pitchFamily="39" charset="0"/>
+              <a:buChar char="–"/>
+              <a:defRPr sz="1800">
+                <a:solidFill>
+                  <a:srgbClr val="333333"/>
+                </a:solidFill>
+                <a:latin typeface="+mn-lt"/>
+                <a:ea typeface="ＭＳ Ｐゴシック" pitchFamily="39" charset="-128"/>
+              </a:defRPr>
+            </a:lvl6pPr>
+            <a:lvl7pPr marL="3048000" indent="-381000" algn="l" rtl="0" eaLnBrk="1" fontAlgn="base" hangingPunct="1">
+              <a:lnSpc>
+                <a:spcPct val="95000"/>
+              </a:lnSpc>
+              <a:spcBef>
+                <a:spcPct val="20000"/>
+              </a:spcBef>
+              <a:spcAft>
+                <a:spcPct val="0"/>
+              </a:spcAft>
+              <a:buClr>
+                <a:schemeClr val="tx1"/>
+              </a:buClr>
+              <a:buSzPct val="85000"/>
+              <a:buFont typeface="Arial" pitchFamily="39" charset="0"/>
+              <a:buChar char="–"/>
+              <a:defRPr sz="1800">
+                <a:solidFill>
+                  <a:srgbClr val="333333"/>
+                </a:solidFill>
+                <a:latin typeface="+mn-lt"/>
+                <a:ea typeface="ＭＳ Ｐゴシック" pitchFamily="39" charset="-128"/>
+              </a:defRPr>
+            </a:lvl7pPr>
+            <a:lvl8pPr marL="3505200" indent="-381000" algn="l" rtl="0" eaLnBrk="1" fontAlgn="base" hangingPunct="1">
+              <a:lnSpc>
+                <a:spcPct val="95000"/>
+              </a:lnSpc>
+              <a:spcBef>
+                <a:spcPct val="20000"/>
+              </a:spcBef>
+              <a:spcAft>
+                <a:spcPct val="0"/>
+              </a:spcAft>
+              <a:buClr>
+                <a:schemeClr val="tx1"/>
+              </a:buClr>
+              <a:buSzPct val="85000"/>
+              <a:buFont typeface="Arial" pitchFamily="39" charset="0"/>
+              <a:buChar char="–"/>
+              <a:defRPr sz="1800">
+                <a:solidFill>
+                  <a:srgbClr val="333333"/>
+                </a:solidFill>
+                <a:latin typeface="+mn-lt"/>
+                <a:ea typeface="ＭＳ Ｐゴシック" pitchFamily="39" charset="-128"/>
+              </a:defRPr>
+            </a:lvl8pPr>
+            <a:lvl9pPr marL="3962400" indent="-381000" algn="l" rtl="0" eaLnBrk="1" fontAlgn="base" hangingPunct="1">
+              <a:lnSpc>
+                <a:spcPct val="95000"/>
+              </a:lnSpc>
+              <a:spcBef>
+                <a:spcPct val="20000"/>
+              </a:spcBef>
+              <a:spcAft>
+                <a:spcPct val="0"/>
+              </a:spcAft>
+              <a:buClr>
+                <a:schemeClr val="tx1"/>
+              </a:buClr>
+              <a:buSzPct val="85000"/>
+              <a:buFont typeface="Arial" pitchFamily="39" charset="0"/>
+              <a:buChar char="–"/>
+              <a:defRPr sz="1800">
+                <a:solidFill>
+                  <a:srgbClr val="333333"/>
+                </a:solidFill>
+                <a:latin typeface="+mn-lt"/>
+                <a:ea typeface="ＭＳ Ｐゴシック" pitchFamily="39" charset="-128"/>
+              </a:defRPr>
+            </a:lvl9pPr>
+          </a:lstStyle>
+          <a:p>
+            <a:r>
+              <a:rPr lang="en-GB" dirty="0" smtClean="0"/>
+              <a:t>Goal: Dice 0.95 with 0.05 </a:t>
+            </a:r>
+            <a:r>
+              <a:rPr lang="en-GB" dirty="0" err="1" smtClean="0"/>
+              <a:t>std</a:t>
+            </a:r>
+            <a:r>
+              <a:rPr lang="en-GB" dirty="0" smtClean="0"/>
+              <a:t> </a:t>
+            </a:r>
+            <a:endParaRPr lang="en-GB" dirty="0"/>
+          </a:p>
+        </p:txBody>
+      </p:sp>
     </p:spTree>
     <p:extLst>
       <p:ext uri="{BB962C8B-B14F-4D97-AF65-F5344CB8AC3E}">
-        <p14:creationId xmlns:p14="http://schemas.microsoft.com/office/powerpoint/2010/main" val="3686679967"/>
+        <p14:creationId xmlns:p14="http://schemas.microsoft.com/office/powerpoint/2010/main" val="3203326832"/>
       </p:ext>
     </p:extLst>
   </p:cSld>
   <p:clrMapOvr>
     <a:masterClrMapping/>
   </p:clrMapOvr>
+  <p:timing>
+    <p:tnLst>
+      <p:par>
+        <p:cTn xmlns:p14="http://schemas.microsoft.com/office/powerpoint/2010/main" id="1" dur="indefinite" restart="never" nodeType="tmRoot"/>
+      </p:par>
+    </p:tnLst>
+  </p:timing>
 </p:sld>
 </file>
 
@@ -10704,7 +11183,7 @@
           <a:p>
             <a:r>
               <a:rPr lang="en-GB" dirty="0" smtClean="0"/>
-              <a:t>Pipeline</a:t>
+              <a:t>Methods – Algorithm Pipeline</a:t>
             </a:r>
             <a:endParaRPr lang="en-GB" dirty="0"/>
           </a:p>
@@ -10741,14 +11220,14 @@
           <p:nvPr>
             <p:extLst>
               <p:ext uri="{D42A27DB-BD31-4B8C-83A1-F6EECF244321}">
-                <p14:modId xmlns:p14="http://schemas.microsoft.com/office/powerpoint/2010/main" val="2628128808"/>
+                <p14:modId xmlns:p14="http://schemas.microsoft.com/office/powerpoint/2010/main" val="751324575"/>
               </p:ext>
             </p:extLst>
           </p:nvPr>
         </p:nvGraphicFramePr>
         <p:xfrm>
-          <a:off x="4860032" y="2708920"/>
-          <a:ext cx="864096" cy="1152128"/>
+          <a:off x="4788024" y="2924944"/>
+          <a:ext cx="1008112" cy="1152128"/>
         </p:xfrm>
         <a:graphic>
           <a:graphicData uri="http://schemas.openxmlformats.org/drawingml/2006/diagram">
@@ -10766,7 +11245,7 @@
             <p:ph idx="1"/>
             <p:extLst>
               <p:ext uri="{D42A27DB-BD31-4B8C-83A1-F6EECF244321}">
-                <p14:modId xmlns:p14="http://schemas.microsoft.com/office/powerpoint/2010/main" val="2757121611"/>
+                <p14:modId xmlns:p14="http://schemas.microsoft.com/office/powerpoint/2010/main" val="2618098722"/>
               </p:ext>
             </p:extLst>
           </p:nvPr>
@@ -10791,6 +11270,13 @@
   <p:clrMapOvr>
     <a:masterClrMapping/>
   </p:clrMapOvr>
+  <p:timing>
+    <p:tnLst>
+      <p:par>
+        <p:cTn xmlns:p14="http://schemas.microsoft.com/office/powerpoint/2010/main" id="1" dur="indefinite" restart="never" nodeType="tmRoot"/>
+      </p:par>
+    </p:tnLst>
+  </p:timing>
 </p:sld>
 </file>
 
@@ -10826,6 +11312,10 @@
           <a:bodyPr/>
           <a:lstStyle/>
           <a:p>
+            <a:r>
+              <a:rPr lang="en-GB" dirty="0"/>
+              <a:t>Methods – </a:t>
+            </a:r>
             <a:r>
               <a:rPr lang="en-GB" dirty="0" smtClean="0"/>
               <a:t>Pre-Process</a:t>
@@ -10964,7 +11454,7 @@
           <a:graphicData uri="http://schemas.openxmlformats.org/presentationml/2006/ole">
             <mc:AlternateContent xmlns:mc="http://schemas.openxmlformats.org/markup-compatibility/2006">
               <mc:Choice xmlns:v="urn:schemas-microsoft-com:vml" Requires="v">
-                <p:oleObj spid="_x0000_s2057" name="Equation" r:id="rId4" imgW="660400" imgH="393700" progId="Equation.3">
+                <p:oleObj spid="_x0000_s2112" name="Equation" r:id="rId4" imgW="660400" imgH="393700" progId="Equation.3">
                   <p:embed/>
                 </p:oleObj>
               </mc:Choice>
@@ -11009,6 +11499,13 @@
   <p:clrMapOvr>
     <a:masterClrMapping/>
   </p:clrMapOvr>
+  <p:timing>
+    <p:tnLst>
+      <p:par>
+        <p:cTn xmlns:p14="http://schemas.microsoft.com/office/powerpoint/2010/main" id="1" dur="indefinite" restart="never" nodeType="tmRoot"/>
+      </p:par>
+    </p:tnLst>
+  </p:timing>
 </p:sld>
 </file>
 
@@ -11046,7 +11543,15 @@
           <a:p>
             <a:r>
               <a:rPr lang="en-GB" dirty="0"/>
-              <a:t>Feature Extraction</a:t>
+              <a:t>Methods – </a:t>
+            </a:r>
+            <a:r>
+              <a:rPr lang="en-GB" dirty="0" smtClean="0"/>
+              <a:t>Feature </a:t>
+            </a:r>
+            <a:r>
+              <a:rPr lang="en-GB" dirty="0"/>
+              <a:t>Extraction</a:t>
             </a:r>
           </a:p>
         </p:txBody>
@@ -11218,6 +11723,13 @@
   <p:clrMapOvr>
     <a:masterClrMapping/>
   </p:clrMapOvr>
+  <p:timing>
+    <p:tnLst>
+      <p:par>
+        <p:cTn xmlns:p14="http://schemas.microsoft.com/office/powerpoint/2010/main" id="1" dur="indefinite" restart="never" nodeType="tmRoot"/>
+      </p:par>
+    </p:tnLst>
+  </p:timing>
 </p:sld>
 </file>
 
@@ -11238,6 +11750,68 @@
           <a:chExt cx="0" cy="0"/>
         </a:xfrm>
       </p:grpSpPr>
+      <p:pic>
+        <p:nvPicPr>
+          <p:cNvPr id="9" name="Content Placeholder 10" descr="afterKeepLargestVolume.png"/>
+          <p:cNvPicPr>
+            <a:picLocks noChangeAspect="1"/>
+          </p:cNvPicPr>
+          <p:nvPr/>
+        </p:nvPicPr>
+        <p:blipFill>
+          <a:blip r:embed="rId2">
+            <a:extLst>
+              <a:ext uri="{28A0092B-C50C-407E-A947-70E740481C1C}">
+                <a14:useLocalDpi xmlns:a14="http://schemas.microsoft.com/office/drawing/2010/main" val="0"/>
+              </a:ext>
+            </a:extLst>
+          </a:blip>
+          <a:srcRect l="11620" r="11620"/>
+          <a:stretch>
+            <a:fillRect/>
+          </a:stretch>
+        </p:blipFill>
+        <p:spPr>
+          <a:xfrm>
+            <a:off x="4367338" y="1916832"/>
+            <a:ext cx="4640393" cy="4536504"/>
+          </a:xfrm>
+          <a:prstGeom prst="rect">
+            <a:avLst/>
+          </a:prstGeom>
+        </p:spPr>
+      </p:pic>
+      <p:pic>
+        <p:nvPicPr>
+          <p:cNvPr id="8" name="Content Placeholder 7" descr="beforePostprocessing3D.png"/>
+          <p:cNvPicPr>
+            <a:picLocks noChangeAspect="1"/>
+          </p:cNvPicPr>
+          <p:nvPr/>
+        </p:nvPicPr>
+        <p:blipFill>
+          <a:blip r:embed="rId3">
+            <a:extLst>
+              <a:ext uri="{28A0092B-C50C-407E-A947-70E740481C1C}">
+                <a14:useLocalDpi xmlns:a14="http://schemas.microsoft.com/office/drawing/2010/main" val="0"/>
+              </a:ext>
+            </a:extLst>
+          </a:blip>
+          <a:srcRect l="11635" r="11635"/>
+          <a:stretch>
+            <a:fillRect/>
+          </a:stretch>
+        </p:blipFill>
+        <p:spPr>
+          <a:xfrm>
+            <a:off x="179512" y="1916832"/>
+            <a:ext cx="4638571" cy="4536504"/>
+          </a:xfrm>
+          <a:prstGeom prst="rect">
+            <a:avLst/>
+          </a:prstGeom>
+        </p:spPr>
+      </p:pic>
       <p:sp>
         <p:nvSpPr>
           <p:cNvPr id="2" name="Title 1"/>
@@ -11254,8 +11828,12 @@
           <a:lstStyle/>
           <a:p>
             <a:r>
+              <a:rPr lang="en-GB" dirty="0"/>
+              <a:t>Methods – Post</a:t>
+            </a:r>
+            <a:r>
               <a:rPr lang="en-GB" dirty="0" smtClean="0"/>
-              <a:t>Post-Processing</a:t>
+              <a:t>-Processing</a:t>
             </a:r>
             <a:endParaRPr lang="en-GB" dirty="0"/>
           </a:p>
@@ -11278,25 +11856,32 @@
           <a:p>
             <a:r>
               <a:rPr lang="en-GB" dirty="0" smtClean="0"/>
-              <a:t>Threshold</a:t>
-            </a:r>
-          </a:p>
-          <a:p>
+              <a:t>Morphological </a:t>
+            </a:r>
             <a:r>
               <a:rPr lang="en-GB" dirty="0" smtClean="0"/>
-              <a:t>Morphological opening</a:t>
+              <a:t>opening</a:t>
             </a:r>
           </a:p>
           <a:p>
             <a:r>
               <a:rPr lang="en-GB" dirty="0" smtClean="0"/>
-              <a:t>Keep largest volume</a:t>
-            </a:r>
-          </a:p>
-          <a:p>
+              <a:t>Keep largest </a:t>
+            </a:r>
             <a:r>
               <a:rPr lang="en-GB" dirty="0" smtClean="0"/>
-              <a:t>Fill holes</a:t>
+              <a:t>area / volume</a:t>
+            </a:r>
+            <a:endParaRPr lang="en-GB" dirty="0" smtClean="0"/>
+          </a:p>
+          <a:p>
+            <a:r>
+              <a:rPr lang="en-GB" dirty="0" smtClean="0"/>
+              <a:t>Fill </a:t>
+            </a:r>
+            <a:r>
+              <a:rPr lang="en-GB" dirty="0" smtClean="0"/>
+              <a:t>holes</a:t>
             </a:r>
             <a:endParaRPr lang="en-GB" dirty="0"/>
           </a:p>
@@ -11336,6 +11921,13 @@
   <p:clrMapOvr>
     <a:masterClrMapping/>
   </p:clrMapOvr>
+  <p:timing>
+    <p:tnLst>
+      <p:par>
+        <p:cTn xmlns:p14="http://schemas.microsoft.com/office/powerpoint/2010/main" id="1" dur="indefinite" restart="never" nodeType="tmRoot"/>
+      </p:par>
+    </p:tnLst>
+  </p:timing>
 </p:sld>
 </file>
 
@@ -11394,7 +11986,29 @@
           <a:bodyPr/>
           <a:lstStyle/>
           <a:p>
-            <a:endParaRPr lang="en-GB"/>
+            <a:r>
+              <a:rPr lang="en-GB" dirty="0" smtClean="0"/>
+              <a:t>Boxplot </a:t>
+            </a:r>
+            <a:r>
+              <a:rPr lang="en-GB" dirty="0" err="1" smtClean="0"/>
+              <a:t>mit</a:t>
+            </a:r>
+            <a:r>
+              <a:rPr lang="en-GB" dirty="0" smtClean="0"/>
+              <a:t> dice</a:t>
+            </a:r>
+          </a:p>
+          <a:p>
+            <a:r>
+              <a:rPr lang="en-GB" dirty="0" err="1" smtClean="0"/>
+              <a:t>Schlechte</a:t>
+            </a:r>
+            <a:r>
+              <a:rPr lang="en-GB" dirty="0" smtClean="0"/>
+              <a:t> segmentation</a:t>
+            </a:r>
+            <a:endParaRPr lang="en-GB" dirty="0"/>
           </a:p>
         </p:txBody>
       </p:sp>
@@ -11432,6 +12046,13 @@
   <p:clrMapOvr>
     <a:masterClrMapping/>
   </p:clrMapOvr>
+  <p:timing>
+    <p:tnLst>
+      <p:par>
+        <p:cTn xmlns:p14="http://schemas.microsoft.com/office/powerpoint/2010/main" id="1" dur="indefinite" restart="never" nodeType="tmRoot"/>
+      </p:par>
+    </p:tnLst>
+  </p:timing>
 </p:sld>
 </file>
 
@@ -11469,7 +12090,7 @@
           <a:p>
             <a:r>
               <a:rPr lang="en-GB" dirty="0" smtClean="0"/>
-              <a:t>Conclusion</a:t>
+              <a:t>Discussion</a:t>
             </a:r>
             <a:endParaRPr lang="en-GB" dirty="0"/>
           </a:p>
@@ -11490,7 +12111,28 @@
           <a:bodyPr/>
           <a:lstStyle/>
           <a:p>
-            <a:endParaRPr lang="en-GB"/>
+            <a:r>
+              <a:rPr lang="en-GB" dirty="0" smtClean="0"/>
+              <a:t>Slim &amp; Fast</a:t>
+            </a:r>
+          </a:p>
+          <a:p>
+            <a:r>
+              <a:rPr lang="en-GB" dirty="0" smtClean="0"/>
+              <a:t>Best / Worst case</a:t>
+            </a:r>
+          </a:p>
+          <a:p>
+            <a:r>
+              <a:rPr lang="en-GB" dirty="0" smtClean="0"/>
+              <a:t>Segmentation is always the Femur</a:t>
+            </a:r>
+          </a:p>
+          <a:p>
+            <a:r>
+              <a:rPr lang="en-GB" dirty="0" smtClean="0"/>
+              <a:t>Dice interpretation</a:t>
+            </a:r>
           </a:p>
         </p:txBody>
       </p:sp>
@@ -11528,6 +12170,13 @@
   <p:clrMapOvr>
     <a:masterClrMapping/>
   </p:clrMapOvr>
+  <p:timing>
+    <p:tnLst>
+      <p:par>
+        <p:cTn xmlns:p14="http://schemas.microsoft.com/office/powerpoint/2010/main" id="1" dur="indefinite" restart="never" nodeType="tmRoot"/>
+      </p:par>
+    </p:tnLst>
+  </p:timing>
 </p:sld>
 </file>
 
@@ -11563,6 +12212,10 @@
           <a:bodyPr/>
           <a:lstStyle/>
           <a:p>
+            <a:r>
+              <a:rPr lang="en-GB" dirty="0" smtClean="0"/>
+              <a:t>Outlook</a:t>
+            </a:r>
             <a:endParaRPr lang="en-GB" dirty="0"/>
           </a:p>
         </p:txBody>
@@ -11582,7 +12235,23 @@
           <a:bodyPr/>
           <a:lstStyle/>
           <a:p>
-            <a:endParaRPr lang="en-GB"/>
+            <a:r>
+              <a:rPr lang="en-GB" dirty="0" smtClean="0"/>
+              <a:t>Include prior information</a:t>
+            </a:r>
+          </a:p>
+          <a:p>
+            <a:r>
+              <a:rPr lang="en-GB" dirty="0" smtClean="0"/>
+              <a:t>Investigate 3D features</a:t>
+            </a:r>
+          </a:p>
+          <a:p>
+            <a:r>
+              <a:rPr lang="en-GB" dirty="0" smtClean="0"/>
+              <a:t>Extend to further bone structure</a:t>
+            </a:r>
+            <a:endParaRPr lang="en-GB" dirty="0"/>
           </a:p>
         </p:txBody>
       </p:sp>
@@ -11613,7 +12282,7 @@
     </p:spTree>
     <p:extLst>
       <p:ext uri="{BB962C8B-B14F-4D97-AF65-F5344CB8AC3E}">
-        <p14:creationId xmlns:p14="http://schemas.microsoft.com/office/powerpoint/2010/main" val="672163788"/>
+        <p14:creationId xmlns:p14="http://schemas.microsoft.com/office/powerpoint/2010/main" val="4220627544"/>
       </p:ext>
     </p:extLst>
   </p:cSld>

--- a/doc/presentation/MIALab_slides.pptx
+++ b/doc/presentation/MIALab_slides.pptx
@@ -5,10 +5,10 @@
     <p:sldMasterId id="2147483649" r:id="rId1"/>
   </p:sldMasterIdLst>
   <p:notesMasterIdLst>
-    <p:notesMasterId r:id="rId13"/>
+    <p:notesMasterId r:id="rId14"/>
   </p:notesMasterIdLst>
   <p:handoutMasterIdLst>
-    <p:handoutMasterId r:id="rId14"/>
+    <p:handoutMasterId r:id="rId15"/>
   </p:handoutMasterIdLst>
   <p:sldIdLst>
     <p:sldId id="257" r:id="rId2"/>
@@ -17,11 +17,12 @@
     <p:sldId id="268" r:id="rId5"/>
     <p:sldId id="267" r:id="rId6"/>
     <p:sldId id="264" r:id="rId7"/>
-    <p:sldId id="265" r:id="rId8"/>
+    <p:sldId id="277" r:id="rId8"/>
     <p:sldId id="269" r:id="rId9"/>
     <p:sldId id="276" r:id="rId10"/>
     <p:sldId id="275" r:id="rId11"/>
-    <p:sldId id="274" r:id="rId12"/>
+    <p:sldId id="278" r:id="rId12"/>
+    <p:sldId id="274" r:id="rId13"/>
   </p:sldIdLst>
   <p:sldSz cx="9144000" cy="6858000" type="screen4x3"/>
   <p:notesSz cx="6858000" cy="9144000"/>
@@ -2248,29 +2249,29 @@
     </dgm:pt>
   </dgm:ptLst>
   <dgm:cxnLst>
+    <dgm:cxn modelId="{19217BE6-30B7-1447-A49A-C3044FC338BB}" type="presOf" srcId="{F2279908-6040-084B-BD68-75B31C9DA707}" destId="{3B9C3E82-BCBA-EC43-B7E2-B876EF9243AB}" srcOrd="0" destOrd="0" presId="urn:microsoft.com/office/officeart/2005/8/layout/process1"/>
+    <dgm:cxn modelId="{60610082-414D-9A40-828A-389C1AAD702F}" type="presOf" srcId="{4034D875-3611-EA42-82FF-AD2B3645BAFC}" destId="{BA0BEDE7-D2D8-0745-A736-37E6DBBBCF78}" srcOrd="0" destOrd="0" presId="urn:microsoft.com/office/officeart/2005/8/layout/process1"/>
+    <dgm:cxn modelId="{68737BF1-5F86-7841-9936-308922CCF15A}" srcId="{9CCA2703-44A2-5A44-959C-035906E68F15}" destId="{0FFA8D19-4676-CA4A-989D-0E6C36B7C3D8}" srcOrd="4" destOrd="0" parTransId="{1DD962AE-B01D-8247-B1ED-3B1835FA4D2F}" sibTransId="{5CE3F7CE-80AE-C14A-95AF-590F66F2EE21}"/>
+    <dgm:cxn modelId="{23E886E9-6F93-854D-8E49-53256730F938}" type="presOf" srcId="{21DF6EF0-D91E-9E4B-9986-460823DC5045}" destId="{9E5E12EE-D5E8-4542-AC59-F8121E429374}" srcOrd="0" destOrd="0" presId="urn:microsoft.com/office/officeart/2005/8/layout/process1"/>
+    <dgm:cxn modelId="{E8A1E4DA-2FB4-1D48-9932-478E1FBF4DB4}" type="presOf" srcId="{4034D875-3611-EA42-82FF-AD2B3645BAFC}" destId="{3DC39003-611A-C142-A1E8-BEF235D3B548}" srcOrd="1" destOrd="0" presId="urn:microsoft.com/office/officeart/2005/8/layout/process1"/>
+    <dgm:cxn modelId="{733D1F15-4B77-E548-BE85-333790347658}" type="presOf" srcId="{759B4923-EC0A-2245-BC47-434B14A80BAC}" destId="{E6F5C078-EDCC-9446-8F48-BFC227829067}" srcOrd="0" destOrd="0" presId="urn:microsoft.com/office/officeart/2005/8/layout/process1"/>
+    <dgm:cxn modelId="{4C7AB877-3507-1648-9CFF-F8C6EDDB32B6}" type="presOf" srcId="{E3D0252C-F8F7-1743-BE39-E30A4A7C5D43}" destId="{9AC63E6B-6196-524E-942A-B20DA62C746B}" srcOrd="0" destOrd="0" presId="urn:microsoft.com/office/officeart/2005/8/layout/process1"/>
+    <dgm:cxn modelId="{C9330DF4-8B66-DE43-A405-E9C72B0CD738}" type="presOf" srcId="{750D7D06-97ED-7F4A-B0E2-BFC538AFE8EB}" destId="{1815960C-6872-A246-8808-59A04760FC61}" srcOrd="0" destOrd="0" presId="urn:microsoft.com/office/officeart/2005/8/layout/process1"/>
+    <dgm:cxn modelId="{9EFA704F-1A43-F749-AFC1-9589A279E701}" type="presOf" srcId="{DAE8AB90-959C-AC4F-9283-FC7F2719AE83}" destId="{2787077C-9C67-4745-90A8-96CE5C562107}" srcOrd="0" destOrd="0" presId="urn:microsoft.com/office/officeart/2005/8/layout/process1"/>
+    <dgm:cxn modelId="{399B9FB1-F983-EE4A-8D5A-03BD9AC9F6B6}" type="presOf" srcId="{0B2795A7-790A-464B-8297-3F9E52A62D31}" destId="{006631A4-CC36-3547-ACE5-A22EC02B1D57}" srcOrd="0" destOrd="0" presId="urn:microsoft.com/office/officeart/2005/8/layout/process1"/>
+    <dgm:cxn modelId="{8A1C08B1-4E67-B04D-9B14-A53790E49A96}" type="presOf" srcId="{345B8BCC-2043-2946-80B1-BD82DD91D2E9}" destId="{E584FE79-91FB-8F42-AB7B-543DC3A86354}" srcOrd="1" destOrd="0" presId="urn:microsoft.com/office/officeart/2005/8/layout/process1"/>
+    <dgm:cxn modelId="{3B7061CC-1CB2-8748-9A31-AAFE7F8D3F0C}" srcId="{9CCA2703-44A2-5A44-959C-035906E68F15}" destId="{E3D0252C-F8F7-1743-BE39-E30A4A7C5D43}" srcOrd="0" destOrd="0" parTransId="{46FB300F-EAEE-664F-83D9-06C0F50C8137}" sibTransId="{4034D875-3611-EA42-82FF-AD2B3645BAFC}"/>
     <dgm:cxn modelId="{15832660-C403-E846-85D3-ECBA08F6F436}" srcId="{9CCA2703-44A2-5A44-959C-035906E68F15}" destId="{0B2795A7-790A-464B-8297-3F9E52A62D31}" srcOrd="3" destOrd="0" parTransId="{3A97D5FF-01F9-CE44-BEDD-57808796038D}" sibTransId="{750D7D06-97ED-7F4A-B0E2-BFC538AFE8EB}"/>
+    <dgm:cxn modelId="{D29ED75B-E76A-BE48-B2E6-F8DA7E67590E}" type="presOf" srcId="{5CE3F7CE-80AE-C14A-95AF-590F66F2EE21}" destId="{6D574052-F52A-8A43-9AE4-DAC75AEFED79}" srcOrd="1" destOrd="0" presId="urn:microsoft.com/office/officeart/2005/8/layout/process1"/>
+    <dgm:cxn modelId="{D94329F9-0EA7-E441-8B70-B92DB2A65B8B}" type="presOf" srcId="{9CCA2703-44A2-5A44-959C-035906E68F15}" destId="{3E78BED2-CF11-8240-96AC-AF6D15847FD6}" srcOrd="0" destOrd="0" presId="urn:microsoft.com/office/officeart/2005/8/layout/process1"/>
+    <dgm:cxn modelId="{66BE52A8-4494-8B4F-9665-E7CA0C73F51C}" type="presOf" srcId="{750D7D06-97ED-7F4A-B0E2-BFC538AFE8EB}" destId="{56AACF5F-B69A-7F42-A81A-F0238B2364BB}" srcOrd="1" destOrd="0" presId="urn:microsoft.com/office/officeart/2005/8/layout/process1"/>
+    <dgm:cxn modelId="{2DB19E59-A2D2-B14E-9551-D3C6C108B1B6}" srcId="{9CCA2703-44A2-5A44-959C-035906E68F15}" destId="{759B4923-EC0A-2245-BC47-434B14A80BAC}" srcOrd="5" destOrd="0" parTransId="{0AD2ABB2-A1DA-F24A-AF0B-E5E6E1C59A8D}" sibTransId="{14E3FEA4-69DC-1B4A-A076-21954645F1C8}"/>
+    <dgm:cxn modelId="{3C844BDF-64B0-BC4C-A63C-283AEAD1EE50}" type="presOf" srcId="{5CE3F7CE-80AE-C14A-95AF-590F66F2EE21}" destId="{A86CCBF8-0593-3F4D-A838-34AA8333AFB1}" srcOrd="0" destOrd="0" presId="urn:microsoft.com/office/officeart/2005/8/layout/process1"/>
+    <dgm:cxn modelId="{9181D3C6-6BF4-5747-B45D-CBD66B5D2B9D}" type="presOf" srcId="{0FFA8D19-4676-CA4A-989D-0E6C36B7C3D8}" destId="{AA3E99BC-A267-BC46-A095-2A7C17946751}" srcOrd="0" destOrd="0" presId="urn:microsoft.com/office/officeart/2005/8/layout/process1"/>
     <dgm:cxn modelId="{61252B13-6177-DD4C-9CCE-3007E31DEA52}" srcId="{9CCA2703-44A2-5A44-959C-035906E68F15}" destId="{F2279908-6040-084B-BD68-75B31C9DA707}" srcOrd="2" destOrd="0" parTransId="{6E7AE9DC-7E91-DD4E-86E5-148EAE2399EE}" sibTransId="{345B8BCC-2043-2946-80B1-BD82DD91D2E9}"/>
-    <dgm:cxn modelId="{3C844BDF-64B0-BC4C-A63C-283AEAD1EE50}" type="presOf" srcId="{5CE3F7CE-80AE-C14A-95AF-590F66F2EE21}" destId="{A86CCBF8-0593-3F4D-A838-34AA8333AFB1}" srcOrd="0" destOrd="0" presId="urn:microsoft.com/office/officeart/2005/8/layout/process1"/>
-    <dgm:cxn modelId="{2DB19E59-A2D2-B14E-9551-D3C6C108B1B6}" srcId="{9CCA2703-44A2-5A44-959C-035906E68F15}" destId="{759B4923-EC0A-2245-BC47-434B14A80BAC}" srcOrd="5" destOrd="0" parTransId="{0AD2ABB2-A1DA-F24A-AF0B-E5E6E1C59A8D}" sibTransId="{14E3FEA4-69DC-1B4A-A076-21954645F1C8}"/>
-    <dgm:cxn modelId="{8A1C08B1-4E67-B04D-9B14-A53790E49A96}" type="presOf" srcId="{345B8BCC-2043-2946-80B1-BD82DD91D2E9}" destId="{E584FE79-91FB-8F42-AB7B-543DC3A86354}" srcOrd="1" destOrd="0" presId="urn:microsoft.com/office/officeart/2005/8/layout/process1"/>
+    <dgm:cxn modelId="{4D826D5C-8669-1D47-88B8-B76FC9F17D63}" type="presOf" srcId="{21DF6EF0-D91E-9E4B-9986-460823DC5045}" destId="{CFAA8E65-33A6-3542-8550-88C7C887156A}" srcOrd="1" destOrd="0" presId="urn:microsoft.com/office/officeart/2005/8/layout/process1"/>
+    <dgm:cxn modelId="{D9895593-4582-914C-A029-B815E763FEE6}" type="presOf" srcId="{345B8BCC-2043-2946-80B1-BD82DD91D2E9}" destId="{AEA76E44-30A9-6D4F-8927-0293872098EF}" srcOrd="0" destOrd="0" presId="urn:microsoft.com/office/officeart/2005/8/layout/process1"/>
     <dgm:cxn modelId="{361F0EF5-9784-9944-A10D-49184C263BD8}" srcId="{9CCA2703-44A2-5A44-959C-035906E68F15}" destId="{DAE8AB90-959C-AC4F-9283-FC7F2719AE83}" srcOrd="1" destOrd="0" parTransId="{A45D1FEC-9ACE-D949-94A4-AC6459CC04D5}" sibTransId="{21DF6EF0-D91E-9E4B-9986-460823DC5045}"/>
-    <dgm:cxn modelId="{4C7AB877-3507-1648-9CFF-F8C6EDDB32B6}" type="presOf" srcId="{E3D0252C-F8F7-1743-BE39-E30A4A7C5D43}" destId="{9AC63E6B-6196-524E-942A-B20DA62C746B}" srcOrd="0" destOrd="0" presId="urn:microsoft.com/office/officeart/2005/8/layout/process1"/>
-    <dgm:cxn modelId="{60610082-414D-9A40-828A-389C1AAD702F}" type="presOf" srcId="{4034D875-3611-EA42-82FF-AD2B3645BAFC}" destId="{BA0BEDE7-D2D8-0745-A736-37E6DBBBCF78}" srcOrd="0" destOrd="0" presId="urn:microsoft.com/office/officeart/2005/8/layout/process1"/>
-    <dgm:cxn modelId="{66BE52A8-4494-8B4F-9665-E7CA0C73F51C}" type="presOf" srcId="{750D7D06-97ED-7F4A-B0E2-BFC538AFE8EB}" destId="{56AACF5F-B69A-7F42-A81A-F0238B2364BB}" srcOrd="1" destOrd="0" presId="urn:microsoft.com/office/officeart/2005/8/layout/process1"/>
-    <dgm:cxn modelId="{D94329F9-0EA7-E441-8B70-B92DB2A65B8B}" type="presOf" srcId="{9CCA2703-44A2-5A44-959C-035906E68F15}" destId="{3E78BED2-CF11-8240-96AC-AF6D15847FD6}" srcOrd="0" destOrd="0" presId="urn:microsoft.com/office/officeart/2005/8/layout/process1"/>
-    <dgm:cxn modelId="{E8A1E4DA-2FB4-1D48-9932-478E1FBF4DB4}" type="presOf" srcId="{4034D875-3611-EA42-82FF-AD2B3645BAFC}" destId="{3DC39003-611A-C142-A1E8-BEF235D3B548}" srcOrd="1" destOrd="0" presId="urn:microsoft.com/office/officeart/2005/8/layout/process1"/>
-    <dgm:cxn modelId="{9181D3C6-6BF4-5747-B45D-CBD66B5D2B9D}" type="presOf" srcId="{0FFA8D19-4676-CA4A-989D-0E6C36B7C3D8}" destId="{AA3E99BC-A267-BC46-A095-2A7C17946751}" srcOrd="0" destOrd="0" presId="urn:microsoft.com/office/officeart/2005/8/layout/process1"/>
-    <dgm:cxn modelId="{19217BE6-30B7-1447-A49A-C3044FC338BB}" type="presOf" srcId="{F2279908-6040-084B-BD68-75B31C9DA707}" destId="{3B9C3E82-BCBA-EC43-B7E2-B876EF9243AB}" srcOrd="0" destOrd="0" presId="urn:microsoft.com/office/officeart/2005/8/layout/process1"/>
-    <dgm:cxn modelId="{3B7061CC-1CB2-8748-9A31-AAFE7F8D3F0C}" srcId="{9CCA2703-44A2-5A44-959C-035906E68F15}" destId="{E3D0252C-F8F7-1743-BE39-E30A4A7C5D43}" srcOrd="0" destOrd="0" parTransId="{46FB300F-EAEE-664F-83D9-06C0F50C8137}" sibTransId="{4034D875-3611-EA42-82FF-AD2B3645BAFC}"/>
-    <dgm:cxn modelId="{9EFA704F-1A43-F749-AFC1-9589A279E701}" type="presOf" srcId="{DAE8AB90-959C-AC4F-9283-FC7F2719AE83}" destId="{2787077C-9C67-4745-90A8-96CE5C562107}" srcOrd="0" destOrd="0" presId="urn:microsoft.com/office/officeart/2005/8/layout/process1"/>
-    <dgm:cxn modelId="{733D1F15-4B77-E548-BE85-333790347658}" type="presOf" srcId="{759B4923-EC0A-2245-BC47-434B14A80BAC}" destId="{E6F5C078-EDCC-9446-8F48-BFC227829067}" srcOrd="0" destOrd="0" presId="urn:microsoft.com/office/officeart/2005/8/layout/process1"/>
-    <dgm:cxn modelId="{D9895593-4582-914C-A029-B815E763FEE6}" type="presOf" srcId="{345B8BCC-2043-2946-80B1-BD82DD91D2E9}" destId="{AEA76E44-30A9-6D4F-8927-0293872098EF}" srcOrd="0" destOrd="0" presId="urn:microsoft.com/office/officeart/2005/8/layout/process1"/>
-    <dgm:cxn modelId="{C9330DF4-8B66-DE43-A405-E9C72B0CD738}" type="presOf" srcId="{750D7D06-97ED-7F4A-B0E2-BFC538AFE8EB}" destId="{1815960C-6872-A246-8808-59A04760FC61}" srcOrd="0" destOrd="0" presId="urn:microsoft.com/office/officeart/2005/8/layout/process1"/>
-    <dgm:cxn modelId="{68737BF1-5F86-7841-9936-308922CCF15A}" srcId="{9CCA2703-44A2-5A44-959C-035906E68F15}" destId="{0FFA8D19-4676-CA4A-989D-0E6C36B7C3D8}" srcOrd="4" destOrd="0" parTransId="{1DD962AE-B01D-8247-B1ED-3B1835FA4D2F}" sibTransId="{5CE3F7CE-80AE-C14A-95AF-590F66F2EE21}"/>
-    <dgm:cxn modelId="{4D826D5C-8669-1D47-88B8-B76FC9F17D63}" type="presOf" srcId="{21DF6EF0-D91E-9E4B-9986-460823DC5045}" destId="{CFAA8E65-33A6-3542-8550-88C7C887156A}" srcOrd="1" destOrd="0" presId="urn:microsoft.com/office/officeart/2005/8/layout/process1"/>
-    <dgm:cxn modelId="{D29ED75B-E76A-BE48-B2E6-F8DA7E67590E}" type="presOf" srcId="{5CE3F7CE-80AE-C14A-95AF-590F66F2EE21}" destId="{6D574052-F52A-8A43-9AE4-DAC75AEFED79}" srcOrd="1" destOrd="0" presId="urn:microsoft.com/office/officeart/2005/8/layout/process1"/>
-    <dgm:cxn modelId="{23E886E9-6F93-854D-8E49-53256730F938}" type="presOf" srcId="{21DF6EF0-D91E-9E4B-9986-460823DC5045}" destId="{9E5E12EE-D5E8-4542-AC59-F8121E429374}" srcOrd="0" destOrd="0" presId="urn:microsoft.com/office/officeart/2005/8/layout/process1"/>
-    <dgm:cxn modelId="{399B9FB1-F983-EE4A-8D5A-03BD9AC9F6B6}" type="presOf" srcId="{0B2795A7-790A-464B-8297-3F9E52A62D31}" destId="{006631A4-CC36-3547-ACE5-A22EC02B1D57}" srcOrd="0" destOrd="0" presId="urn:microsoft.com/office/officeart/2005/8/layout/process1"/>
     <dgm:cxn modelId="{616B9E3B-2073-2149-9C23-AB162E296D7C}" type="presParOf" srcId="{3E78BED2-CF11-8240-96AC-AF6D15847FD6}" destId="{9AC63E6B-6196-524E-942A-B20DA62C746B}" srcOrd="0" destOrd="0" presId="urn:microsoft.com/office/officeart/2005/8/layout/process1"/>
     <dgm:cxn modelId="{1F320010-8BE2-5245-B6B9-8242DB432A26}" type="presParOf" srcId="{3E78BED2-CF11-8240-96AC-AF6D15847FD6}" destId="{BA0BEDE7-D2D8-0745-A736-37E6DBBBCF78}" srcOrd="1" destOrd="0" presId="urn:microsoft.com/office/officeart/2005/8/layout/process1"/>
     <dgm:cxn modelId="{2AAA5A4B-59A0-DD4D-AA29-35E33B91E47E}" type="presParOf" srcId="{BA0BEDE7-D2D8-0745-A736-37E6DBBBCF78}" destId="{3DC39003-611A-C142-A1E8-BEF235D3B548}" srcOrd="0" destOrd="0" presId="urn:microsoft.com/office/officeart/2005/8/layout/process1"/>
@@ -6463,6 +6464,137 @@
 </p:notes>
 </file>
 
+<file path=ppt/notesSlides/notesSlide2.xml><?xml version="1.0" encoding="utf-8"?>
+<p:notes xmlns:a="http://schemas.openxmlformats.org/drawingml/2006/main" xmlns:r="http://schemas.openxmlformats.org/officeDocument/2006/relationships" xmlns:p="http://schemas.openxmlformats.org/presentationml/2006/main">
+  <p:cSld>
+    <p:spTree>
+      <p:nvGrpSpPr>
+        <p:cNvPr id="1" name=""/>
+        <p:cNvGrpSpPr/>
+        <p:nvPr/>
+      </p:nvGrpSpPr>
+      <p:grpSpPr>
+        <a:xfrm>
+          <a:off x="0" y="0"/>
+          <a:ext cx="0" cy="0"/>
+          <a:chOff x="0" y="0"/>
+          <a:chExt cx="0" cy="0"/>
+        </a:xfrm>
+      </p:grpSpPr>
+      <p:sp>
+        <p:nvSpPr>
+          <p:cNvPr id="2" name="Slide Image Placeholder 1"/>
+          <p:cNvSpPr>
+            <a:spLocks noGrp="1" noRot="1" noChangeAspect="1"/>
+          </p:cNvSpPr>
+          <p:nvPr>
+            <p:ph type="sldImg"/>
+          </p:nvPr>
+        </p:nvSpPr>
+        <p:spPr/>
+      </p:sp>
+      <p:sp>
+        <p:nvSpPr>
+          <p:cNvPr id="3" name="Notes Placeholder 2"/>
+          <p:cNvSpPr>
+            <a:spLocks noGrp="1"/>
+          </p:cNvSpPr>
+          <p:nvPr>
+            <p:ph type="body" idx="1"/>
+          </p:nvPr>
+        </p:nvSpPr>
+        <p:spPr/>
+        <p:txBody>
+          <a:bodyPr/>
+          <a:lstStyle/>
+          <a:p>
+            <a:r>
+              <a:rPr lang="en-GB" dirty="0" smtClean="0"/>
+              <a:t>RF:</a:t>
+            </a:r>
+            <a:r>
+              <a:rPr lang="en-GB" baseline="0" dirty="0" smtClean="0"/>
+              <a:t> </a:t>
+            </a:r>
+            <a:r>
+              <a:rPr lang="en-US" dirty="0" err="1" smtClean="0"/>
+              <a:t>num</a:t>
+            </a:r>
+            <a:r>
+              <a:rPr lang="en-US" dirty="0" smtClean="0"/>
+              <a:t>: 20, max: 0.9283, min: 0.7770, mean: 0.8603, median: 0.8573, range: 0.1513, </a:t>
+            </a:r>
+            <a:r>
+              <a:rPr lang="en-US" dirty="0" err="1" smtClean="0"/>
+              <a:t>std</a:t>
+            </a:r>
+            <a:r>
+              <a:rPr lang="en-US" dirty="0" smtClean="0"/>
+              <a:t>: 0.0432</a:t>
+            </a:r>
+          </a:p>
+          <a:p>
+            <a:r>
+              <a:rPr lang="en-US" dirty="0" smtClean="0"/>
+              <a:t>PP: </a:t>
+            </a:r>
+            <a:r>
+              <a:rPr lang="en-US" dirty="0" err="1" smtClean="0"/>
+              <a:t>num</a:t>
+            </a:r>
+            <a:r>
+              <a:rPr lang="en-US" dirty="0" smtClean="0"/>
+              <a:t>: 20, max: 0.9590, min: 0.8495, mean: 0.9108, median: 0.9002, range: 0.1094, </a:t>
+            </a:r>
+            <a:r>
+              <a:rPr lang="en-US" dirty="0" err="1" smtClean="0"/>
+              <a:t>std</a:t>
+            </a:r>
+            <a:r>
+              <a:rPr lang="en-US" dirty="0" smtClean="0"/>
+              <a:t>: 0.0313</a:t>
+            </a:r>
+            <a:endParaRPr lang="en-GB" dirty="0"/>
+          </a:p>
+        </p:txBody>
+      </p:sp>
+      <p:sp>
+        <p:nvSpPr>
+          <p:cNvPr id="4" name="Slide Number Placeholder 3"/>
+          <p:cNvSpPr>
+            <a:spLocks noGrp="1"/>
+          </p:cNvSpPr>
+          <p:nvPr>
+            <p:ph type="sldNum" sz="quarter" idx="10"/>
+          </p:nvPr>
+        </p:nvSpPr>
+        <p:spPr/>
+        <p:txBody>
+          <a:bodyPr/>
+          <a:lstStyle/>
+          <a:p>
+            <a:fld id="{E5700854-19FB-4351-BFDC-90AAE5F621F4}" type="slidenum">
+              <a:rPr lang="de-CH" smtClean="0"/>
+              <a:pPr/>
+              <a:t>7</a:t>
+            </a:fld>
+            <a:endParaRPr lang="de-CH"/>
+          </a:p>
+        </p:txBody>
+      </p:sp>
+    </p:spTree>
+    <p:extLst>
+      <p:ext uri="{BB962C8B-B14F-4D97-AF65-F5344CB8AC3E}">
+        <p14:creationId xmlns:p14="http://schemas.microsoft.com/office/powerpoint/2010/main" val="2394334540"/>
+      </p:ext>
+    </p:extLst>
+  </p:cSld>
+  <p:clrMapOvr>
+    <a:masterClrMapping/>
+  </p:clrMapOvr>
+</p:notes>
+</file>
+
 <file path=ppt/slideLayouts/slideLayout1.xml><?xml version="1.0" encoding="utf-8"?>
 <p:sldLayout xmlns:a="http://schemas.openxmlformats.org/drawingml/2006/main" xmlns:r="http://schemas.openxmlformats.org/officeDocument/2006/relationships" xmlns:p="http://schemas.openxmlformats.org/presentationml/2006/main" showMasterSp="0" type="title" preserve="1">
   <p:cSld name="Titelfolie">
@@ -10242,15 +10374,7 @@
             </a:br>
             <a:r>
               <a:rPr lang="en-GB" sz="2800" dirty="0" smtClean="0"/>
-              <a:t>Automatic </a:t>
-            </a:r>
-            <a:r>
-              <a:rPr lang="en-GB" sz="2800" dirty="0" smtClean="0"/>
-              <a:t>Femur </a:t>
-            </a:r>
-            <a:r>
-              <a:rPr lang="en-GB" sz="2800" dirty="0" smtClean="0"/>
-              <a:t>Segmentation for Femoral Implant Design</a:t>
+              <a:t>Automatic Femur Segmentation for Femoral Implant Design</a:t>
             </a:r>
             <a:endParaRPr lang="en-GB" sz="2400" dirty="0"/>
           </a:p>
@@ -10658,6 +10782,108 @@
           <a:p>
             <a:r>
               <a:rPr lang="en-GB" dirty="0" smtClean="0"/>
+              <a:t>Results Cross Validation (5 fold)</a:t>
+            </a:r>
+            <a:endParaRPr lang="en-GB" dirty="0"/>
+          </a:p>
+        </p:txBody>
+      </p:sp>
+      <p:pic>
+        <p:nvPicPr>
+          <p:cNvPr id="5" name="Content Placeholder 4" descr="dicecrossvalid2.pdf"/>
+          <p:cNvPicPr>
+            <a:picLocks noGrp="1" noChangeAspect="1"/>
+          </p:cNvPicPr>
+          <p:nvPr>
+            <p:ph idx="1"/>
+          </p:nvPr>
+        </p:nvPicPr>
+        <p:blipFill>
+          <a:blip r:embed="rId2">
+            <a:extLst>
+              <a:ext uri="{28A0092B-C50C-407E-A947-70E740481C1C}">
+                <a14:useLocalDpi xmlns:a14="http://schemas.microsoft.com/office/drawing/2010/main" val="0"/>
+              </a:ext>
+            </a:extLst>
+          </a:blip>
+          <a:srcRect l="-18401" r="-18401"/>
+          <a:stretch>
+            <a:fillRect/>
+          </a:stretch>
+        </p:blipFill>
+        <p:spPr/>
+      </p:pic>
+      <p:sp>
+        <p:nvSpPr>
+          <p:cNvPr id="4" name="Slide Number Placeholder 3"/>
+          <p:cNvSpPr>
+            <a:spLocks noGrp="1"/>
+          </p:cNvSpPr>
+          <p:nvPr>
+            <p:ph type="sldNum" sz="quarter" idx="12"/>
+          </p:nvPr>
+        </p:nvSpPr>
+        <p:spPr/>
+        <p:txBody>
+          <a:bodyPr/>
+          <a:lstStyle/>
+          <a:p>
+            <a:fld id="{BE3D9CA7-554C-46EC-BEAB-CB2090EEB6FF}" type="slidenum">
+              <a:rPr lang="de-CH" smtClean="0"/>
+              <a:pPr/>
+              <a:t>11</a:t>
+            </a:fld>
+            <a:endParaRPr lang="de-CH" sz="1400"/>
+          </a:p>
+        </p:txBody>
+      </p:sp>
+    </p:spTree>
+    <p:extLst>
+      <p:ext uri="{BB962C8B-B14F-4D97-AF65-F5344CB8AC3E}">
+        <p14:creationId xmlns:p14="http://schemas.microsoft.com/office/powerpoint/2010/main" val="1197562480"/>
+      </p:ext>
+    </p:extLst>
+  </p:cSld>
+  <p:clrMapOvr>
+    <a:masterClrMapping/>
+  </p:clrMapOvr>
+</p:sld>
+</file>
+
+<file path=ppt/slides/slide12.xml><?xml version="1.0" encoding="utf-8"?>
+<p:sld xmlns:a="http://schemas.openxmlformats.org/drawingml/2006/main" xmlns:r="http://schemas.openxmlformats.org/officeDocument/2006/relationships" xmlns:p="http://schemas.openxmlformats.org/presentationml/2006/main">
+  <p:cSld>
+    <p:spTree>
+      <p:nvGrpSpPr>
+        <p:cNvPr id="1" name=""/>
+        <p:cNvGrpSpPr/>
+        <p:nvPr/>
+      </p:nvGrpSpPr>
+      <p:grpSpPr>
+        <a:xfrm>
+          <a:off x="0" y="0"/>
+          <a:ext cx="0" cy="0"/>
+          <a:chOff x="0" y="0"/>
+          <a:chExt cx="0" cy="0"/>
+        </a:xfrm>
+      </p:grpSpPr>
+      <p:sp>
+        <p:nvSpPr>
+          <p:cNvPr id="2" name="Title 1"/>
+          <p:cNvSpPr>
+            <a:spLocks noGrp="1"/>
+          </p:cNvSpPr>
+          <p:nvPr>
+            <p:ph type="title"/>
+          </p:nvPr>
+        </p:nvSpPr>
+        <p:spPr/>
+        <p:txBody>
+          <a:bodyPr/>
+          <a:lstStyle/>
+          <a:p>
+            <a:r>
+              <a:rPr lang="en-GB" dirty="0" smtClean="0"/>
               <a:t>Tested but was not good…</a:t>
             </a:r>
             <a:endParaRPr lang="en-GB" dirty="0"/>
@@ -10729,7 +10955,7 @@
             <a:fld id="{BE3D9CA7-554C-46EC-BEAB-CB2090EEB6FF}" type="slidenum">
               <a:rPr lang="de-CH" smtClean="0"/>
               <a:pPr/>
-              <a:t>11</a:t>
+              <a:t>12</a:t>
             </a:fld>
             <a:endParaRPr lang="de-CH" sz="1400"/>
           </a:p>
@@ -11115,7 +11341,15 @@
           <a:p>
             <a:r>
               <a:rPr lang="en-GB" dirty="0" smtClean="0"/>
-              <a:t>Goal: Dice 0.95 with 0.05 </a:t>
+              <a:t>Goal: </a:t>
+            </a:r>
+            <a:r>
+              <a:rPr lang="en-GB" dirty="0" smtClean="0"/>
+              <a:t>DICE 0.95 </a:t>
+            </a:r>
+            <a:r>
+              <a:rPr lang="en-GB" dirty="0" smtClean="0"/>
+              <a:t>with 0.05 </a:t>
             </a:r>
             <a:r>
               <a:rPr lang="en-GB" dirty="0" err="1" smtClean="0"/>
@@ -11454,7 +11688,7 @@
           <a:graphicData uri="http://schemas.openxmlformats.org/presentationml/2006/ole">
             <mc:AlternateContent xmlns:mc="http://schemas.openxmlformats.org/markup-compatibility/2006">
               <mc:Choice xmlns:v="urn:schemas-microsoft-com:vml" Requires="v">
-                <p:oleObj spid="_x0000_s2112" name="Equation" r:id="rId4" imgW="660400" imgH="393700" progId="Equation.3">
+                <p:oleObj spid="_x0000_s2129" name="Equation" r:id="rId4" imgW="660400" imgH="393700" progId="Equation.3">
                   <p:embed/>
                 </p:oleObj>
               </mc:Choice>
@@ -11856,32 +12090,19 @@
           <a:p>
             <a:r>
               <a:rPr lang="en-GB" dirty="0" smtClean="0"/>
-              <a:t>Morphological </a:t>
-            </a:r>
+              <a:t>Morphological opening</a:t>
+            </a:r>
+          </a:p>
+          <a:p>
             <a:r>
               <a:rPr lang="en-GB" dirty="0" smtClean="0"/>
-              <a:t>opening</a:t>
+              <a:t>Keep largest area / volume</a:t>
             </a:r>
           </a:p>
           <a:p>
             <a:r>
               <a:rPr lang="en-GB" dirty="0" smtClean="0"/>
-              <a:t>Keep largest </a:t>
-            </a:r>
-            <a:r>
-              <a:rPr lang="en-GB" dirty="0" smtClean="0"/>
-              <a:t>area / volume</a:t>
-            </a:r>
-            <a:endParaRPr lang="en-GB" dirty="0" smtClean="0"/>
-          </a:p>
-          <a:p>
-            <a:r>
-              <a:rPr lang="en-GB" dirty="0" smtClean="0"/>
-              <a:t>Fill </a:t>
-            </a:r>
-            <a:r>
-              <a:rPr lang="en-GB" dirty="0" smtClean="0"/>
-              <a:t>holes</a:t>
+              <a:t>Fill holes</a:t>
             </a:r>
             <a:endParaRPr lang="en-GB" dirty="0"/>
           </a:p>
@@ -11971,47 +12192,36 @@
           </a:p>
         </p:txBody>
       </p:sp>
-      <p:sp>
-        <p:nvSpPr>
-          <p:cNvPr id="3" name="Content Placeholder 2"/>
-          <p:cNvSpPr>
-            <a:spLocks noGrp="1"/>
-          </p:cNvSpPr>
+      <p:pic>
+        <p:nvPicPr>
+          <p:cNvPr id="5" name="Content Placeholder 4" descr="dicecrossvalid.pdf"/>
+          <p:cNvPicPr>
+            <a:picLocks noGrp="1" noChangeAspect="1"/>
+          </p:cNvPicPr>
           <p:nvPr>
             <p:ph idx="1"/>
           </p:nvPr>
-        </p:nvSpPr>
-        <p:spPr/>
-        <p:txBody>
-          <a:bodyPr/>
-          <a:lstStyle/>
-          <a:p>
-            <a:r>
-              <a:rPr lang="en-GB" dirty="0" smtClean="0"/>
-              <a:t>Boxplot </a:t>
-            </a:r>
-            <a:r>
-              <a:rPr lang="en-GB" dirty="0" err="1" smtClean="0"/>
-              <a:t>mit</a:t>
-            </a:r>
-            <a:r>
-              <a:rPr lang="en-GB" dirty="0" smtClean="0"/>
-              <a:t> dice</a:t>
-            </a:r>
-          </a:p>
-          <a:p>
-            <a:r>
-              <a:rPr lang="en-GB" dirty="0" err="1" smtClean="0"/>
-              <a:t>Schlechte</a:t>
-            </a:r>
-            <a:r>
-              <a:rPr lang="en-GB" dirty="0" smtClean="0"/>
-              <a:t> segmentation</a:t>
-            </a:r>
-            <a:endParaRPr lang="en-GB" dirty="0"/>
-          </a:p>
-        </p:txBody>
-      </p:sp>
+        </p:nvPicPr>
+        <p:blipFill>
+          <a:blip r:embed="rId3">
+            <a:extLst>
+              <a:ext uri="{28A0092B-C50C-407E-A947-70E740481C1C}">
+                <a14:useLocalDpi xmlns:a14="http://schemas.microsoft.com/office/drawing/2010/main" val="0"/>
+              </a:ext>
+            </a:extLst>
+          </a:blip>
+          <a:srcRect l="-19246" r="-19246"/>
+          <a:stretch>
+            <a:fillRect/>
+          </a:stretch>
+        </p:blipFill>
+        <p:spPr>
+          <a:xfrm>
+            <a:off x="533400" y="1628800"/>
+            <a:ext cx="8061325" cy="4498975"/>
+          </a:xfrm>
+        </p:spPr>
+      </p:pic>
       <p:sp>
         <p:nvSpPr>
           <p:cNvPr id="4" name="Slide Number Placeholder 3"/>
@@ -12036,23 +12246,528 @@
           </a:p>
         </p:txBody>
       </p:sp>
+      <p:sp>
+        <p:nvSpPr>
+          <p:cNvPr id="7" name="Content Placeholder 2"/>
+          <p:cNvSpPr txBox="1">
+            <a:spLocks/>
+          </p:cNvSpPr>
+          <p:nvPr/>
+        </p:nvSpPr>
+        <p:spPr bwMode="auto">
+          <a:xfrm>
+            <a:off x="5148064" y="6165304"/>
+            <a:ext cx="2232248" cy="288032"/>
+          </a:xfrm>
+          <a:prstGeom prst="rect">
+            <a:avLst/>
+          </a:prstGeom>
+          <a:noFill/>
+          <a:ln w="9525">
+            <a:noFill/>
+            <a:miter lim="800000"/>
+            <a:headEnd/>
+            <a:tailEnd/>
+          </a:ln>
+          <a:effectLst/>
+        </p:spPr>
+        <p:txBody>
+          <a:bodyPr vert="horz" wrap="square" lIns="0" tIns="0" rIns="0" bIns="0" numCol="1" anchor="t" anchorCtr="0" compatLnSpc="1">
+            <a:prstTxWarp prst="textNoShape">
+              <a:avLst/>
+            </a:prstTxWarp>
+          </a:bodyPr>
+          <a:lstStyle>
+            <a:lvl1pPr marL="419100" indent="-419100" algn="l" rtl="0" eaLnBrk="1" fontAlgn="base" hangingPunct="1">
+              <a:lnSpc>
+                <a:spcPct val="95000"/>
+              </a:lnSpc>
+              <a:spcBef>
+                <a:spcPct val="20000"/>
+              </a:spcBef>
+              <a:spcAft>
+                <a:spcPct val="0"/>
+              </a:spcAft>
+              <a:buClr>
+                <a:schemeClr val="hlink"/>
+              </a:buClr>
+              <a:buSzPct val="85000"/>
+              <a:buFont typeface="Arial" pitchFamily="39" charset="0"/>
+              <a:buChar char="&gt;"/>
+              <a:defRPr sz="2200">
+                <a:solidFill>
+                  <a:srgbClr val="333333"/>
+                </a:solidFill>
+                <a:latin typeface="+mn-lt"/>
+                <a:ea typeface="+mn-ea"/>
+                <a:cs typeface="+mn-cs"/>
+              </a:defRPr>
+            </a:lvl1pPr>
+            <a:lvl2pPr marL="838200" indent="-381000" algn="l" rtl="0" eaLnBrk="1" fontAlgn="base" hangingPunct="1">
+              <a:lnSpc>
+                <a:spcPct val="95000"/>
+              </a:lnSpc>
+              <a:spcBef>
+                <a:spcPct val="20000"/>
+              </a:spcBef>
+              <a:spcAft>
+                <a:spcPct val="0"/>
+              </a:spcAft>
+              <a:buFont typeface="Arial" pitchFamily="39" charset="0"/>
+              <a:buChar char="—"/>
+              <a:defRPr sz="2000">
+                <a:solidFill>
+                  <a:srgbClr val="333333"/>
+                </a:solidFill>
+                <a:latin typeface="+mn-lt"/>
+                <a:ea typeface="ＭＳ Ｐゴシック" pitchFamily="39" charset="-128"/>
+              </a:defRPr>
+            </a:lvl2pPr>
+            <a:lvl3pPr marL="1295400" indent="-381000" algn="l" rtl="0" eaLnBrk="1" fontAlgn="base" hangingPunct="1">
+              <a:lnSpc>
+                <a:spcPct val="95000"/>
+              </a:lnSpc>
+              <a:spcBef>
+                <a:spcPct val="20000"/>
+              </a:spcBef>
+              <a:spcAft>
+                <a:spcPct val="0"/>
+              </a:spcAft>
+              <a:buSzPct val="85000"/>
+              <a:buFont typeface="Arial" pitchFamily="39" charset="0"/>
+              <a:buChar char="–"/>
+              <a:defRPr>
+                <a:solidFill>
+                  <a:srgbClr val="333333"/>
+                </a:solidFill>
+                <a:latin typeface="+mn-lt"/>
+                <a:ea typeface="ＭＳ Ｐゴシック" pitchFamily="39" charset="-128"/>
+              </a:defRPr>
+            </a:lvl3pPr>
+            <a:lvl4pPr marL="1714500" indent="-381000" algn="l" rtl="0" eaLnBrk="1" fontAlgn="base" hangingPunct="1">
+              <a:lnSpc>
+                <a:spcPct val="95000"/>
+              </a:lnSpc>
+              <a:spcBef>
+                <a:spcPct val="20000"/>
+              </a:spcBef>
+              <a:spcAft>
+                <a:spcPct val="0"/>
+              </a:spcAft>
+              <a:buSzPct val="85000"/>
+              <a:buFont typeface="Arial" pitchFamily="39" charset="0"/>
+              <a:buChar char="–"/>
+              <a:defRPr>
+                <a:solidFill>
+                  <a:srgbClr val="333333"/>
+                </a:solidFill>
+                <a:latin typeface="+mn-lt"/>
+                <a:ea typeface="ＭＳ Ｐゴシック" pitchFamily="39" charset="-128"/>
+              </a:defRPr>
+            </a:lvl4pPr>
+            <a:lvl5pPr marL="2133600" indent="-381000" algn="l" rtl="0" eaLnBrk="1" fontAlgn="base" hangingPunct="1">
+              <a:lnSpc>
+                <a:spcPct val="95000"/>
+              </a:lnSpc>
+              <a:spcBef>
+                <a:spcPct val="20000"/>
+              </a:spcBef>
+              <a:spcAft>
+                <a:spcPct val="0"/>
+              </a:spcAft>
+              <a:buClr>
+                <a:schemeClr val="tx1"/>
+              </a:buClr>
+              <a:buSzPct val="85000"/>
+              <a:buFont typeface="Arial" pitchFamily="39" charset="0"/>
+              <a:buChar char="–"/>
+              <a:defRPr>
+                <a:solidFill>
+                  <a:srgbClr val="333333"/>
+                </a:solidFill>
+                <a:latin typeface="+mn-lt"/>
+                <a:ea typeface="ＭＳ Ｐゴシック" pitchFamily="39" charset="-128"/>
+              </a:defRPr>
+            </a:lvl5pPr>
+            <a:lvl6pPr marL="2590800" indent="-381000" algn="l" rtl="0" eaLnBrk="1" fontAlgn="base" hangingPunct="1">
+              <a:lnSpc>
+                <a:spcPct val="95000"/>
+              </a:lnSpc>
+              <a:spcBef>
+                <a:spcPct val="20000"/>
+              </a:spcBef>
+              <a:spcAft>
+                <a:spcPct val="0"/>
+              </a:spcAft>
+              <a:buClr>
+                <a:schemeClr val="tx1"/>
+              </a:buClr>
+              <a:buSzPct val="85000"/>
+              <a:buFont typeface="Arial" pitchFamily="39" charset="0"/>
+              <a:buChar char="–"/>
+              <a:defRPr>
+                <a:solidFill>
+                  <a:srgbClr val="333333"/>
+                </a:solidFill>
+                <a:latin typeface="+mn-lt"/>
+                <a:ea typeface="ＭＳ Ｐゴシック" pitchFamily="39" charset="-128"/>
+              </a:defRPr>
+            </a:lvl6pPr>
+            <a:lvl7pPr marL="3048000" indent="-381000" algn="l" rtl="0" eaLnBrk="1" fontAlgn="base" hangingPunct="1">
+              <a:lnSpc>
+                <a:spcPct val="95000"/>
+              </a:lnSpc>
+              <a:spcBef>
+                <a:spcPct val="20000"/>
+              </a:spcBef>
+              <a:spcAft>
+                <a:spcPct val="0"/>
+              </a:spcAft>
+              <a:buClr>
+                <a:schemeClr val="tx1"/>
+              </a:buClr>
+              <a:buSzPct val="85000"/>
+              <a:buFont typeface="Arial" pitchFamily="39" charset="0"/>
+              <a:buChar char="–"/>
+              <a:defRPr>
+                <a:solidFill>
+                  <a:srgbClr val="333333"/>
+                </a:solidFill>
+                <a:latin typeface="+mn-lt"/>
+                <a:ea typeface="ＭＳ Ｐゴシック" pitchFamily="39" charset="-128"/>
+              </a:defRPr>
+            </a:lvl7pPr>
+            <a:lvl8pPr marL="3505200" indent="-381000" algn="l" rtl="0" eaLnBrk="1" fontAlgn="base" hangingPunct="1">
+              <a:lnSpc>
+                <a:spcPct val="95000"/>
+              </a:lnSpc>
+              <a:spcBef>
+                <a:spcPct val="20000"/>
+              </a:spcBef>
+              <a:spcAft>
+                <a:spcPct val="0"/>
+              </a:spcAft>
+              <a:buClr>
+                <a:schemeClr val="tx1"/>
+              </a:buClr>
+              <a:buSzPct val="85000"/>
+              <a:buFont typeface="Arial" pitchFamily="39" charset="0"/>
+              <a:buChar char="–"/>
+              <a:defRPr>
+                <a:solidFill>
+                  <a:srgbClr val="333333"/>
+                </a:solidFill>
+                <a:latin typeface="+mn-lt"/>
+                <a:ea typeface="ＭＳ Ｐゴシック" pitchFamily="39" charset="-128"/>
+              </a:defRPr>
+            </a:lvl8pPr>
+            <a:lvl9pPr marL="3962400" indent="-381000" algn="l" rtl="0" eaLnBrk="1" fontAlgn="base" hangingPunct="1">
+              <a:lnSpc>
+                <a:spcPct val="95000"/>
+              </a:lnSpc>
+              <a:spcBef>
+                <a:spcPct val="20000"/>
+              </a:spcBef>
+              <a:spcAft>
+                <a:spcPct val="0"/>
+              </a:spcAft>
+              <a:buClr>
+                <a:schemeClr val="tx1"/>
+              </a:buClr>
+              <a:buSzPct val="85000"/>
+              <a:buFont typeface="Arial" pitchFamily="39" charset="0"/>
+              <a:buChar char="–"/>
+              <a:defRPr>
+                <a:solidFill>
+                  <a:srgbClr val="333333"/>
+                </a:solidFill>
+                <a:latin typeface="+mn-lt"/>
+                <a:ea typeface="ＭＳ Ｐゴシック" pitchFamily="39" charset="-128"/>
+              </a:defRPr>
+            </a:lvl9pPr>
+          </a:lstStyle>
+          <a:p>
+            <a:pPr marL="0" indent="0">
+              <a:buNone/>
+            </a:pPr>
+            <a:r>
+              <a:rPr lang="en-GB" sz="1600" dirty="0" smtClean="0"/>
+              <a:t>DICE 0.91 with 0.03 </a:t>
+            </a:r>
+            <a:r>
+              <a:rPr lang="en-GB" sz="1600" dirty="0" err="1" smtClean="0"/>
+              <a:t>std</a:t>
+            </a:r>
+            <a:endParaRPr lang="en-GB" sz="1600" dirty="0" smtClean="0"/>
+          </a:p>
+        </p:txBody>
+      </p:sp>
+      <p:sp>
+        <p:nvSpPr>
+          <p:cNvPr id="8" name="Content Placeholder 2"/>
+          <p:cNvSpPr txBox="1">
+            <a:spLocks/>
+          </p:cNvSpPr>
+          <p:nvPr/>
+        </p:nvSpPr>
+        <p:spPr bwMode="auto">
+          <a:xfrm>
+            <a:off x="2411760" y="6165304"/>
+            <a:ext cx="2160240" cy="288032"/>
+          </a:xfrm>
+          <a:prstGeom prst="rect">
+            <a:avLst/>
+          </a:prstGeom>
+          <a:noFill/>
+          <a:ln w="9525">
+            <a:noFill/>
+            <a:miter lim="800000"/>
+            <a:headEnd/>
+            <a:tailEnd/>
+          </a:ln>
+          <a:effectLst/>
+        </p:spPr>
+        <p:txBody>
+          <a:bodyPr vert="horz" wrap="square" lIns="0" tIns="0" rIns="0" bIns="0" numCol="1" anchor="t" anchorCtr="0" compatLnSpc="1">
+            <a:prstTxWarp prst="textNoShape">
+              <a:avLst/>
+            </a:prstTxWarp>
+          </a:bodyPr>
+          <a:lstStyle>
+            <a:lvl1pPr marL="419100" indent="-419100" algn="l" rtl="0" eaLnBrk="1" fontAlgn="base" hangingPunct="1">
+              <a:lnSpc>
+                <a:spcPct val="95000"/>
+              </a:lnSpc>
+              <a:spcBef>
+                <a:spcPct val="20000"/>
+              </a:spcBef>
+              <a:spcAft>
+                <a:spcPct val="0"/>
+              </a:spcAft>
+              <a:buClr>
+                <a:schemeClr val="hlink"/>
+              </a:buClr>
+              <a:buSzPct val="85000"/>
+              <a:buFont typeface="Arial" pitchFamily="39" charset="0"/>
+              <a:buChar char="&gt;"/>
+              <a:defRPr sz="2200">
+                <a:solidFill>
+                  <a:srgbClr val="333333"/>
+                </a:solidFill>
+                <a:latin typeface="+mn-lt"/>
+                <a:ea typeface="+mn-ea"/>
+                <a:cs typeface="+mn-cs"/>
+              </a:defRPr>
+            </a:lvl1pPr>
+            <a:lvl2pPr marL="838200" indent="-381000" algn="l" rtl="0" eaLnBrk="1" fontAlgn="base" hangingPunct="1">
+              <a:lnSpc>
+                <a:spcPct val="95000"/>
+              </a:lnSpc>
+              <a:spcBef>
+                <a:spcPct val="20000"/>
+              </a:spcBef>
+              <a:spcAft>
+                <a:spcPct val="0"/>
+              </a:spcAft>
+              <a:buFont typeface="Arial" pitchFamily="39" charset="0"/>
+              <a:buChar char="—"/>
+              <a:defRPr sz="2000">
+                <a:solidFill>
+                  <a:srgbClr val="333333"/>
+                </a:solidFill>
+                <a:latin typeface="+mn-lt"/>
+                <a:ea typeface="ＭＳ Ｐゴシック" pitchFamily="39" charset="-128"/>
+              </a:defRPr>
+            </a:lvl2pPr>
+            <a:lvl3pPr marL="1295400" indent="-381000" algn="l" rtl="0" eaLnBrk="1" fontAlgn="base" hangingPunct="1">
+              <a:lnSpc>
+                <a:spcPct val="95000"/>
+              </a:lnSpc>
+              <a:spcBef>
+                <a:spcPct val="20000"/>
+              </a:spcBef>
+              <a:spcAft>
+                <a:spcPct val="0"/>
+              </a:spcAft>
+              <a:buSzPct val="85000"/>
+              <a:buFont typeface="Arial" pitchFamily="39" charset="0"/>
+              <a:buChar char="–"/>
+              <a:defRPr>
+                <a:solidFill>
+                  <a:srgbClr val="333333"/>
+                </a:solidFill>
+                <a:latin typeface="+mn-lt"/>
+                <a:ea typeface="ＭＳ Ｐゴシック" pitchFamily="39" charset="-128"/>
+              </a:defRPr>
+            </a:lvl3pPr>
+            <a:lvl4pPr marL="1714500" indent="-381000" algn="l" rtl="0" eaLnBrk="1" fontAlgn="base" hangingPunct="1">
+              <a:lnSpc>
+                <a:spcPct val="95000"/>
+              </a:lnSpc>
+              <a:spcBef>
+                <a:spcPct val="20000"/>
+              </a:spcBef>
+              <a:spcAft>
+                <a:spcPct val="0"/>
+              </a:spcAft>
+              <a:buSzPct val="85000"/>
+              <a:buFont typeface="Arial" pitchFamily="39" charset="0"/>
+              <a:buChar char="–"/>
+              <a:defRPr>
+                <a:solidFill>
+                  <a:srgbClr val="333333"/>
+                </a:solidFill>
+                <a:latin typeface="+mn-lt"/>
+                <a:ea typeface="ＭＳ Ｐゴシック" pitchFamily="39" charset="-128"/>
+              </a:defRPr>
+            </a:lvl4pPr>
+            <a:lvl5pPr marL="2133600" indent="-381000" algn="l" rtl="0" eaLnBrk="1" fontAlgn="base" hangingPunct="1">
+              <a:lnSpc>
+                <a:spcPct val="95000"/>
+              </a:lnSpc>
+              <a:spcBef>
+                <a:spcPct val="20000"/>
+              </a:spcBef>
+              <a:spcAft>
+                <a:spcPct val="0"/>
+              </a:spcAft>
+              <a:buClr>
+                <a:schemeClr val="tx1"/>
+              </a:buClr>
+              <a:buSzPct val="85000"/>
+              <a:buFont typeface="Arial" pitchFamily="39" charset="0"/>
+              <a:buChar char="–"/>
+              <a:defRPr>
+                <a:solidFill>
+                  <a:srgbClr val="333333"/>
+                </a:solidFill>
+                <a:latin typeface="+mn-lt"/>
+                <a:ea typeface="ＭＳ Ｐゴシック" pitchFamily="39" charset="-128"/>
+              </a:defRPr>
+            </a:lvl5pPr>
+            <a:lvl6pPr marL="2590800" indent="-381000" algn="l" rtl="0" eaLnBrk="1" fontAlgn="base" hangingPunct="1">
+              <a:lnSpc>
+                <a:spcPct val="95000"/>
+              </a:lnSpc>
+              <a:spcBef>
+                <a:spcPct val="20000"/>
+              </a:spcBef>
+              <a:spcAft>
+                <a:spcPct val="0"/>
+              </a:spcAft>
+              <a:buClr>
+                <a:schemeClr val="tx1"/>
+              </a:buClr>
+              <a:buSzPct val="85000"/>
+              <a:buFont typeface="Arial" pitchFamily="39" charset="0"/>
+              <a:buChar char="–"/>
+              <a:defRPr>
+                <a:solidFill>
+                  <a:srgbClr val="333333"/>
+                </a:solidFill>
+                <a:latin typeface="+mn-lt"/>
+                <a:ea typeface="ＭＳ Ｐゴシック" pitchFamily="39" charset="-128"/>
+              </a:defRPr>
+            </a:lvl6pPr>
+            <a:lvl7pPr marL="3048000" indent="-381000" algn="l" rtl="0" eaLnBrk="1" fontAlgn="base" hangingPunct="1">
+              <a:lnSpc>
+                <a:spcPct val="95000"/>
+              </a:lnSpc>
+              <a:spcBef>
+                <a:spcPct val="20000"/>
+              </a:spcBef>
+              <a:spcAft>
+                <a:spcPct val="0"/>
+              </a:spcAft>
+              <a:buClr>
+                <a:schemeClr val="tx1"/>
+              </a:buClr>
+              <a:buSzPct val="85000"/>
+              <a:buFont typeface="Arial" pitchFamily="39" charset="0"/>
+              <a:buChar char="–"/>
+              <a:defRPr>
+                <a:solidFill>
+                  <a:srgbClr val="333333"/>
+                </a:solidFill>
+                <a:latin typeface="+mn-lt"/>
+                <a:ea typeface="ＭＳ Ｐゴシック" pitchFamily="39" charset="-128"/>
+              </a:defRPr>
+            </a:lvl7pPr>
+            <a:lvl8pPr marL="3505200" indent="-381000" algn="l" rtl="0" eaLnBrk="1" fontAlgn="base" hangingPunct="1">
+              <a:lnSpc>
+                <a:spcPct val="95000"/>
+              </a:lnSpc>
+              <a:spcBef>
+                <a:spcPct val="20000"/>
+              </a:spcBef>
+              <a:spcAft>
+                <a:spcPct val="0"/>
+              </a:spcAft>
+              <a:buClr>
+                <a:schemeClr val="tx1"/>
+              </a:buClr>
+              <a:buSzPct val="85000"/>
+              <a:buFont typeface="Arial" pitchFamily="39" charset="0"/>
+              <a:buChar char="–"/>
+              <a:defRPr>
+                <a:solidFill>
+                  <a:srgbClr val="333333"/>
+                </a:solidFill>
+                <a:latin typeface="+mn-lt"/>
+                <a:ea typeface="ＭＳ Ｐゴシック" pitchFamily="39" charset="-128"/>
+              </a:defRPr>
+            </a:lvl8pPr>
+            <a:lvl9pPr marL="3962400" indent="-381000" algn="l" rtl="0" eaLnBrk="1" fontAlgn="base" hangingPunct="1">
+              <a:lnSpc>
+                <a:spcPct val="95000"/>
+              </a:lnSpc>
+              <a:spcBef>
+                <a:spcPct val="20000"/>
+              </a:spcBef>
+              <a:spcAft>
+                <a:spcPct val="0"/>
+              </a:spcAft>
+              <a:buClr>
+                <a:schemeClr val="tx1"/>
+              </a:buClr>
+              <a:buSzPct val="85000"/>
+              <a:buFont typeface="Arial" pitchFamily="39" charset="0"/>
+              <a:buChar char="–"/>
+              <a:defRPr>
+                <a:solidFill>
+                  <a:srgbClr val="333333"/>
+                </a:solidFill>
+                <a:latin typeface="+mn-lt"/>
+                <a:ea typeface="ＭＳ Ｐゴシック" pitchFamily="39" charset="-128"/>
+              </a:defRPr>
+            </a:lvl9pPr>
+          </a:lstStyle>
+          <a:p>
+            <a:pPr marL="0" indent="0">
+              <a:buNone/>
+            </a:pPr>
+            <a:r>
+              <a:rPr lang="en-GB" sz="1600" dirty="0" smtClean="0"/>
+              <a:t>DICE 0.86 with 0.04 </a:t>
+            </a:r>
+            <a:r>
+              <a:rPr lang="en-GB" sz="1600" dirty="0" err="1" smtClean="0"/>
+              <a:t>std</a:t>
+            </a:r>
+            <a:endParaRPr lang="en-GB" sz="1600" dirty="0" smtClean="0"/>
+          </a:p>
+        </p:txBody>
+      </p:sp>
     </p:spTree>
     <p:extLst>
       <p:ext uri="{BB962C8B-B14F-4D97-AF65-F5344CB8AC3E}">
-        <p14:creationId xmlns:p14="http://schemas.microsoft.com/office/powerpoint/2010/main" val="3678282037"/>
+        <p14:creationId xmlns:p14="http://schemas.microsoft.com/office/powerpoint/2010/main" val="973496312"/>
       </p:ext>
     </p:extLst>
   </p:cSld>
   <p:clrMapOvr>
     <a:masterClrMapping/>
   </p:clrMapOvr>
-  <p:timing>
-    <p:tnLst>
-      <p:par>
-        <p:cTn xmlns:p14="http://schemas.microsoft.com/office/powerpoint/2010/main" id="1" dur="indefinite" restart="never" nodeType="tmRoot"/>
-      </p:par>
-    </p:tnLst>
-  </p:timing>
 </p:sld>
 </file>
 

--- a/doc/presentation/MIALab_slides.pptx
+++ b/doc/presentation/MIALab_slides.pptx
@@ -18,7 +18,7 @@
     <p:sldId id="267" r:id="rId6"/>
     <p:sldId id="264" r:id="rId7"/>
     <p:sldId id="277" r:id="rId8"/>
-    <p:sldId id="269" r:id="rId9"/>
+    <p:sldId id="279" r:id="rId9"/>
     <p:sldId id="276" r:id="rId10"/>
     <p:sldId id="275" r:id="rId11"/>
     <p:sldId id="278" r:id="rId12"/>
@@ -2255,15 +2255,15 @@
     <dgm:cxn modelId="{23E886E9-6F93-854D-8E49-53256730F938}" type="presOf" srcId="{21DF6EF0-D91E-9E4B-9986-460823DC5045}" destId="{9E5E12EE-D5E8-4542-AC59-F8121E429374}" srcOrd="0" destOrd="0" presId="urn:microsoft.com/office/officeart/2005/8/layout/process1"/>
     <dgm:cxn modelId="{E8A1E4DA-2FB4-1D48-9932-478E1FBF4DB4}" type="presOf" srcId="{4034D875-3611-EA42-82FF-AD2B3645BAFC}" destId="{3DC39003-611A-C142-A1E8-BEF235D3B548}" srcOrd="1" destOrd="0" presId="urn:microsoft.com/office/officeart/2005/8/layout/process1"/>
     <dgm:cxn modelId="{733D1F15-4B77-E548-BE85-333790347658}" type="presOf" srcId="{759B4923-EC0A-2245-BC47-434B14A80BAC}" destId="{E6F5C078-EDCC-9446-8F48-BFC227829067}" srcOrd="0" destOrd="0" presId="urn:microsoft.com/office/officeart/2005/8/layout/process1"/>
+    <dgm:cxn modelId="{C9330DF4-8B66-DE43-A405-E9C72B0CD738}" type="presOf" srcId="{750D7D06-97ED-7F4A-B0E2-BFC538AFE8EB}" destId="{1815960C-6872-A246-8808-59A04760FC61}" srcOrd="0" destOrd="0" presId="urn:microsoft.com/office/officeart/2005/8/layout/process1"/>
     <dgm:cxn modelId="{4C7AB877-3507-1648-9CFF-F8C6EDDB32B6}" type="presOf" srcId="{E3D0252C-F8F7-1743-BE39-E30A4A7C5D43}" destId="{9AC63E6B-6196-524E-942A-B20DA62C746B}" srcOrd="0" destOrd="0" presId="urn:microsoft.com/office/officeart/2005/8/layout/process1"/>
-    <dgm:cxn modelId="{C9330DF4-8B66-DE43-A405-E9C72B0CD738}" type="presOf" srcId="{750D7D06-97ED-7F4A-B0E2-BFC538AFE8EB}" destId="{1815960C-6872-A246-8808-59A04760FC61}" srcOrd="0" destOrd="0" presId="urn:microsoft.com/office/officeart/2005/8/layout/process1"/>
     <dgm:cxn modelId="{9EFA704F-1A43-F749-AFC1-9589A279E701}" type="presOf" srcId="{DAE8AB90-959C-AC4F-9283-FC7F2719AE83}" destId="{2787077C-9C67-4745-90A8-96CE5C562107}" srcOrd="0" destOrd="0" presId="urn:microsoft.com/office/officeart/2005/8/layout/process1"/>
     <dgm:cxn modelId="{399B9FB1-F983-EE4A-8D5A-03BD9AC9F6B6}" type="presOf" srcId="{0B2795A7-790A-464B-8297-3F9E52A62D31}" destId="{006631A4-CC36-3547-ACE5-A22EC02B1D57}" srcOrd="0" destOrd="0" presId="urn:microsoft.com/office/officeart/2005/8/layout/process1"/>
     <dgm:cxn modelId="{8A1C08B1-4E67-B04D-9B14-A53790E49A96}" type="presOf" srcId="{345B8BCC-2043-2946-80B1-BD82DD91D2E9}" destId="{E584FE79-91FB-8F42-AB7B-543DC3A86354}" srcOrd="1" destOrd="0" presId="urn:microsoft.com/office/officeart/2005/8/layout/process1"/>
     <dgm:cxn modelId="{3B7061CC-1CB2-8748-9A31-AAFE7F8D3F0C}" srcId="{9CCA2703-44A2-5A44-959C-035906E68F15}" destId="{E3D0252C-F8F7-1743-BE39-E30A4A7C5D43}" srcOrd="0" destOrd="0" parTransId="{46FB300F-EAEE-664F-83D9-06C0F50C8137}" sibTransId="{4034D875-3611-EA42-82FF-AD2B3645BAFC}"/>
-    <dgm:cxn modelId="{15832660-C403-E846-85D3-ECBA08F6F436}" srcId="{9CCA2703-44A2-5A44-959C-035906E68F15}" destId="{0B2795A7-790A-464B-8297-3F9E52A62D31}" srcOrd="3" destOrd="0" parTransId="{3A97D5FF-01F9-CE44-BEDD-57808796038D}" sibTransId="{750D7D06-97ED-7F4A-B0E2-BFC538AFE8EB}"/>
     <dgm:cxn modelId="{D29ED75B-E76A-BE48-B2E6-F8DA7E67590E}" type="presOf" srcId="{5CE3F7CE-80AE-C14A-95AF-590F66F2EE21}" destId="{6D574052-F52A-8A43-9AE4-DAC75AEFED79}" srcOrd="1" destOrd="0" presId="urn:microsoft.com/office/officeart/2005/8/layout/process1"/>
     <dgm:cxn modelId="{D94329F9-0EA7-E441-8B70-B92DB2A65B8B}" type="presOf" srcId="{9CCA2703-44A2-5A44-959C-035906E68F15}" destId="{3E78BED2-CF11-8240-96AC-AF6D15847FD6}" srcOrd="0" destOrd="0" presId="urn:microsoft.com/office/officeart/2005/8/layout/process1"/>
+    <dgm:cxn modelId="{15832660-C403-E846-85D3-ECBA08F6F436}" srcId="{9CCA2703-44A2-5A44-959C-035906E68F15}" destId="{0B2795A7-790A-464B-8297-3F9E52A62D31}" srcOrd="3" destOrd="0" parTransId="{3A97D5FF-01F9-CE44-BEDD-57808796038D}" sibTransId="{750D7D06-97ED-7F4A-B0E2-BFC538AFE8EB}"/>
     <dgm:cxn modelId="{66BE52A8-4494-8B4F-9665-E7CA0C73F51C}" type="presOf" srcId="{750D7D06-97ED-7F4A-B0E2-BFC538AFE8EB}" destId="{56AACF5F-B69A-7F42-A81A-F0238B2364BB}" srcOrd="1" destOrd="0" presId="urn:microsoft.com/office/officeart/2005/8/layout/process1"/>
     <dgm:cxn modelId="{2DB19E59-A2D2-B14E-9551-D3C6C108B1B6}" srcId="{9CCA2703-44A2-5A44-959C-035906E68F15}" destId="{759B4923-EC0A-2245-BC47-434B14A80BAC}" srcOrd="5" destOrd="0" parTransId="{0AD2ABB2-A1DA-F24A-AF0B-E5E6E1C59A8D}" sibTransId="{14E3FEA4-69DC-1B4A-A076-21954645F1C8}"/>
     <dgm:cxn modelId="{3C844BDF-64B0-BC4C-A63C-283AEAD1EE50}" type="presOf" srcId="{5CE3F7CE-80AE-C14A-95AF-590F66F2EE21}" destId="{A86CCBF8-0593-3F4D-A838-34AA8333AFB1}" srcOrd="0" destOrd="0" presId="urn:microsoft.com/office/officeart/2005/8/layout/process1"/>
@@ -6508,52 +6508,6 @@
           <a:bodyPr/>
           <a:lstStyle/>
           <a:p>
-            <a:r>
-              <a:rPr lang="en-GB" dirty="0" smtClean="0"/>
-              <a:t>RF:</a:t>
-            </a:r>
-            <a:r>
-              <a:rPr lang="en-GB" baseline="0" dirty="0" smtClean="0"/>
-              <a:t> </a:t>
-            </a:r>
-            <a:r>
-              <a:rPr lang="en-US" dirty="0" err="1" smtClean="0"/>
-              <a:t>num</a:t>
-            </a:r>
-            <a:r>
-              <a:rPr lang="en-US" dirty="0" smtClean="0"/>
-              <a:t>: 20, max: 0.9283, min: 0.7770, mean: 0.8603, median: 0.8573, range: 0.1513, </a:t>
-            </a:r>
-            <a:r>
-              <a:rPr lang="en-US" dirty="0" err="1" smtClean="0"/>
-              <a:t>std</a:t>
-            </a:r>
-            <a:r>
-              <a:rPr lang="en-US" dirty="0" smtClean="0"/>
-              <a:t>: 0.0432</a:t>
-            </a:r>
-          </a:p>
-          <a:p>
-            <a:r>
-              <a:rPr lang="en-US" dirty="0" smtClean="0"/>
-              <a:t>PP: </a:t>
-            </a:r>
-            <a:r>
-              <a:rPr lang="en-US" dirty="0" err="1" smtClean="0"/>
-              <a:t>num</a:t>
-            </a:r>
-            <a:r>
-              <a:rPr lang="en-US" dirty="0" smtClean="0"/>
-              <a:t>: 20, max: 0.9590, min: 0.8495, mean: 0.9108, median: 0.9002, range: 0.1094, </a:t>
-            </a:r>
-            <a:r>
-              <a:rPr lang="en-US" dirty="0" err="1" smtClean="0"/>
-              <a:t>std</a:t>
-            </a:r>
-            <a:r>
-              <a:rPr lang="en-US" dirty="0" smtClean="0"/>
-              <a:t>: 0.0313</a:t>
-            </a:r>
             <a:endParaRPr lang="en-GB" dirty="0"/>
           </a:p>
         </p:txBody>
@@ -6576,6 +6530,364 @@
             <a:fld id="{E5700854-19FB-4351-BFDC-90AAE5F621F4}" type="slidenum">
               <a:rPr lang="de-CH" smtClean="0"/>
               <a:pPr/>
+              <a:t>4</a:t>
+            </a:fld>
+            <a:endParaRPr lang="de-CH"/>
+          </a:p>
+        </p:txBody>
+      </p:sp>
+    </p:spTree>
+    <p:extLst>
+      <p:ext uri="{BB962C8B-B14F-4D97-AF65-F5344CB8AC3E}">
+        <p14:creationId xmlns:p14="http://schemas.microsoft.com/office/powerpoint/2010/main" val="3845328747"/>
+      </p:ext>
+    </p:extLst>
+  </p:cSld>
+  <p:clrMapOvr>
+    <a:masterClrMapping/>
+  </p:clrMapOvr>
+</p:notes>
+</file>
+
+<file path=ppt/notesSlides/notesSlide3.xml><?xml version="1.0" encoding="utf-8"?>
+<p:notes xmlns:a="http://schemas.openxmlformats.org/drawingml/2006/main" xmlns:r="http://schemas.openxmlformats.org/officeDocument/2006/relationships" xmlns:p="http://schemas.openxmlformats.org/presentationml/2006/main">
+  <p:cSld>
+    <p:spTree>
+      <p:nvGrpSpPr>
+        <p:cNvPr id="1" name=""/>
+        <p:cNvGrpSpPr/>
+        <p:nvPr/>
+      </p:nvGrpSpPr>
+      <p:grpSpPr>
+        <a:xfrm>
+          <a:off x="0" y="0"/>
+          <a:ext cx="0" cy="0"/>
+          <a:chOff x="0" y="0"/>
+          <a:chExt cx="0" cy="0"/>
+        </a:xfrm>
+      </p:grpSpPr>
+      <p:sp>
+        <p:nvSpPr>
+          <p:cNvPr id="2" name="Slide Image Placeholder 1"/>
+          <p:cNvSpPr>
+            <a:spLocks noGrp="1" noRot="1" noChangeAspect="1"/>
+          </p:cNvSpPr>
+          <p:nvPr>
+            <p:ph type="sldImg"/>
+          </p:nvPr>
+        </p:nvSpPr>
+        <p:spPr/>
+      </p:sp>
+      <p:sp>
+        <p:nvSpPr>
+          <p:cNvPr id="3" name="Notes Placeholder 2"/>
+          <p:cNvSpPr>
+            <a:spLocks noGrp="1"/>
+          </p:cNvSpPr>
+          <p:nvPr>
+            <p:ph type="body" idx="1"/>
+          </p:nvPr>
+        </p:nvSpPr>
+        <p:spPr/>
+        <p:txBody>
+          <a:bodyPr/>
+          <a:lstStyle/>
+          <a:p>
+            <a:r>
+              <a:rPr lang="en-GB" dirty="0" smtClean="0"/>
+              <a:t>Total 13 features</a:t>
+            </a:r>
+          </a:p>
+          <a:p>
+            <a:r>
+              <a:rPr lang="en-GB" dirty="0" smtClean="0"/>
+              <a:t>Filters are applied</a:t>
+            </a:r>
+            <a:r>
+              <a:rPr lang="en-GB" baseline="0" dirty="0" smtClean="0"/>
+              <a:t> on 2D slides</a:t>
+            </a:r>
+          </a:p>
+          <a:p>
+            <a:r>
+              <a:rPr lang="en-GB" baseline="0" dirty="0" smtClean="0"/>
+              <a:t>Random Forest</a:t>
+            </a:r>
+            <a:endParaRPr lang="en-GB" dirty="0"/>
+          </a:p>
+        </p:txBody>
+      </p:sp>
+      <p:sp>
+        <p:nvSpPr>
+          <p:cNvPr id="4" name="Slide Number Placeholder 3"/>
+          <p:cNvSpPr>
+            <a:spLocks noGrp="1"/>
+          </p:cNvSpPr>
+          <p:nvPr>
+            <p:ph type="sldNum" sz="quarter" idx="10"/>
+          </p:nvPr>
+        </p:nvSpPr>
+        <p:spPr/>
+        <p:txBody>
+          <a:bodyPr/>
+          <a:lstStyle/>
+          <a:p>
+            <a:fld id="{E5700854-19FB-4351-BFDC-90AAE5F621F4}" type="slidenum">
+              <a:rPr lang="de-CH" smtClean="0"/>
+              <a:pPr/>
+              <a:t>5</a:t>
+            </a:fld>
+            <a:endParaRPr lang="de-CH"/>
+          </a:p>
+        </p:txBody>
+      </p:sp>
+    </p:spTree>
+    <p:extLst>
+      <p:ext uri="{BB962C8B-B14F-4D97-AF65-F5344CB8AC3E}">
+        <p14:creationId xmlns:p14="http://schemas.microsoft.com/office/powerpoint/2010/main" val="3862006555"/>
+      </p:ext>
+    </p:extLst>
+  </p:cSld>
+  <p:clrMapOvr>
+    <a:masterClrMapping/>
+  </p:clrMapOvr>
+</p:notes>
+</file>
+
+<file path=ppt/notesSlides/notesSlide4.xml><?xml version="1.0" encoding="utf-8"?>
+<p:notes xmlns:a="http://schemas.openxmlformats.org/drawingml/2006/main" xmlns:r="http://schemas.openxmlformats.org/officeDocument/2006/relationships" xmlns:p="http://schemas.openxmlformats.org/presentationml/2006/main">
+  <p:cSld>
+    <p:spTree>
+      <p:nvGrpSpPr>
+        <p:cNvPr id="1" name=""/>
+        <p:cNvGrpSpPr/>
+        <p:nvPr/>
+      </p:nvGrpSpPr>
+      <p:grpSpPr>
+        <a:xfrm>
+          <a:off x="0" y="0"/>
+          <a:ext cx="0" cy="0"/>
+          <a:chOff x="0" y="0"/>
+          <a:chExt cx="0" cy="0"/>
+        </a:xfrm>
+      </p:grpSpPr>
+      <p:sp>
+        <p:nvSpPr>
+          <p:cNvPr id="2" name="Slide Image Placeholder 1"/>
+          <p:cNvSpPr>
+            <a:spLocks noGrp="1" noRot="1" noChangeAspect="1"/>
+          </p:cNvSpPr>
+          <p:nvPr>
+            <p:ph type="sldImg"/>
+          </p:nvPr>
+        </p:nvSpPr>
+        <p:spPr/>
+      </p:sp>
+      <p:sp>
+        <p:nvSpPr>
+          <p:cNvPr id="3" name="Notes Placeholder 2"/>
+          <p:cNvSpPr>
+            <a:spLocks noGrp="1"/>
+          </p:cNvSpPr>
+          <p:nvPr>
+            <p:ph type="body" idx="1"/>
+          </p:nvPr>
+        </p:nvSpPr>
+        <p:spPr/>
+        <p:txBody>
+          <a:bodyPr/>
+          <a:lstStyle/>
+          <a:p>
+            <a:r>
+              <a:rPr lang="en-GB" dirty="0" smtClean="0"/>
+              <a:t>Opening: erosion, dilatation</a:t>
+            </a:r>
+          </a:p>
+          <a:p>
+            <a:r>
+              <a:rPr lang="en-GB" dirty="0" smtClean="0"/>
+              <a:t>Improvement in every case</a:t>
+            </a:r>
+          </a:p>
+          <a:p>
+            <a:r>
+              <a:rPr lang="en-GB" dirty="0" smtClean="0"/>
+              <a:t>No </a:t>
+            </a:r>
+            <a:r>
+              <a:rPr lang="en-GB" dirty="0" err="1" smtClean="0"/>
+              <a:t>thresholding</a:t>
+            </a:r>
+            <a:r>
+              <a:rPr lang="en-GB" baseline="0" dirty="0" smtClean="0"/>
+              <a:t> (0.5)</a:t>
+            </a:r>
+            <a:endParaRPr lang="en-GB" dirty="0"/>
+          </a:p>
+        </p:txBody>
+      </p:sp>
+      <p:sp>
+        <p:nvSpPr>
+          <p:cNvPr id="4" name="Slide Number Placeholder 3"/>
+          <p:cNvSpPr>
+            <a:spLocks noGrp="1"/>
+          </p:cNvSpPr>
+          <p:nvPr>
+            <p:ph type="sldNum" sz="quarter" idx="10"/>
+          </p:nvPr>
+        </p:nvSpPr>
+        <p:spPr/>
+        <p:txBody>
+          <a:bodyPr/>
+          <a:lstStyle/>
+          <a:p>
+            <a:fld id="{E5700854-19FB-4351-BFDC-90AAE5F621F4}" type="slidenum">
+              <a:rPr lang="de-CH" smtClean="0"/>
+              <a:pPr/>
+              <a:t>6</a:t>
+            </a:fld>
+            <a:endParaRPr lang="de-CH"/>
+          </a:p>
+        </p:txBody>
+      </p:sp>
+    </p:spTree>
+    <p:extLst>
+      <p:ext uri="{BB962C8B-B14F-4D97-AF65-F5344CB8AC3E}">
+        <p14:creationId xmlns:p14="http://schemas.microsoft.com/office/powerpoint/2010/main" val="1752127654"/>
+      </p:ext>
+    </p:extLst>
+  </p:cSld>
+  <p:clrMapOvr>
+    <a:masterClrMapping/>
+  </p:clrMapOvr>
+</p:notes>
+</file>
+
+<file path=ppt/notesSlides/notesSlide5.xml><?xml version="1.0" encoding="utf-8"?>
+<p:notes xmlns:a="http://schemas.openxmlformats.org/drawingml/2006/main" xmlns:r="http://schemas.openxmlformats.org/officeDocument/2006/relationships" xmlns:p="http://schemas.openxmlformats.org/presentationml/2006/main">
+  <p:cSld>
+    <p:spTree>
+      <p:nvGrpSpPr>
+        <p:cNvPr id="1" name=""/>
+        <p:cNvGrpSpPr/>
+        <p:nvPr/>
+      </p:nvGrpSpPr>
+      <p:grpSpPr>
+        <a:xfrm>
+          <a:off x="0" y="0"/>
+          <a:ext cx="0" cy="0"/>
+          <a:chOff x="0" y="0"/>
+          <a:chExt cx="0" cy="0"/>
+        </a:xfrm>
+      </p:grpSpPr>
+      <p:sp>
+        <p:nvSpPr>
+          <p:cNvPr id="2" name="Slide Image Placeholder 1"/>
+          <p:cNvSpPr>
+            <a:spLocks noGrp="1" noRot="1" noChangeAspect="1"/>
+          </p:cNvSpPr>
+          <p:nvPr>
+            <p:ph type="sldImg"/>
+          </p:nvPr>
+        </p:nvSpPr>
+        <p:spPr/>
+      </p:sp>
+      <p:sp>
+        <p:nvSpPr>
+          <p:cNvPr id="3" name="Notes Placeholder 2"/>
+          <p:cNvSpPr>
+            <a:spLocks noGrp="1"/>
+          </p:cNvSpPr>
+          <p:nvPr>
+            <p:ph type="body" idx="1"/>
+          </p:nvPr>
+        </p:nvSpPr>
+        <p:spPr/>
+        <p:txBody>
+          <a:bodyPr/>
+          <a:lstStyle/>
+          <a:p>
+            <a:r>
+              <a:rPr lang="en-GB" dirty="0" smtClean="0"/>
+              <a:t>RF:</a:t>
+            </a:r>
+            <a:r>
+              <a:rPr lang="en-GB" baseline="0" dirty="0" smtClean="0"/>
+              <a:t> </a:t>
+            </a:r>
+            <a:r>
+              <a:rPr lang="en-US" dirty="0" err="1" smtClean="0"/>
+              <a:t>num</a:t>
+            </a:r>
+            <a:r>
+              <a:rPr lang="en-US" dirty="0" smtClean="0"/>
+              <a:t>: 20, max: 0.9283, min: 0.7770, mean: 0.8603, median: 0.8573, range: 0.1513, </a:t>
+            </a:r>
+            <a:r>
+              <a:rPr lang="en-US" dirty="0" err="1" smtClean="0"/>
+              <a:t>std</a:t>
+            </a:r>
+            <a:r>
+              <a:rPr lang="en-US" dirty="0" smtClean="0"/>
+              <a:t>: 0.0432</a:t>
+            </a:r>
+          </a:p>
+          <a:p>
+            <a:r>
+              <a:rPr lang="en-US" dirty="0" smtClean="0"/>
+              <a:t>PP: </a:t>
+            </a:r>
+            <a:r>
+              <a:rPr lang="en-US" dirty="0" err="1" smtClean="0"/>
+              <a:t>num</a:t>
+            </a:r>
+            <a:r>
+              <a:rPr lang="en-US" dirty="0" smtClean="0"/>
+              <a:t>: 20, max: 0.9590, min: 0.8495, mean: 0.9108, median: 0.9002, range: 0.1094, </a:t>
+            </a:r>
+            <a:r>
+              <a:rPr lang="en-US" dirty="0" err="1" smtClean="0"/>
+              <a:t>std</a:t>
+            </a:r>
+            <a:r>
+              <a:rPr lang="en-US" dirty="0" smtClean="0"/>
+              <a:t>: </a:t>
+            </a:r>
+            <a:r>
+              <a:rPr lang="en-US" dirty="0" smtClean="0"/>
+              <a:t>0.0313</a:t>
+            </a:r>
+          </a:p>
+          <a:p>
+            <a:endParaRPr lang="en-US" dirty="0" smtClean="0"/>
+          </a:p>
+          <a:p>
+            <a:r>
+              <a:rPr lang="en-US" dirty="0" smtClean="0"/>
+              <a:t>5 fold cross validation</a:t>
+            </a:r>
+            <a:endParaRPr lang="en-GB" dirty="0"/>
+          </a:p>
+        </p:txBody>
+      </p:sp>
+      <p:sp>
+        <p:nvSpPr>
+          <p:cNvPr id="4" name="Slide Number Placeholder 3"/>
+          <p:cNvSpPr>
+            <a:spLocks noGrp="1"/>
+          </p:cNvSpPr>
+          <p:nvPr>
+            <p:ph type="sldNum" sz="quarter" idx="10"/>
+          </p:nvPr>
+        </p:nvSpPr>
+        <p:spPr/>
+        <p:txBody>
+          <a:bodyPr/>
+          <a:lstStyle/>
+          <a:p>
+            <a:fld id="{E5700854-19FB-4351-BFDC-90AAE5F621F4}" type="slidenum">
+              <a:rPr lang="de-CH" smtClean="0"/>
+              <a:pPr/>
               <a:t>7</a:t>
             </a:fld>
             <a:endParaRPr lang="de-CH"/>
@@ -6586,6 +6898,441 @@
     <p:extLst>
       <p:ext uri="{BB962C8B-B14F-4D97-AF65-F5344CB8AC3E}">
         <p14:creationId xmlns:p14="http://schemas.microsoft.com/office/powerpoint/2010/main" val="2394334540"/>
+      </p:ext>
+    </p:extLst>
+  </p:cSld>
+  <p:clrMapOvr>
+    <a:masterClrMapping/>
+  </p:clrMapOvr>
+</p:notes>
+</file>
+
+<file path=ppt/notesSlides/notesSlide6.xml><?xml version="1.0" encoding="utf-8"?>
+<p:notes xmlns:a="http://schemas.openxmlformats.org/drawingml/2006/main" xmlns:r="http://schemas.openxmlformats.org/officeDocument/2006/relationships" xmlns:p="http://schemas.openxmlformats.org/presentationml/2006/main">
+  <p:cSld>
+    <p:spTree>
+      <p:nvGrpSpPr>
+        <p:cNvPr id="1" name=""/>
+        <p:cNvGrpSpPr/>
+        <p:nvPr/>
+      </p:nvGrpSpPr>
+      <p:grpSpPr>
+        <a:xfrm>
+          <a:off x="0" y="0"/>
+          <a:ext cx="0" cy="0"/>
+          <a:chOff x="0" y="0"/>
+          <a:chExt cx="0" cy="0"/>
+        </a:xfrm>
+      </p:grpSpPr>
+      <p:sp>
+        <p:nvSpPr>
+          <p:cNvPr id="2" name="Slide Image Placeholder 1"/>
+          <p:cNvSpPr>
+            <a:spLocks noGrp="1" noRot="1" noChangeAspect="1"/>
+          </p:cNvSpPr>
+          <p:nvPr>
+            <p:ph type="sldImg"/>
+          </p:nvPr>
+        </p:nvSpPr>
+        <p:spPr/>
+      </p:sp>
+      <p:sp>
+        <p:nvSpPr>
+          <p:cNvPr id="3" name="Notes Placeholder 2"/>
+          <p:cNvSpPr>
+            <a:spLocks noGrp="1"/>
+          </p:cNvSpPr>
+          <p:nvPr>
+            <p:ph type="body" idx="1"/>
+          </p:nvPr>
+        </p:nvSpPr>
+        <p:spPr/>
+        <p:txBody>
+          <a:bodyPr/>
+          <a:lstStyle/>
+          <a:p>
+            <a:pPr marL="0" marR="0" indent="0" algn="l" defTabSz="914400" rtl="0" eaLnBrk="1" fontAlgn="base" latinLnBrk="0" hangingPunct="1">
+              <a:lnSpc>
+                <a:spcPct val="100000"/>
+              </a:lnSpc>
+              <a:spcBef>
+                <a:spcPct val="30000"/>
+              </a:spcBef>
+              <a:spcAft>
+                <a:spcPct val="0"/>
+              </a:spcAft>
+              <a:buClrTx/>
+              <a:buSzTx/>
+              <a:buFontTx/>
+              <a:buNone/>
+              <a:tabLst/>
+              <a:defRPr/>
+            </a:pPr>
+            <a:r>
+              <a:rPr lang="en-GB" dirty="0" smtClean="0"/>
+              <a:t>Dice interpretation: DICE 0.91 with 0.03 </a:t>
+            </a:r>
+            <a:r>
+              <a:rPr lang="en-GB" dirty="0" err="1" smtClean="0"/>
+              <a:t>std</a:t>
+            </a:r>
+            <a:r>
+              <a:rPr lang="en-GB" dirty="0" smtClean="0"/>
+              <a:t>; goal: 0.95 with</a:t>
+            </a:r>
+            <a:r>
+              <a:rPr lang="en-GB" baseline="0" dirty="0" smtClean="0"/>
+              <a:t> 0.05 </a:t>
+            </a:r>
+            <a:r>
+              <a:rPr lang="en-GB" baseline="0" dirty="0" err="1" smtClean="0"/>
+              <a:t>std</a:t>
+            </a:r>
+            <a:endParaRPr lang="en-GB" dirty="0" smtClean="0"/>
+          </a:p>
+          <a:p>
+            <a:pPr marL="0" marR="0" indent="0" algn="l" defTabSz="914400" rtl="0" eaLnBrk="1" fontAlgn="base" latinLnBrk="0" hangingPunct="1">
+              <a:lnSpc>
+                <a:spcPct val="100000"/>
+              </a:lnSpc>
+              <a:spcBef>
+                <a:spcPct val="30000"/>
+              </a:spcBef>
+              <a:spcAft>
+                <a:spcPct val="0"/>
+              </a:spcAft>
+              <a:buClrTx/>
+              <a:buSzTx/>
+              <a:buFontTx/>
+              <a:buNone/>
+              <a:tabLst/>
+              <a:defRPr/>
+            </a:pPr>
+            <a:r>
+              <a:rPr lang="en-GB" dirty="0" smtClean="0"/>
+              <a:t>Slim &amp; Fast, performs on a commercial</a:t>
+            </a:r>
+            <a:r>
+              <a:rPr lang="en-GB" baseline="0" dirty="0" smtClean="0"/>
+              <a:t> laptop </a:t>
+            </a:r>
+            <a:r>
+              <a:rPr lang="en-GB" dirty="0" smtClean="0"/>
+              <a:t>(5MB (tree model), computation</a:t>
+            </a:r>
+            <a:r>
+              <a:rPr lang="en-GB" baseline="0" dirty="0" smtClean="0"/>
+              <a:t> time 2.5 min (whole segmentation)</a:t>
+            </a:r>
+            <a:r>
+              <a:rPr lang="en-GB" dirty="0" smtClean="0"/>
+              <a:t>)</a:t>
+            </a:r>
+          </a:p>
+          <a:p>
+            <a:pPr marL="0" marR="0" indent="0" algn="l" defTabSz="914400" rtl="0" eaLnBrk="1" fontAlgn="base" latinLnBrk="0" hangingPunct="1">
+              <a:lnSpc>
+                <a:spcPct val="100000"/>
+              </a:lnSpc>
+              <a:spcBef>
+                <a:spcPct val="30000"/>
+              </a:spcBef>
+              <a:spcAft>
+                <a:spcPct val="0"/>
+              </a:spcAft>
+              <a:buClrTx/>
+              <a:buSzTx/>
+              <a:buFontTx/>
+              <a:buNone/>
+              <a:tabLst/>
+              <a:defRPr/>
+            </a:pPr>
+            <a:r>
+              <a:rPr lang="en-GB" dirty="0" smtClean="0"/>
+              <a:t>Segmentation is always the Femur</a:t>
+            </a:r>
+          </a:p>
+          <a:p>
+            <a:pPr marL="0" marR="0" indent="0" algn="l" defTabSz="914400" rtl="0" eaLnBrk="1" fontAlgn="base" latinLnBrk="0" hangingPunct="1">
+              <a:lnSpc>
+                <a:spcPct val="100000"/>
+              </a:lnSpc>
+              <a:spcBef>
+                <a:spcPct val="30000"/>
+              </a:spcBef>
+              <a:spcAft>
+                <a:spcPct val="0"/>
+              </a:spcAft>
+              <a:buClrTx/>
+              <a:buSzTx/>
+              <a:buFontTx/>
+              <a:buNone/>
+              <a:tabLst/>
+              <a:defRPr/>
+            </a:pPr>
+            <a:r>
+              <a:rPr lang="en-GB" dirty="0" smtClean="0"/>
+              <a:t>Front part of the bone</a:t>
+            </a:r>
+            <a:r>
+              <a:rPr lang="en-GB" baseline="0" dirty="0" smtClean="0"/>
+              <a:t> is still ‘good’ =&gt; femoral implant</a:t>
+            </a:r>
+            <a:endParaRPr lang="en-GB" dirty="0" smtClean="0"/>
+          </a:p>
+          <a:p>
+            <a:endParaRPr lang="en-GB" dirty="0" smtClean="0"/>
+          </a:p>
+          <a:p>
+            <a:r>
+              <a:rPr lang="en-GB" dirty="0" smtClean="0"/>
+              <a:t>Mean</a:t>
+            </a:r>
+            <a:r>
+              <a:rPr lang="en-GB" baseline="0" dirty="0" smtClean="0"/>
+              <a:t>: 2.5 min +- 0.5 min</a:t>
+            </a:r>
+          </a:p>
+          <a:p>
+            <a:r>
+              <a:rPr lang="en-GB" baseline="0" dirty="0" smtClean="0"/>
+              <a:t>Core 2 duo 1.8 GHz, 6 MB L2 Cash, 4 GB RAM</a:t>
+            </a:r>
+          </a:p>
+          <a:p>
+            <a:endParaRPr lang="en-GB" dirty="0" smtClean="0"/>
+          </a:p>
+          <a:p>
+            <a:endParaRPr lang="en-GB" dirty="0"/>
+          </a:p>
+        </p:txBody>
+      </p:sp>
+      <p:sp>
+        <p:nvSpPr>
+          <p:cNvPr id="4" name="Slide Number Placeholder 3"/>
+          <p:cNvSpPr>
+            <a:spLocks noGrp="1"/>
+          </p:cNvSpPr>
+          <p:nvPr>
+            <p:ph type="sldNum" sz="quarter" idx="10"/>
+          </p:nvPr>
+        </p:nvSpPr>
+        <p:spPr/>
+        <p:txBody>
+          <a:bodyPr/>
+          <a:lstStyle/>
+          <a:p>
+            <a:fld id="{E5700854-19FB-4351-BFDC-90AAE5F621F4}" type="slidenum">
+              <a:rPr lang="de-CH" smtClean="0"/>
+              <a:pPr/>
+              <a:t>8</a:t>
+            </a:fld>
+            <a:endParaRPr lang="de-CH"/>
+          </a:p>
+        </p:txBody>
+      </p:sp>
+    </p:spTree>
+    <p:extLst>
+      <p:ext uri="{BB962C8B-B14F-4D97-AF65-F5344CB8AC3E}">
+        <p14:creationId xmlns:p14="http://schemas.microsoft.com/office/powerpoint/2010/main" val="1146817962"/>
+      </p:ext>
+    </p:extLst>
+  </p:cSld>
+  <p:clrMapOvr>
+    <a:masterClrMapping/>
+  </p:clrMapOvr>
+</p:notes>
+</file>
+
+<file path=ppt/notesSlides/notesSlide7.xml><?xml version="1.0" encoding="utf-8"?>
+<p:notes xmlns:a="http://schemas.openxmlformats.org/drawingml/2006/main" xmlns:r="http://schemas.openxmlformats.org/officeDocument/2006/relationships" xmlns:p="http://schemas.openxmlformats.org/presentationml/2006/main">
+  <p:cSld>
+    <p:spTree>
+      <p:nvGrpSpPr>
+        <p:cNvPr id="1" name=""/>
+        <p:cNvGrpSpPr/>
+        <p:nvPr/>
+      </p:nvGrpSpPr>
+      <p:grpSpPr>
+        <a:xfrm>
+          <a:off x="0" y="0"/>
+          <a:ext cx="0" cy="0"/>
+          <a:chOff x="0" y="0"/>
+          <a:chExt cx="0" cy="0"/>
+        </a:xfrm>
+      </p:grpSpPr>
+      <p:sp>
+        <p:nvSpPr>
+          <p:cNvPr id="2" name="Slide Image Placeholder 1"/>
+          <p:cNvSpPr>
+            <a:spLocks noGrp="1" noRot="1" noChangeAspect="1"/>
+          </p:cNvSpPr>
+          <p:nvPr>
+            <p:ph type="sldImg"/>
+          </p:nvPr>
+        </p:nvSpPr>
+        <p:spPr/>
+      </p:sp>
+      <p:sp>
+        <p:nvSpPr>
+          <p:cNvPr id="3" name="Notes Placeholder 2"/>
+          <p:cNvSpPr>
+            <a:spLocks noGrp="1"/>
+          </p:cNvSpPr>
+          <p:nvPr>
+            <p:ph type="body" idx="1"/>
+          </p:nvPr>
+        </p:nvSpPr>
+        <p:spPr/>
+        <p:txBody>
+          <a:bodyPr/>
+          <a:lstStyle/>
+          <a:p>
+            <a:r>
+              <a:rPr lang="en-GB" dirty="0" smtClean="0"/>
+              <a:t>Prior information: </a:t>
+            </a:r>
+            <a:r>
+              <a:rPr lang="en-GB" dirty="0" err="1" smtClean="0"/>
+              <a:t>eg</a:t>
+            </a:r>
+            <a:r>
+              <a:rPr lang="en-GB" baseline="0" dirty="0" smtClean="0"/>
+              <a:t> </a:t>
+            </a:r>
+            <a:r>
+              <a:rPr lang="en-GB" baseline="0" dirty="0" smtClean="0"/>
+              <a:t>include gender</a:t>
+            </a:r>
+            <a:r>
+              <a:rPr lang="en-GB" baseline="0" dirty="0" smtClean="0"/>
+              <a:t>/</a:t>
+            </a:r>
+            <a:r>
+              <a:rPr lang="en-GB" baseline="0" dirty="0" smtClean="0"/>
+              <a:t>age/weight/height, </a:t>
+            </a:r>
+            <a:r>
+              <a:rPr lang="en-GB" baseline="0" dirty="0" smtClean="0"/>
+              <a:t>ASM</a:t>
+            </a:r>
+            <a:endParaRPr lang="en-GB" dirty="0"/>
+          </a:p>
+        </p:txBody>
+      </p:sp>
+      <p:sp>
+        <p:nvSpPr>
+          <p:cNvPr id="4" name="Slide Number Placeholder 3"/>
+          <p:cNvSpPr>
+            <a:spLocks noGrp="1"/>
+          </p:cNvSpPr>
+          <p:nvPr>
+            <p:ph type="sldNum" sz="quarter" idx="10"/>
+          </p:nvPr>
+        </p:nvSpPr>
+        <p:spPr/>
+        <p:txBody>
+          <a:bodyPr/>
+          <a:lstStyle/>
+          <a:p>
+            <a:fld id="{E5700854-19FB-4351-BFDC-90AAE5F621F4}" type="slidenum">
+              <a:rPr lang="de-CH" smtClean="0"/>
+              <a:pPr/>
+              <a:t>9</a:t>
+            </a:fld>
+            <a:endParaRPr lang="de-CH"/>
+          </a:p>
+        </p:txBody>
+      </p:sp>
+    </p:spTree>
+    <p:extLst>
+      <p:ext uri="{BB962C8B-B14F-4D97-AF65-F5344CB8AC3E}">
+        <p14:creationId xmlns:p14="http://schemas.microsoft.com/office/powerpoint/2010/main" val="3786254435"/>
+      </p:ext>
+    </p:extLst>
+  </p:cSld>
+  <p:clrMapOvr>
+    <a:masterClrMapping/>
+  </p:clrMapOvr>
+</p:notes>
+</file>
+
+<file path=ppt/notesSlides/notesSlide8.xml><?xml version="1.0" encoding="utf-8"?>
+<p:notes xmlns:a="http://schemas.openxmlformats.org/drawingml/2006/main" xmlns:r="http://schemas.openxmlformats.org/officeDocument/2006/relationships" xmlns:p="http://schemas.openxmlformats.org/presentationml/2006/main">
+  <p:cSld>
+    <p:spTree>
+      <p:nvGrpSpPr>
+        <p:cNvPr id="1" name=""/>
+        <p:cNvGrpSpPr/>
+        <p:nvPr/>
+      </p:nvGrpSpPr>
+      <p:grpSpPr>
+        <a:xfrm>
+          <a:off x="0" y="0"/>
+          <a:ext cx="0" cy="0"/>
+          <a:chOff x="0" y="0"/>
+          <a:chExt cx="0" cy="0"/>
+        </a:xfrm>
+      </p:grpSpPr>
+      <p:sp>
+        <p:nvSpPr>
+          <p:cNvPr id="2" name="Slide Image Placeholder 1"/>
+          <p:cNvSpPr>
+            <a:spLocks noGrp="1" noRot="1" noChangeAspect="1"/>
+          </p:cNvSpPr>
+          <p:nvPr>
+            <p:ph type="sldImg"/>
+          </p:nvPr>
+        </p:nvSpPr>
+        <p:spPr/>
+      </p:sp>
+      <p:sp>
+        <p:nvSpPr>
+          <p:cNvPr id="3" name="Notes Placeholder 2"/>
+          <p:cNvSpPr>
+            <a:spLocks noGrp="1"/>
+          </p:cNvSpPr>
+          <p:nvPr>
+            <p:ph type="body" idx="1"/>
+          </p:nvPr>
+        </p:nvSpPr>
+        <p:spPr/>
+        <p:txBody>
+          <a:bodyPr/>
+          <a:lstStyle/>
+          <a:p>
+            <a:endParaRPr lang="en-GB" dirty="0"/>
+          </a:p>
+        </p:txBody>
+      </p:sp>
+      <p:sp>
+        <p:nvSpPr>
+          <p:cNvPr id="4" name="Slide Number Placeholder 3"/>
+          <p:cNvSpPr>
+            <a:spLocks noGrp="1"/>
+          </p:cNvSpPr>
+          <p:nvPr>
+            <p:ph type="sldNum" sz="quarter" idx="10"/>
+          </p:nvPr>
+        </p:nvSpPr>
+        <p:spPr/>
+        <p:txBody>
+          <a:bodyPr/>
+          <a:lstStyle/>
+          <a:p>
+            <a:fld id="{E5700854-19FB-4351-BFDC-90AAE5F621F4}" type="slidenum">
+              <a:rPr lang="de-CH" smtClean="0"/>
+              <a:pPr/>
+              <a:t>12</a:t>
+            </a:fld>
+            <a:endParaRPr lang="de-CH"/>
+          </a:p>
+        </p:txBody>
+      </p:sp>
+    </p:spTree>
+    <p:extLst>
+      <p:ext uri="{BB962C8B-B14F-4D97-AF65-F5344CB8AC3E}">
+        <p14:creationId xmlns:p14="http://schemas.microsoft.com/office/powerpoint/2010/main" val="419665220"/>
       </p:ext>
     </p:extLst>
   </p:cSld>
@@ -10358,23 +11105,32 @@
           </a:lstStyle>
           <a:p>
             <a:r>
-              <a:rPr lang="en-GB" dirty="0" smtClean="0">
-                <a:solidFill>
-                  <a:schemeClr val="bg2"/>
-                </a:solidFill>
-              </a:rPr>
-              <a:t/>
-            </a:r>
-            <a:br>
-              <a:rPr lang="en-GB" dirty="0" smtClean="0">
-                <a:solidFill>
-                  <a:schemeClr val="bg2"/>
-                </a:solidFill>
-              </a:rPr>
-            </a:br>
-            <a:r>
-              <a:rPr lang="en-GB" sz="2800" dirty="0" smtClean="0"/>
-              <a:t>Automatic Femur Segmentation for Femoral Implant Design</a:t>
+              <a:rPr lang="en-GB" sz="2400" dirty="0" smtClean="0"/>
+              <a:t>Personalized Femoral Implant </a:t>
+            </a:r>
+            <a:r>
+              <a:rPr lang="en-GB" sz="2400" dirty="0"/>
+              <a:t>P</a:t>
+            </a:r>
+            <a:r>
+              <a:rPr lang="en-GB" sz="2400" dirty="0" smtClean="0"/>
+              <a:t>lanning by Automatic </a:t>
+            </a:r>
+            <a:r>
+              <a:rPr lang="en-GB" sz="2400" dirty="0"/>
+              <a:t>F</a:t>
+            </a:r>
+            <a:r>
+              <a:rPr lang="en-GB" sz="2400" dirty="0" smtClean="0"/>
+              <a:t>emur </a:t>
+            </a:r>
+            <a:r>
+              <a:rPr lang="en-GB" sz="2400" dirty="0"/>
+              <a:t>S</a:t>
+            </a:r>
+            <a:r>
+              <a:rPr lang="en-GB" sz="2400" dirty="0" smtClean="0"/>
+              <a:t>egmentation</a:t>
             </a:r>
             <a:endParaRPr lang="en-GB" sz="2400" dirty="0"/>
           </a:p>
@@ -10745,6 +11501,13 @@
   <p:clrMapOvr>
     <a:masterClrMapping/>
   </p:clrMapOvr>
+  <p:timing>
+    <p:tnLst>
+      <p:par>
+        <p:cTn xmlns:p14="http://schemas.microsoft.com/office/powerpoint/2010/main" id="1" dur="indefinite" restart="never" nodeType="tmRoot"/>
+      </p:par>
+    </p:tnLst>
+  </p:timing>
 </p:sld>
 </file>
 
@@ -10847,6 +11610,13 @@
   <p:clrMapOvr>
     <a:masterClrMapping/>
   </p:clrMapOvr>
+  <p:timing>
+    <p:tnLst>
+      <p:par>
+        <p:cTn xmlns:p14="http://schemas.microsoft.com/office/powerpoint/2010/main" id="1" dur="indefinite" restart="never" nodeType="tmRoot"/>
+      </p:par>
+    </p:tnLst>
+  </p:timing>
 </p:sld>
 </file>
 
@@ -10884,7 +11654,7 @@
           <a:p>
             <a:r>
               <a:rPr lang="en-GB" dirty="0" smtClean="0"/>
-              <a:t>Tested but was not good…</a:t>
+              <a:t>Random Forest</a:t>
             </a:r>
             <a:endParaRPr lang="en-GB" dirty="0"/>
           </a:p>
@@ -10907,32 +11677,39 @@
           <a:p>
             <a:r>
               <a:rPr lang="en-GB" dirty="0" smtClean="0"/>
-              <a:t>ASM</a:t>
+              <a:t>15 Trees</a:t>
             </a:r>
           </a:p>
           <a:p>
             <a:r>
               <a:rPr lang="en-GB" dirty="0" smtClean="0"/>
-              <a:t>3D filter for features</a:t>
+              <a:t>Leaf size of 1</a:t>
             </a:r>
           </a:p>
           <a:p>
             <a:r>
               <a:rPr lang="en-GB" dirty="0" smtClean="0"/>
-              <a:t>Histogram bins as features</a:t>
-            </a:r>
-          </a:p>
-          <a:p>
-            <a:r>
-              <a:rPr lang="en-GB" dirty="0" err="1" smtClean="0"/>
-              <a:t>Skewness</a:t>
-            </a:r>
+              <a:t>Trained on 15 volumes</a:t>
+            </a:r>
+          </a:p>
+          <a:p>
             <a:r>
               <a:rPr lang="en-GB" dirty="0" smtClean="0"/>
-              <a:t> as features</a:t>
-            </a:r>
-          </a:p>
-          <a:p>
+              <a:t>1% Sample proportion</a:t>
+            </a:r>
+            <a:endParaRPr lang="en-GB" dirty="0" smtClean="0"/>
+          </a:p>
+          <a:p>
+            <a:r>
+              <a:rPr lang="en-GB" dirty="0" smtClean="0"/>
+              <a:t>13 Features</a:t>
+            </a:r>
+          </a:p>
+          <a:p>
+            <a:r>
+              <a:rPr lang="en-GB" dirty="0" smtClean="0"/>
+              <a:t>~ 5 MB</a:t>
+            </a:r>
             <a:endParaRPr lang="en-GB" dirty="0"/>
           </a:p>
         </p:txBody>
@@ -10971,6 +11748,13 @@
   <p:clrMapOvr>
     <a:masterClrMapping/>
   </p:clrMapOvr>
+  <p:timing>
+    <p:tnLst>
+      <p:par>
+        <p:cTn xmlns:p14="http://schemas.microsoft.com/office/powerpoint/2010/main" id="1" dur="indefinite" restart="never" nodeType="tmRoot"/>
+      </p:par>
+    </p:tnLst>
+  </p:timing>
 </p:sld>
 </file>
 
@@ -11345,11 +12129,19 @@
             </a:r>
             <a:r>
               <a:rPr lang="en-GB" dirty="0" smtClean="0"/>
-              <a:t>DICE 0.95 </a:t>
+              <a:t>DICE </a:t>
             </a:r>
             <a:r>
               <a:rPr lang="en-GB" dirty="0" smtClean="0"/>
-              <a:t>with 0.05 </a:t>
+              <a:t>0.95 </a:t>
+            </a:r>
+            <a:r>
+              <a:rPr lang="en-GB" dirty="0" smtClean="0"/>
+              <a:t>with </a:t>
+            </a:r>
+            <a:r>
+              <a:rPr lang="en-GB" dirty="0" smtClean="0"/>
+              <a:t>0.05 </a:t>
             </a:r>
             <a:r>
               <a:rPr lang="en-GB" dirty="0" err="1" smtClean="0"/>
@@ -11623,7 +12415,7 @@
           </p:nvPr>
         </p:nvPicPr>
         <p:blipFill>
-          <a:blip r:embed="rId3">
+          <a:blip r:embed="rId4">
             <a:extLst>
               <a:ext uri="{28A0092B-C50C-407E-A947-70E740481C1C}">
                 <a14:useLocalDpi xmlns:a14="http://schemas.microsoft.com/office/drawing/2010/main" val="0"/>
@@ -11688,12 +12480,12 @@
           <a:graphicData uri="http://schemas.openxmlformats.org/presentationml/2006/ole">
             <mc:AlternateContent xmlns:mc="http://schemas.openxmlformats.org/markup-compatibility/2006">
               <mc:Choice xmlns:v="urn:schemas-microsoft-com:vml" Requires="v">
-                <p:oleObj spid="_x0000_s2129" name="Equation" r:id="rId4" imgW="660400" imgH="393700" progId="Equation.3">
+                <p:oleObj spid="_x0000_s2188" name="Equation" r:id="rId5" imgW="660400" imgH="393700" progId="Equation.3">
                   <p:embed/>
                 </p:oleObj>
               </mc:Choice>
               <mc:Fallback>
-                <p:oleObj name="Equation" r:id="rId4" imgW="660400" imgH="393700" progId="Equation.3">
+                <p:oleObj name="Equation" r:id="rId5" imgW="660400" imgH="393700" progId="Equation.3">
                   <p:embed/>
                   <p:pic>
                     <p:nvPicPr>
@@ -11702,7 +12494,7 @@
                       <p:nvPr/>
                     </p:nvPicPr>
                     <p:blipFill>
-                      <a:blip r:embed="rId5"/>
+                      <a:blip r:embed="rId6"/>
                       <a:stretch>
                         <a:fillRect/>
                       </a:stretch>
@@ -11806,7 +12598,21 @@
           <a:lstStyle/>
           <a:p>
             <a:r>
+              <a:rPr lang="en-GB" sz="2200" dirty="0" smtClean="0"/>
+              <a:t>Relative </a:t>
+            </a:r>
+            <a:r>
               <a:rPr lang="en-GB" sz="2200" dirty="0"/>
+              <a:t>position (3D</a:t>
+            </a:r>
+            <a:r>
+              <a:rPr lang="en-GB" sz="2200" dirty="0" smtClean="0"/>
+              <a:t>)</a:t>
+            </a:r>
+          </a:p>
+          <a:p>
+            <a:r>
+              <a:rPr lang="en-GB" sz="2200" dirty="0" smtClean="0"/>
               <a:t>Standard </a:t>
             </a:r>
             <a:r>
@@ -11820,12 +12626,6 @@
               <a:t>Entropy</a:t>
             </a:r>
             <a:endParaRPr lang="en-GB" sz="2200" dirty="0"/>
-          </a:p>
-          <a:p>
-            <a:r>
-              <a:rPr lang="en-GB" sz="2200" dirty="0"/>
-              <a:t>Relative position (3D)</a:t>
-            </a:r>
           </a:p>
           <a:p>
             <a:r>
@@ -11909,7 +12709,7 @@
           </p:nvPr>
         </p:nvPicPr>
         <p:blipFill>
-          <a:blip r:embed="rId2">
+          <a:blip r:embed="rId3">
             <a:extLst>
               <a:ext uri="{28A0092B-C50C-407E-A947-70E740481C1C}">
                 <a14:useLocalDpi xmlns:a14="http://schemas.microsoft.com/office/drawing/2010/main" val="0"/>
@@ -11993,7 +12793,7 @@
           <p:nvPr/>
         </p:nvPicPr>
         <p:blipFill>
-          <a:blip r:embed="rId2">
+          <a:blip r:embed="rId3">
             <a:extLst>
               <a:ext uri="{28A0092B-C50C-407E-A947-70E740481C1C}">
                 <a14:useLocalDpi xmlns:a14="http://schemas.microsoft.com/office/drawing/2010/main" val="0"/>
@@ -12024,7 +12824,7 @@
           <p:nvPr/>
         </p:nvPicPr>
         <p:blipFill>
-          <a:blip r:embed="rId3">
+          <a:blip r:embed="rId4">
             <a:extLst>
               <a:ext uri="{28A0092B-C50C-407E-A947-70E740481C1C}">
                 <a14:useLocalDpi xmlns:a14="http://schemas.microsoft.com/office/drawing/2010/main" val="0"/>
@@ -12768,6 +13568,13 @@
   <p:clrMapOvr>
     <a:masterClrMapping/>
   </p:clrMapOvr>
+  <p:timing>
+    <p:tnLst>
+      <p:par>
+        <p:cTn xmlns:p14="http://schemas.microsoft.com/office/powerpoint/2010/main" id="1" dur="indefinite" restart="never" nodeType="tmRoot"/>
+      </p:par>
+    </p:tnLst>
+  </p:timing>
 </p:sld>
 </file>
 
@@ -12811,49 +13618,34 @@
           </a:p>
         </p:txBody>
       </p:sp>
+      <p:pic>
+        <p:nvPicPr>
+          <p:cNvPr id="8" name="Content Placeholder 7" descr="vr021.pdf"/>
+          <p:cNvPicPr>
+            <a:picLocks noGrp="1" noChangeAspect="1"/>
+          </p:cNvPicPr>
+          <p:nvPr>
+            <p:ph sz="half" idx="2"/>
+          </p:nvPr>
+        </p:nvPicPr>
+        <p:blipFill>
+          <a:blip r:embed="rId3">
+            <a:extLst>
+              <a:ext uri="{28A0092B-C50C-407E-A947-70E740481C1C}">
+                <a14:useLocalDpi xmlns:a14="http://schemas.microsoft.com/office/drawing/2010/main" val="0"/>
+              </a:ext>
+            </a:extLst>
+          </a:blip>
+          <a:srcRect l="17039" r="17039"/>
+          <a:stretch>
+            <a:fillRect/>
+          </a:stretch>
+        </p:blipFill>
+        <p:spPr/>
+      </p:pic>
       <p:sp>
         <p:nvSpPr>
-          <p:cNvPr id="3" name="Content Placeholder 2"/>
-          <p:cNvSpPr>
-            <a:spLocks noGrp="1"/>
-          </p:cNvSpPr>
-          <p:nvPr>
-            <p:ph idx="1"/>
-          </p:nvPr>
-        </p:nvSpPr>
-        <p:spPr/>
-        <p:txBody>
-          <a:bodyPr/>
-          <a:lstStyle/>
-          <a:p>
-            <a:r>
-              <a:rPr lang="en-GB" dirty="0" smtClean="0"/>
-              <a:t>Slim &amp; Fast</a:t>
-            </a:r>
-          </a:p>
-          <a:p>
-            <a:r>
-              <a:rPr lang="en-GB" dirty="0" smtClean="0"/>
-              <a:t>Best / Worst case</a:t>
-            </a:r>
-          </a:p>
-          <a:p>
-            <a:r>
-              <a:rPr lang="en-GB" dirty="0" smtClean="0"/>
-              <a:t>Segmentation is always the Femur</a:t>
-            </a:r>
-          </a:p>
-          <a:p>
-            <a:r>
-              <a:rPr lang="en-GB" dirty="0" smtClean="0"/>
-              <a:t>Dice interpretation</a:t>
-            </a:r>
-          </a:p>
-        </p:txBody>
-      </p:sp>
-      <p:sp>
-        <p:nvSpPr>
-          <p:cNvPr id="4" name="Slide Number Placeholder 3"/>
+          <p:cNvPr id="5" name="Slide Number Placeholder 4"/>
           <p:cNvSpPr>
             <a:spLocks noGrp="1"/>
           </p:cNvSpPr>
@@ -12866,7 +13658,7 @@
           <a:bodyPr/>
           <a:lstStyle/>
           <a:p>
-            <a:fld id="{BE3D9CA7-554C-46EC-BEAB-CB2090EEB6FF}" type="slidenum">
+            <a:fld id="{419860F2-A4DD-4A2C-A31D-58D998B2B5CE}" type="slidenum">
               <a:rPr lang="de-CH" smtClean="0"/>
               <a:pPr/>
               <a:t>8</a:t>
@@ -12875,10 +13667,284 @@
           </a:p>
         </p:txBody>
       </p:sp>
+      <p:pic>
+        <p:nvPicPr>
+          <p:cNvPr id="11" name="Content Placeholder 10" descr="vr029.pdf"/>
+          <p:cNvPicPr>
+            <a:picLocks noGrp="1" noChangeAspect="1"/>
+          </p:cNvPicPr>
+          <p:nvPr>
+            <p:ph sz="half" idx="1"/>
+          </p:nvPr>
+        </p:nvPicPr>
+        <p:blipFill>
+          <a:blip r:embed="rId4">
+            <a:extLst>
+              <a:ext uri="{28A0092B-C50C-407E-A947-70E740481C1C}">
+                <a14:useLocalDpi xmlns:a14="http://schemas.microsoft.com/office/drawing/2010/main" val="0"/>
+              </a:ext>
+            </a:extLst>
+          </a:blip>
+          <a:srcRect l="17039" r="17039"/>
+          <a:stretch>
+            <a:fillRect/>
+          </a:stretch>
+        </p:blipFill>
+        <p:spPr/>
+      </p:pic>
+      <p:sp>
+        <p:nvSpPr>
+          <p:cNvPr id="12" name="Content Placeholder 2"/>
+          <p:cNvSpPr txBox="1">
+            <a:spLocks/>
+          </p:cNvSpPr>
+          <p:nvPr/>
+        </p:nvSpPr>
+        <p:spPr bwMode="auto">
+          <a:xfrm>
+            <a:off x="533400" y="1676400"/>
+            <a:ext cx="8061325" cy="4498975"/>
+          </a:xfrm>
+          <a:prstGeom prst="rect">
+            <a:avLst/>
+          </a:prstGeom>
+          <a:noFill/>
+          <a:ln w="9525">
+            <a:noFill/>
+            <a:miter lim="800000"/>
+            <a:headEnd/>
+            <a:tailEnd/>
+          </a:ln>
+          <a:effectLst/>
+        </p:spPr>
+        <p:txBody>
+          <a:bodyPr vert="horz" wrap="square" lIns="0" tIns="0" rIns="0" bIns="0" numCol="1" anchor="t" anchorCtr="0" compatLnSpc="1">
+            <a:prstTxWarp prst="textNoShape">
+              <a:avLst/>
+            </a:prstTxWarp>
+          </a:bodyPr>
+          <a:lstStyle>
+            <a:lvl1pPr marL="419100" indent="-419100" algn="l" rtl="0" eaLnBrk="1" fontAlgn="base" hangingPunct="1">
+              <a:lnSpc>
+                <a:spcPct val="95000"/>
+              </a:lnSpc>
+              <a:spcBef>
+                <a:spcPct val="20000"/>
+              </a:spcBef>
+              <a:spcAft>
+                <a:spcPct val="0"/>
+              </a:spcAft>
+              <a:buClr>
+                <a:schemeClr val="hlink"/>
+              </a:buClr>
+              <a:buSzPct val="85000"/>
+              <a:buFont typeface="Arial" pitchFamily="39" charset="0"/>
+              <a:buChar char="&gt;"/>
+              <a:defRPr sz="2800">
+                <a:solidFill>
+                  <a:srgbClr val="333333"/>
+                </a:solidFill>
+                <a:latin typeface="+mn-lt"/>
+                <a:ea typeface="+mn-ea"/>
+                <a:cs typeface="+mn-cs"/>
+              </a:defRPr>
+            </a:lvl1pPr>
+            <a:lvl2pPr marL="838200" indent="-381000" algn="l" rtl="0" eaLnBrk="1" fontAlgn="base" hangingPunct="1">
+              <a:lnSpc>
+                <a:spcPct val="95000"/>
+              </a:lnSpc>
+              <a:spcBef>
+                <a:spcPct val="20000"/>
+              </a:spcBef>
+              <a:spcAft>
+                <a:spcPct val="0"/>
+              </a:spcAft>
+              <a:buFont typeface="Arial" pitchFamily="39" charset="0"/>
+              <a:buChar char="—"/>
+              <a:defRPr sz="2400">
+                <a:solidFill>
+                  <a:srgbClr val="333333"/>
+                </a:solidFill>
+                <a:latin typeface="+mn-lt"/>
+                <a:ea typeface="ＭＳ Ｐゴシック" pitchFamily="39" charset="-128"/>
+              </a:defRPr>
+            </a:lvl2pPr>
+            <a:lvl3pPr marL="1295400" indent="-381000" algn="l" rtl="0" eaLnBrk="1" fontAlgn="base" hangingPunct="1">
+              <a:lnSpc>
+                <a:spcPct val="95000"/>
+              </a:lnSpc>
+              <a:spcBef>
+                <a:spcPct val="20000"/>
+              </a:spcBef>
+              <a:spcAft>
+                <a:spcPct val="0"/>
+              </a:spcAft>
+              <a:buSzPct val="85000"/>
+              <a:buFont typeface="Arial" pitchFamily="39" charset="0"/>
+              <a:buChar char="–"/>
+              <a:defRPr sz="2000">
+                <a:solidFill>
+                  <a:srgbClr val="333333"/>
+                </a:solidFill>
+                <a:latin typeface="+mn-lt"/>
+                <a:ea typeface="ＭＳ Ｐゴシック" pitchFamily="39" charset="-128"/>
+              </a:defRPr>
+            </a:lvl3pPr>
+            <a:lvl4pPr marL="1714500" indent="-381000" algn="l" rtl="0" eaLnBrk="1" fontAlgn="base" hangingPunct="1">
+              <a:lnSpc>
+                <a:spcPct val="95000"/>
+              </a:lnSpc>
+              <a:spcBef>
+                <a:spcPct val="20000"/>
+              </a:spcBef>
+              <a:spcAft>
+                <a:spcPct val="0"/>
+              </a:spcAft>
+              <a:buSzPct val="85000"/>
+              <a:buFont typeface="Arial" pitchFamily="39" charset="0"/>
+              <a:buChar char="–"/>
+              <a:defRPr sz="1800">
+                <a:solidFill>
+                  <a:srgbClr val="333333"/>
+                </a:solidFill>
+                <a:latin typeface="+mn-lt"/>
+                <a:ea typeface="ＭＳ Ｐゴシック" pitchFamily="39" charset="-128"/>
+              </a:defRPr>
+            </a:lvl4pPr>
+            <a:lvl5pPr marL="2133600" indent="-381000" algn="l" rtl="0" eaLnBrk="1" fontAlgn="base" hangingPunct="1">
+              <a:lnSpc>
+                <a:spcPct val="95000"/>
+              </a:lnSpc>
+              <a:spcBef>
+                <a:spcPct val="20000"/>
+              </a:spcBef>
+              <a:spcAft>
+                <a:spcPct val="0"/>
+              </a:spcAft>
+              <a:buClr>
+                <a:schemeClr val="tx1"/>
+              </a:buClr>
+              <a:buSzPct val="85000"/>
+              <a:buFont typeface="Arial" pitchFamily="39" charset="0"/>
+              <a:buChar char="–"/>
+              <a:defRPr sz="1800">
+                <a:solidFill>
+                  <a:srgbClr val="333333"/>
+                </a:solidFill>
+                <a:latin typeface="+mn-lt"/>
+                <a:ea typeface="ＭＳ Ｐゴシック" pitchFamily="39" charset="-128"/>
+              </a:defRPr>
+            </a:lvl5pPr>
+            <a:lvl6pPr marL="2590800" indent="-381000" algn="l" rtl="0" eaLnBrk="1" fontAlgn="base" hangingPunct="1">
+              <a:lnSpc>
+                <a:spcPct val="95000"/>
+              </a:lnSpc>
+              <a:spcBef>
+                <a:spcPct val="20000"/>
+              </a:spcBef>
+              <a:spcAft>
+                <a:spcPct val="0"/>
+              </a:spcAft>
+              <a:buClr>
+                <a:schemeClr val="tx1"/>
+              </a:buClr>
+              <a:buSzPct val="85000"/>
+              <a:buFont typeface="Arial" pitchFamily="39" charset="0"/>
+              <a:buChar char="–"/>
+              <a:defRPr sz="1800">
+                <a:solidFill>
+                  <a:srgbClr val="333333"/>
+                </a:solidFill>
+                <a:latin typeface="+mn-lt"/>
+                <a:ea typeface="ＭＳ Ｐゴシック" pitchFamily="39" charset="-128"/>
+              </a:defRPr>
+            </a:lvl6pPr>
+            <a:lvl7pPr marL="3048000" indent="-381000" algn="l" rtl="0" eaLnBrk="1" fontAlgn="base" hangingPunct="1">
+              <a:lnSpc>
+                <a:spcPct val="95000"/>
+              </a:lnSpc>
+              <a:spcBef>
+                <a:spcPct val="20000"/>
+              </a:spcBef>
+              <a:spcAft>
+                <a:spcPct val="0"/>
+              </a:spcAft>
+              <a:buClr>
+                <a:schemeClr val="tx1"/>
+              </a:buClr>
+              <a:buSzPct val="85000"/>
+              <a:buFont typeface="Arial" pitchFamily="39" charset="0"/>
+              <a:buChar char="–"/>
+              <a:defRPr sz="1800">
+                <a:solidFill>
+                  <a:srgbClr val="333333"/>
+                </a:solidFill>
+                <a:latin typeface="+mn-lt"/>
+                <a:ea typeface="ＭＳ Ｐゴシック" pitchFamily="39" charset="-128"/>
+              </a:defRPr>
+            </a:lvl7pPr>
+            <a:lvl8pPr marL="3505200" indent="-381000" algn="l" rtl="0" eaLnBrk="1" fontAlgn="base" hangingPunct="1">
+              <a:lnSpc>
+                <a:spcPct val="95000"/>
+              </a:lnSpc>
+              <a:spcBef>
+                <a:spcPct val="20000"/>
+              </a:spcBef>
+              <a:spcAft>
+                <a:spcPct val="0"/>
+              </a:spcAft>
+              <a:buClr>
+                <a:schemeClr val="tx1"/>
+              </a:buClr>
+              <a:buSzPct val="85000"/>
+              <a:buFont typeface="Arial" pitchFamily="39" charset="0"/>
+              <a:buChar char="–"/>
+              <a:defRPr sz="1800">
+                <a:solidFill>
+                  <a:srgbClr val="333333"/>
+                </a:solidFill>
+                <a:latin typeface="+mn-lt"/>
+                <a:ea typeface="ＭＳ Ｐゴシック" pitchFamily="39" charset="-128"/>
+              </a:defRPr>
+            </a:lvl8pPr>
+            <a:lvl9pPr marL="3962400" indent="-381000" algn="l" rtl="0" eaLnBrk="1" fontAlgn="base" hangingPunct="1">
+              <a:lnSpc>
+                <a:spcPct val="95000"/>
+              </a:lnSpc>
+              <a:spcBef>
+                <a:spcPct val="20000"/>
+              </a:spcBef>
+              <a:spcAft>
+                <a:spcPct val="0"/>
+              </a:spcAft>
+              <a:buClr>
+                <a:schemeClr val="tx1"/>
+              </a:buClr>
+              <a:buSzPct val="85000"/>
+              <a:buFont typeface="Arial" pitchFamily="39" charset="0"/>
+              <a:buChar char="–"/>
+              <a:defRPr sz="1800">
+                <a:solidFill>
+                  <a:srgbClr val="333333"/>
+                </a:solidFill>
+                <a:latin typeface="+mn-lt"/>
+                <a:ea typeface="ＭＳ Ｐゴシック" pitchFamily="39" charset="-128"/>
+              </a:defRPr>
+            </a:lvl9pPr>
+          </a:lstStyle>
+          <a:p>
+            <a:r>
+              <a:rPr lang="en-GB" dirty="0" smtClean="0"/>
+              <a:t>Objective best and worst case:</a:t>
+            </a:r>
+            <a:endParaRPr lang="en-GB" dirty="0"/>
+          </a:p>
+        </p:txBody>
+      </p:sp>
     </p:spTree>
     <p:extLst>
       <p:ext uri="{BB962C8B-B14F-4D97-AF65-F5344CB8AC3E}">
-        <p14:creationId xmlns:p14="http://schemas.microsoft.com/office/powerpoint/2010/main" val="1282545250"/>
+        <p14:creationId xmlns:p14="http://schemas.microsoft.com/office/powerpoint/2010/main" val="1155543683"/>
       </p:ext>
     </p:extLst>
   </p:cSld>
@@ -13004,6 +14070,13 @@
   <p:clrMapOvr>
     <a:masterClrMapping/>
   </p:clrMapOvr>
+  <p:timing>
+    <p:tnLst>
+      <p:par>
+        <p:cTn xmlns:p14="http://schemas.microsoft.com/office/powerpoint/2010/main" id="1" dur="indefinite" restart="never" nodeType="tmRoot"/>
+      </p:par>
+    </p:tnLst>
+  </p:timing>
 </p:sld>
 </file>
 

--- a/doc/presentation/MIALab_slides.pptx
+++ b/doc/presentation/MIALab_slides.pptx
@@ -2269,8 +2269,8 @@
     <dgm:cxn modelId="{3C844BDF-64B0-BC4C-A63C-283AEAD1EE50}" type="presOf" srcId="{5CE3F7CE-80AE-C14A-95AF-590F66F2EE21}" destId="{A86CCBF8-0593-3F4D-A838-34AA8333AFB1}" srcOrd="0" destOrd="0" presId="urn:microsoft.com/office/officeart/2005/8/layout/process1"/>
     <dgm:cxn modelId="{9181D3C6-6BF4-5747-B45D-CBD66B5D2B9D}" type="presOf" srcId="{0FFA8D19-4676-CA4A-989D-0E6C36B7C3D8}" destId="{AA3E99BC-A267-BC46-A095-2A7C17946751}" srcOrd="0" destOrd="0" presId="urn:microsoft.com/office/officeart/2005/8/layout/process1"/>
     <dgm:cxn modelId="{61252B13-6177-DD4C-9CCE-3007E31DEA52}" srcId="{9CCA2703-44A2-5A44-959C-035906E68F15}" destId="{F2279908-6040-084B-BD68-75B31C9DA707}" srcOrd="2" destOrd="0" parTransId="{6E7AE9DC-7E91-DD4E-86E5-148EAE2399EE}" sibTransId="{345B8BCC-2043-2946-80B1-BD82DD91D2E9}"/>
+    <dgm:cxn modelId="{D9895593-4582-914C-A029-B815E763FEE6}" type="presOf" srcId="{345B8BCC-2043-2946-80B1-BD82DD91D2E9}" destId="{AEA76E44-30A9-6D4F-8927-0293872098EF}" srcOrd="0" destOrd="0" presId="urn:microsoft.com/office/officeart/2005/8/layout/process1"/>
     <dgm:cxn modelId="{4D826D5C-8669-1D47-88B8-B76FC9F17D63}" type="presOf" srcId="{21DF6EF0-D91E-9E4B-9986-460823DC5045}" destId="{CFAA8E65-33A6-3542-8550-88C7C887156A}" srcOrd="1" destOrd="0" presId="urn:microsoft.com/office/officeart/2005/8/layout/process1"/>
-    <dgm:cxn modelId="{D9895593-4582-914C-A029-B815E763FEE6}" type="presOf" srcId="{345B8BCC-2043-2946-80B1-BD82DD91D2E9}" destId="{AEA76E44-30A9-6D4F-8927-0293872098EF}" srcOrd="0" destOrd="0" presId="urn:microsoft.com/office/officeart/2005/8/layout/process1"/>
     <dgm:cxn modelId="{361F0EF5-9784-9944-A10D-49184C263BD8}" srcId="{9CCA2703-44A2-5A44-959C-035906E68F15}" destId="{DAE8AB90-959C-AC4F-9283-FC7F2719AE83}" srcOrd="1" destOrd="0" parTransId="{A45D1FEC-9ACE-D949-94A4-AC6459CC04D5}" sibTransId="{21DF6EF0-D91E-9E4B-9986-460823DC5045}"/>
     <dgm:cxn modelId="{616B9E3B-2073-2149-9C23-AB162E296D7C}" type="presParOf" srcId="{3E78BED2-CF11-8240-96AC-AF6D15847FD6}" destId="{9AC63E6B-6196-524E-942A-B20DA62C746B}" srcOrd="0" destOrd="0" presId="urn:microsoft.com/office/officeart/2005/8/layout/process1"/>
     <dgm:cxn modelId="{1F320010-8BE2-5245-B6B9-8242DB432A26}" type="presParOf" srcId="{3E78BED2-CF11-8240-96AC-AF6D15847FD6}" destId="{BA0BEDE7-D2D8-0745-A736-37E6DBBBCF78}" srcOrd="1" destOrd="0" presId="urn:microsoft.com/office/officeart/2005/8/layout/process1"/>
@@ -6706,12 +6706,6 @@
           <a:p>
             <a:r>
               <a:rPr lang="en-GB" dirty="0" smtClean="0"/>
-              <a:t>Improvement in every case</a:t>
-            </a:r>
-          </a:p>
-          <a:p>
-            <a:r>
-              <a:rPr lang="en-GB" dirty="0" smtClean="0"/>
               <a:t>No </a:t>
             </a:r>
             <a:r>
@@ -6808,6 +6802,55 @@
           <a:lstStyle/>
           <a:p>
             <a:r>
+              <a:rPr lang="en-US" dirty="0" smtClean="0"/>
+              <a:t>5 fold cross validation</a:t>
+            </a:r>
+          </a:p>
+          <a:p>
+            <a:pPr marL="0" marR="0" indent="0" algn="l" defTabSz="914400" rtl="0" eaLnBrk="1" fontAlgn="base" latinLnBrk="0" hangingPunct="1">
+              <a:lnSpc>
+                <a:spcPct val="100000"/>
+              </a:lnSpc>
+              <a:spcBef>
+                <a:spcPct val="30000"/>
+              </a:spcBef>
+              <a:spcAft>
+                <a:spcPct val="0"/>
+              </a:spcAft>
+              <a:buClrTx/>
+              <a:buSzTx/>
+              <a:buFontTx/>
+              <a:buNone/>
+              <a:tabLst/>
+              <a:defRPr/>
+            </a:pPr>
+            <a:r>
+              <a:rPr lang="en-GB" dirty="0" smtClean="0"/>
+              <a:t>Dice interpretation: DICE 0.91 with 0.03 </a:t>
+            </a:r>
+            <a:r>
+              <a:rPr lang="en-GB" dirty="0" err="1" smtClean="0"/>
+              <a:t>std</a:t>
+            </a:r>
+            <a:r>
+              <a:rPr lang="en-GB" dirty="0" smtClean="0"/>
+              <a:t>; goal: 0.95 with</a:t>
+            </a:r>
+            <a:r>
+              <a:rPr lang="en-GB" baseline="0" dirty="0" smtClean="0"/>
+              <a:t> 0.05 </a:t>
+            </a:r>
+            <a:r>
+              <a:rPr lang="en-GB" baseline="0" dirty="0" err="1" smtClean="0"/>
+              <a:t>std</a:t>
+            </a:r>
+            <a:endParaRPr lang="en-GB" dirty="0" smtClean="0"/>
+          </a:p>
+          <a:p>
+            <a:endParaRPr lang="en-GB" dirty="0" smtClean="0"/>
+          </a:p>
+          <a:p>
+            <a:r>
               <a:rPr lang="en-GB" dirty="0" smtClean="0"/>
               <a:t>RF:</a:t>
             </a:r>
@@ -6851,22 +6894,15 @@
             </a:r>
             <a:r>
               <a:rPr lang="en-US" dirty="0" smtClean="0"/>
-              <a:t>: </a:t>
-            </a:r>
-            <a:r>
-              <a:rPr lang="en-US" dirty="0" smtClean="0"/>
-              <a:t>0.0313</a:t>
-            </a:r>
-          </a:p>
-          <a:p>
-            <a:endParaRPr lang="en-US" dirty="0" smtClean="0"/>
-          </a:p>
-          <a:p>
-            <a:r>
-              <a:rPr lang="en-US" dirty="0" smtClean="0"/>
-              <a:t>5 fold cross validation</a:t>
-            </a:r>
-            <a:endParaRPr lang="en-GB" dirty="0"/>
+              <a:t>: 0.0313</a:t>
+            </a:r>
+            <a:endParaRPr lang="en-GB" dirty="0" smtClean="0"/>
+          </a:p>
+          <a:p>
+            <a:r>
+              <a:rPr lang="en-GB" dirty="0" smtClean="0"/>
+              <a:t>Improvement in every case</a:t>
+            </a:r>
           </a:p>
         </p:txBody>
       </p:sp>
@@ -6970,25 +7006,24 @@
             </a:pPr>
             <a:r>
               <a:rPr lang="en-GB" dirty="0" smtClean="0"/>
-              <a:t>Dice interpretation: DICE 0.91 with 0.03 </a:t>
-            </a:r>
-            <a:r>
-              <a:rPr lang="en-GB" dirty="0" err="1" smtClean="0"/>
-              <a:t>std</a:t>
+              <a:t>Slim &amp; Fast, performs on a commercial</a:t>
+            </a:r>
+            <a:r>
+              <a:rPr lang="en-GB" baseline="0" dirty="0" smtClean="0"/>
+              <a:t> laptop </a:t>
             </a:r>
             <a:r>
               <a:rPr lang="en-GB" dirty="0" smtClean="0"/>
-              <a:t>; goal: 0.95 with</a:t>
+              <a:t>(5MB (tree model), computation</a:t>
             </a:r>
             <a:r>
               <a:rPr lang="en-GB" baseline="0" dirty="0" smtClean="0"/>
-              <a:t> 0.05 </a:t>
-            </a:r>
-            <a:r>
-              <a:rPr lang="en-GB" baseline="0" dirty="0" err="1" smtClean="0"/>
-              <a:t>std</a:t>
-            </a:r>
-            <a:endParaRPr lang="en-GB" dirty="0" smtClean="0"/>
+              <a:t> time 2.5 min (whole segmentation)</a:t>
+            </a:r>
+            <a:r>
+              <a:rPr lang="en-GB" dirty="0" smtClean="0"/>
+              <a:t>)</a:t>
+            </a:r>
           </a:p>
           <a:p>
             <a:pPr marL="0" marR="0" indent="0" algn="l" defTabSz="914400" rtl="0" eaLnBrk="1" fontAlgn="base" latinLnBrk="0" hangingPunct="1">
@@ -7010,66 +7045,10 @@
             </a:pPr>
             <a:r>
               <a:rPr lang="en-GB" dirty="0" smtClean="0"/>
-              <a:t>Slim &amp; Fast, performs on a commercial</a:t>
-            </a:r>
-            <a:r>
-              <a:rPr lang="en-GB" baseline="0" dirty="0" smtClean="0"/>
-              <a:t> laptop </a:t>
-            </a:r>
-            <a:r>
-              <a:rPr lang="en-GB" dirty="0" smtClean="0"/>
-              <a:t>(5MB (tree model), computation</a:t>
-            </a:r>
-            <a:r>
-              <a:rPr lang="en-GB" baseline="0" dirty="0" smtClean="0"/>
-              <a:t> time 2.5 min (whole segmentation)</a:t>
-            </a:r>
-            <a:r>
-              <a:rPr lang="en-GB" dirty="0" smtClean="0"/>
-              <a:t>)</a:t>
-            </a:r>
-          </a:p>
-          <a:p>
-            <a:pPr marL="0" marR="0" indent="0" algn="l" defTabSz="914400" rtl="0" eaLnBrk="1" fontAlgn="base" latinLnBrk="0" hangingPunct="1">
-              <a:lnSpc>
-                <a:spcPct val="100000"/>
-              </a:lnSpc>
-              <a:spcBef>
-                <a:spcPct val="30000"/>
-              </a:spcBef>
-              <a:spcAft>
-                <a:spcPct val="0"/>
-              </a:spcAft>
-              <a:buClrTx/>
-              <a:buSzTx/>
-              <a:buFontTx/>
-              <a:buNone/>
-              <a:tabLst/>
-              <a:defRPr/>
-            </a:pPr>
-            <a:r>
-              <a:rPr lang="en-GB" dirty="0" smtClean="0"/>
               <a:t>Segmentation is always the Femur</a:t>
             </a:r>
           </a:p>
           <a:p>
-            <a:pPr marL="0" marR="0" indent="0" algn="l" defTabSz="914400" rtl="0" eaLnBrk="1" fontAlgn="base" latinLnBrk="0" hangingPunct="1">
-              <a:lnSpc>
-                <a:spcPct val="100000"/>
-              </a:lnSpc>
-              <a:spcBef>
-                <a:spcPct val="30000"/>
-              </a:spcBef>
-              <a:spcAft>
-                <a:spcPct val="0"/>
-              </a:spcAft>
-              <a:buClrTx/>
-              <a:buSzTx/>
-              <a:buFontTx/>
-              <a:buNone/>
-              <a:tabLst/>
-              <a:defRPr/>
-            </a:pPr>
             <a:r>
               <a:rPr lang="en-GB" dirty="0" smtClean="0"/>
               <a:t>Front part of the bone</a:t>
@@ -7077,6 +7056,17 @@
             <a:r>
               <a:rPr lang="en-GB" baseline="0" dirty="0" smtClean="0"/>
               <a:t> is still ‘good’ =&gt; femoral implant</a:t>
+            </a:r>
+            <a:endParaRPr lang="en-US" dirty="0" smtClean="0"/>
+          </a:p>
+          <a:p>
+            <a:r>
+              <a:rPr lang="en-GB" dirty="0" smtClean="0"/>
+              <a:t>computation</a:t>
+            </a:r>
+            <a:r>
+              <a:rPr lang="en-GB" baseline="0" dirty="0" smtClean="0"/>
+              <a:t> time: 2.5 min (whole segmentation)</a:t>
             </a:r>
             <a:endParaRPr lang="en-GB" dirty="0" smtClean="0"/>
           </a:p>
@@ -7198,23 +7188,7 @@
             </a:r>
             <a:r>
               <a:rPr lang="en-GB" baseline="0" dirty="0" smtClean="0"/>
-              <a:t> </a:t>
-            </a:r>
-            <a:r>
-              <a:rPr lang="en-GB" baseline="0" dirty="0" smtClean="0"/>
-              <a:t>include gender</a:t>
-            </a:r>
-            <a:r>
-              <a:rPr lang="en-GB" baseline="0" dirty="0" smtClean="0"/>
-              <a:t>/</a:t>
-            </a:r>
-            <a:r>
-              <a:rPr lang="en-GB" baseline="0" dirty="0" smtClean="0"/>
-              <a:t>age/weight/height, </a:t>
-            </a:r>
-            <a:r>
-              <a:rPr lang="en-GB" baseline="0" dirty="0" smtClean="0"/>
-              <a:t>ASM</a:t>
+              <a:t> include gender/age/weight/height, ASM</a:t>
             </a:r>
             <a:endParaRPr lang="en-GB" dirty="0"/>
           </a:p>
@@ -11378,35 +11352,63 @@
           </a:lstStyle>
           <a:p>
             <a:r>
-              <a:rPr lang="en-GB" smtClean="0"/>
-              <a:t>Iwan Paolucci, Severin Tobler</a:t>
-            </a:r>
-          </a:p>
-          <a:p>
-            <a:r>
-              <a:rPr lang="en-GB" smtClean="0"/>
-              <a:t>University of Bern</a:t>
-            </a:r>
-          </a:p>
-          <a:p>
-            <a:endParaRPr lang="en-GB" smtClean="0"/>
-          </a:p>
-          <a:p>
-            <a:endParaRPr lang="en-GB" smtClean="0"/>
-          </a:p>
-          <a:p>
-            <a:endParaRPr lang="en-GB" smtClean="0"/>
-          </a:p>
-          <a:p>
-            <a:r>
-              <a:rPr lang="en-GB" sz="1800" b="1" smtClean="0">
+              <a:rPr lang="en-GB" dirty="0" err="1" smtClean="0"/>
+              <a:t>Iwan</a:t>
+            </a:r>
+            <a:r>
+              <a:rPr lang="en-GB" dirty="0" smtClean="0"/>
+              <a:t> </a:t>
+            </a:r>
+            <a:r>
+              <a:rPr lang="en-GB" dirty="0" err="1" smtClean="0"/>
+              <a:t>Paolucci</a:t>
+            </a:r>
+            <a:r>
+              <a:rPr lang="en-GB" dirty="0" smtClean="0"/>
+              <a:t>, Severin </a:t>
+            </a:r>
+            <a:r>
+              <a:rPr lang="en-GB" dirty="0" smtClean="0"/>
+              <a:t>Tobler</a:t>
+            </a:r>
+          </a:p>
+          <a:p>
+            <a:r>
+              <a:rPr lang="en-GB" b="1" dirty="0" smtClean="0"/>
+              <a:t>The </a:t>
+            </a:r>
+            <a:r>
+              <a:rPr lang="en-GB" b="1" dirty="0" smtClean="0"/>
+              <a:t>Tree Nurses</a:t>
+            </a:r>
+          </a:p>
+          <a:p>
+            <a:r>
+              <a:rPr lang="en-GB" dirty="0" smtClean="0"/>
+              <a:t>University of </a:t>
+            </a:r>
+            <a:r>
+              <a:rPr lang="en-GB" dirty="0" smtClean="0"/>
+              <a:t>Bern</a:t>
+            </a:r>
+            <a:endParaRPr lang="en-GB" dirty="0" smtClean="0"/>
+          </a:p>
+          <a:p>
+            <a:endParaRPr lang="en-GB" dirty="0" smtClean="0"/>
+          </a:p>
+          <a:p>
+            <a:endParaRPr lang="en-GB" dirty="0" smtClean="0"/>
+          </a:p>
+          <a:p>
+            <a:r>
+              <a:rPr lang="en-GB" sz="1800" b="1" dirty="0" smtClean="0">
                 <a:solidFill>
                   <a:schemeClr val="tx1"/>
                 </a:solidFill>
               </a:rPr>
               <a:t>16. December 2015, Medical Image Analysis Lab</a:t>
             </a:r>
-            <a:endParaRPr lang="en-GB" sz="1800" b="1">
+            <a:endParaRPr lang="en-GB" sz="1800" b="1" dirty="0">
               <a:solidFill>
                 <a:schemeClr val="tx1"/>
               </a:solidFill>
@@ -11486,8 +11488,13 @@
           <a:p>
             <a:r>
               <a:rPr lang="en-GB" dirty="0" smtClean="0"/>
-              <a:t>Questions?</a:t>
-            </a:r>
+              <a:t>Questions</a:t>
+            </a:r>
+            <a:r>
+              <a:rPr lang="en-GB" dirty="0" smtClean="0"/>
+              <a:t>?</a:t>
+            </a:r>
+            <a:endParaRPr lang="en-GB" dirty="0" smtClean="0"/>
           </a:p>
         </p:txBody>
       </p:sp>
@@ -11695,9 +11702,8 @@
           <a:p>
             <a:r>
               <a:rPr lang="en-GB" dirty="0" smtClean="0"/>
-              <a:t>1% Sample proportion</a:t>
-            </a:r>
-            <a:endParaRPr lang="en-GB" dirty="0" smtClean="0"/>
+              <a:t>1 % Sample proportion</a:t>
+            </a:r>
           </a:p>
           <a:p>
             <a:r>
@@ -12125,23 +12131,7 @@
           <a:p>
             <a:r>
               <a:rPr lang="en-GB" dirty="0" smtClean="0"/>
-              <a:t>Goal: </a:t>
-            </a:r>
-            <a:r>
-              <a:rPr lang="en-GB" dirty="0" smtClean="0"/>
-              <a:t>DICE </a:t>
-            </a:r>
-            <a:r>
-              <a:rPr lang="en-GB" dirty="0" smtClean="0"/>
-              <a:t>0.95 </a:t>
-            </a:r>
-            <a:r>
-              <a:rPr lang="en-GB" dirty="0" smtClean="0"/>
-              <a:t>with </a:t>
-            </a:r>
-            <a:r>
-              <a:rPr lang="en-GB" dirty="0" smtClean="0"/>
-              <a:t>0.05 </a:t>
+              <a:t>Goal: DICE 0.95 with 0.05 </a:t>
             </a:r>
             <a:r>
               <a:rPr lang="en-GB" dirty="0" err="1" smtClean="0"/>
@@ -12480,7 +12470,7 @@
           <a:graphicData uri="http://schemas.openxmlformats.org/presentationml/2006/ole">
             <mc:AlternateContent xmlns:mc="http://schemas.openxmlformats.org/markup-compatibility/2006">
               <mc:Choice xmlns:v="urn:schemas-microsoft-com:vml" Requires="v">
-                <p:oleObj spid="_x0000_s2188" name="Equation" r:id="rId5" imgW="660400" imgH="393700" progId="Equation.3">
+                <p:oleObj spid="_x0000_s2226" name="Equation" r:id="rId5" imgW="660400" imgH="393700" progId="Equation.3">
                   <p:embed/>
                 </p:oleObj>
               </mc:Choice>
@@ -12613,11 +12603,7 @@
           <a:p>
             <a:r>
               <a:rPr lang="en-GB" sz="2200" dirty="0" smtClean="0"/>
-              <a:t>Standard </a:t>
-            </a:r>
-            <a:r>
-              <a:rPr lang="en-GB" sz="2200" dirty="0" smtClean="0"/>
-              <a:t>deviation</a:t>
+              <a:t>Standard deviation</a:t>
             </a:r>
           </a:p>
           <a:p>
@@ -13291,14 +13277,14 @@
               <a:buNone/>
             </a:pPr>
             <a:r>
-              <a:rPr lang="en-GB" sz="1600" dirty="0" smtClean="0"/>
+              <a:rPr lang="en-GB" sz="1600" b="1" dirty="0" smtClean="0"/>
               <a:t>DICE 0.91 with 0.03 </a:t>
             </a:r>
             <a:r>
-              <a:rPr lang="en-GB" sz="1600" dirty="0" err="1" smtClean="0"/>
+              <a:rPr lang="en-GB" sz="1600" b="1" dirty="0" err="1" smtClean="0"/>
               <a:t>std</a:t>
             </a:r>
-            <a:endParaRPr lang="en-GB" sz="1600" dirty="0" smtClean="0"/>
+            <a:endParaRPr lang="en-GB" sz="1600" b="1" dirty="0" smtClean="0"/>
           </a:p>
         </p:txBody>
       </p:sp>
